--- a/KOvsNG.pptx
+++ b/KOvsNG.pptx
@@ -4,23 +4,26 @@
   <p:sldMasterIdLst>
     <p:sldMasterId id="2147483648" r:id="rId1"/>
   </p:sldMasterIdLst>
+  <p:notesMasterIdLst>
+    <p:notesMasterId r:id="rId22"/>
+  </p:notesMasterIdLst>
   <p:sldIdLst>
     <p:sldId id="256" r:id="rId2"/>
     <p:sldId id="257" r:id="rId3"/>
     <p:sldId id="276" r:id="rId4"/>
     <p:sldId id="258" r:id="rId5"/>
-    <p:sldId id="260" r:id="rId6"/>
-    <p:sldId id="275" r:id="rId7"/>
-    <p:sldId id="272" r:id="rId8"/>
-    <p:sldId id="273" r:id="rId9"/>
-    <p:sldId id="274" r:id="rId10"/>
-    <p:sldId id="261" r:id="rId11"/>
-    <p:sldId id="262" r:id="rId12"/>
-    <p:sldId id="263" r:id="rId13"/>
-    <p:sldId id="264" r:id="rId14"/>
-    <p:sldId id="265" r:id="rId15"/>
-    <p:sldId id="266" r:id="rId16"/>
-    <p:sldId id="267" r:id="rId17"/>
+    <p:sldId id="277" r:id="rId6"/>
+    <p:sldId id="260" r:id="rId7"/>
+    <p:sldId id="275" r:id="rId8"/>
+    <p:sldId id="272" r:id="rId9"/>
+    <p:sldId id="273" r:id="rId10"/>
+    <p:sldId id="274" r:id="rId11"/>
+    <p:sldId id="261" r:id="rId12"/>
+    <p:sldId id="262" r:id="rId13"/>
+    <p:sldId id="263" r:id="rId14"/>
+    <p:sldId id="264" r:id="rId15"/>
+    <p:sldId id="267" r:id="rId16"/>
+    <p:sldId id="266" r:id="rId17"/>
     <p:sldId id="268" r:id="rId18"/>
     <p:sldId id="269" r:id="rId19"/>
     <p:sldId id="270" r:id="rId20"/>
@@ -124,6 +127,476 @@
     </a:lvl9pPr>
   </p:defaultTextStyle>
 </p:presentation>
+</file>
+
+<file path=ppt/notesMasters/notesMaster1.xml><?xml version="1.0" encoding="utf-8"?>
+<p:notesMaster xmlns:a="http://schemas.openxmlformats.org/drawingml/2006/main" xmlns:r="http://schemas.openxmlformats.org/officeDocument/2006/relationships" xmlns:p="http://schemas.openxmlformats.org/presentationml/2006/main">
+  <p:cSld>
+    <p:bg>
+      <p:bgRef idx="1001">
+        <a:schemeClr val="bg1"/>
+      </p:bgRef>
+    </p:bg>
+    <p:spTree>
+      <p:nvGrpSpPr>
+        <p:cNvPr id="1" name=""/>
+        <p:cNvGrpSpPr/>
+        <p:nvPr/>
+      </p:nvGrpSpPr>
+      <p:grpSpPr>
+        <a:xfrm>
+          <a:off x="0" y="0"/>
+          <a:ext cx="0" cy="0"/>
+          <a:chOff x="0" y="0"/>
+          <a:chExt cx="0" cy="0"/>
+        </a:xfrm>
+      </p:grpSpPr>
+      <p:sp>
+        <p:nvSpPr>
+          <p:cNvPr id="2" name="Header Placeholder 1"/>
+          <p:cNvSpPr>
+            <a:spLocks noGrp="1"/>
+          </p:cNvSpPr>
+          <p:nvPr>
+            <p:ph type="hdr" sz="quarter"/>
+          </p:nvPr>
+        </p:nvSpPr>
+        <p:spPr>
+          <a:xfrm>
+            <a:off x="0" y="0"/>
+            <a:ext cx="2971800" cy="457200"/>
+          </a:xfrm>
+          <a:prstGeom prst="rect">
+            <a:avLst/>
+          </a:prstGeom>
+        </p:spPr>
+        <p:txBody>
+          <a:bodyPr vert="horz" lIns="91440" tIns="45720" rIns="91440" bIns="45720" rtlCol="0"/>
+          <a:lstStyle>
+            <a:lvl1pPr algn="l">
+              <a:defRPr sz="1200"/>
+            </a:lvl1pPr>
+          </a:lstStyle>
+          <a:p>
+            <a:endParaRPr lang="en-US"/>
+          </a:p>
+        </p:txBody>
+      </p:sp>
+      <p:sp>
+        <p:nvSpPr>
+          <p:cNvPr id="3" name="Date Placeholder 2"/>
+          <p:cNvSpPr>
+            <a:spLocks noGrp="1"/>
+          </p:cNvSpPr>
+          <p:nvPr>
+            <p:ph type="dt" idx="1"/>
+          </p:nvPr>
+        </p:nvSpPr>
+        <p:spPr>
+          <a:xfrm>
+            <a:off x="3884613" y="0"/>
+            <a:ext cx="2971800" cy="457200"/>
+          </a:xfrm>
+          <a:prstGeom prst="rect">
+            <a:avLst/>
+          </a:prstGeom>
+        </p:spPr>
+        <p:txBody>
+          <a:bodyPr vert="horz" lIns="91440" tIns="45720" rIns="91440" bIns="45720" rtlCol="0"/>
+          <a:lstStyle>
+            <a:lvl1pPr algn="r">
+              <a:defRPr sz="1200"/>
+            </a:lvl1pPr>
+          </a:lstStyle>
+          <a:p>
+            <a:fld id="{DA1669E9-E989-804D-97C4-F64377770B31}" type="datetimeFigureOut">
+              <a:rPr lang="en-US" smtClean="0"/>
+              <a:t>10/21/13</a:t>
+            </a:fld>
+            <a:endParaRPr lang="en-US"/>
+          </a:p>
+        </p:txBody>
+      </p:sp>
+      <p:sp>
+        <p:nvSpPr>
+          <p:cNvPr id="4" name="Slide Image Placeholder 3"/>
+          <p:cNvSpPr>
+            <a:spLocks noGrp="1" noRot="1" noChangeAspect="1"/>
+          </p:cNvSpPr>
+          <p:nvPr>
+            <p:ph type="sldImg" idx="2"/>
+          </p:nvPr>
+        </p:nvSpPr>
+        <p:spPr>
+          <a:xfrm>
+            <a:off x="1143000" y="685800"/>
+            <a:ext cx="4572000" cy="3429000"/>
+          </a:xfrm>
+          <a:prstGeom prst="rect">
+            <a:avLst/>
+          </a:prstGeom>
+          <a:noFill/>
+          <a:ln w="12700">
+            <a:solidFill>
+              <a:prstClr val="black"/>
+            </a:solidFill>
+          </a:ln>
+        </p:spPr>
+        <p:txBody>
+          <a:bodyPr vert="horz" lIns="91440" tIns="45720" rIns="91440" bIns="45720" rtlCol="0" anchor="ctr"/>
+          <a:lstStyle/>
+          <a:p>
+            <a:endParaRPr lang="en-US"/>
+          </a:p>
+        </p:txBody>
+      </p:sp>
+      <p:sp>
+        <p:nvSpPr>
+          <p:cNvPr id="5" name="Notes Placeholder 4"/>
+          <p:cNvSpPr>
+            <a:spLocks noGrp="1"/>
+          </p:cNvSpPr>
+          <p:nvPr>
+            <p:ph type="body" sz="quarter" idx="3"/>
+          </p:nvPr>
+        </p:nvSpPr>
+        <p:spPr>
+          <a:xfrm>
+            <a:off x="685800" y="4343400"/>
+            <a:ext cx="5486400" cy="4114800"/>
+          </a:xfrm>
+          <a:prstGeom prst="rect">
+            <a:avLst/>
+          </a:prstGeom>
+        </p:spPr>
+        <p:txBody>
+          <a:bodyPr vert="horz" lIns="91440" tIns="45720" rIns="91440" bIns="45720" rtlCol="0"/>
+          <a:lstStyle/>
+          <a:p>
+            <a:pPr lvl="0"/>
+            <a:r>
+              <a:rPr lang="en-US" smtClean="0"/>
+              <a:t>Click to edit Master text styles</a:t>
+            </a:r>
+          </a:p>
+          <a:p>
+            <a:pPr lvl="1"/>
+            <a:r>
+              <a:rPr lang="en-US" smtClean="0"/>
+              <a:t>Second level</a:t>
+            </a:r>
+          </a:p>
+          <a:p>
+            <a:pPr lvl="2"/>
+            <a:r>
+              <a:rPr lang="en-US" smtClean="0"/>
+              <a:t>Third level</a:t>
+            </a:r>
+          </a:p>
+          <a:p>
+            <a:pPr lvl="3"/>
+            <a:r>
+              <a:rPr lang="en-US" smtClean="0"/>
+              <a:t>Fourth level</a:t>
+            </a:r>
+          </a:p>
+          <a:p>
+            <a:pPr lvl="4"/>
+            <a:r>
+              <a:rPr lang="en-US" smtClean="0"/>
+              <a:t>Fifth level</a:t>
+            </a:r>
+            <a:endParaRPr lang="en-US"/>
+          </a:p>
+        </p:txBody>
+      </p:sp>
+      <p:sp>
+        <p:nvSpPr>
+          <p:cNvPr id="6" name="Footer Placeholder 5"/>
+          <p:cNvSpPr>
+            <a:spLocks noGrp="1"/>
+          </p:cNvSpPr>
+          <p:nvPr>
+            <p:ph type="ftr" sz="quarter" idx="4"/>
+          </p:nvPr>
+        </p:nvSpPr>
+        <p:spPr>
+          <a:xfrm>
+            <a:off x="0" y="8685213"/>
+            <a:ext cx="2971800" cy="457200"/>
+          </a:xfrm>
+          <a:prstGeom prst="rect">
+            <a:avLst/>
+          </a:prstGeom>
+        </p:spPr>
+        <p:txBody>
+          <a:bodyPr vert="horz" lIns="91440" tIns="45720" rIns="91440" bIns="45720" rtlCol="0" anchor="b"/>
+          <a:lstStyle>
+            <a:lvl1pPr algn="l">
+              <a:defRPr sz="1200"/>
+            </a:lvl1pPr>
+          </a:lstStyle>
+          <a:p>
+            <a:endParaRPr lang="en-US"/>
+          </a:p>
+        </p:txBody>
+      </p:sp>
+      <p:sp>
+        <p:nvSpPr>
+          <p:cNvPr id="7" name="Slide Number Placeholder 6"/>
+          <p:cNvSpPr>
+            <a:spLocks noGrp="1"/>
+          </p:cNvSpPr>
+          <p:nvPr>
+            <p:ph type="sldNum" sz="quarter" idx="5"/>
+          </p:nvPr>
+        </p:nvSpPr>
+        <p:spPr>
+          <a:xfrm>
+            <a:off x="3884613" y="8685213"/>
+            <a:ext cx="2971800" cy="457200"/>
+          </a:xfrm>
+          <a:prstGeom prst="rect">
+            <a:avLst/>
+          </a:prstGeom>
+        </p:spPr>
+        <p:txBody>
+          <a:bodyPr vert="horz" lIns="91440" tIns="45720" rIns="91440" bIns="45720" rtlCol="0" anchor="b"/>
+          <a:lstStyle>
+            <a:lvl1pPr algn="r">
+              <a:defRPr sz="1200"/>
+            </a:lvl1pPr>
+          </a:lstStyle>
+          <a:p>
+            <a:fld id="{06BA47A6-D45D-1F4F-8F29-2FC6985E4598}" type="slidenum">
+              <a:rPr lang="en-US" smtClean="0"/>
+              <a:t>‹#›</a:t>
+            </a:fld>
+            <a:endParaRPr lang="en-US"/>
+          </a:p>
+        </p:txBody>
+      </p:sp>
+    </p:spTree>
+    <p:extLst>
+      <p:ext uri="{BB962C8B-B14F-4D97-AF65-F5344CB8AC3E}">
+        <p14:creationId xmlns:p14="http://schemas.microsoft.com/office/powerpoint/2010/main" val="2534591212"/>
+      </p:ext>
+    </p:extLst>
+  </p:cSld>
+  <p:clrMap bg1="lt1" tx1="dk1" bg2="lt2" tx2="dk2" accent1="accent1" accent2="accent2" accent3="accent3" accent4="accent4" accent5="accent5" accent6="accent6" hlink="hlink" folHlink="folHlink"/>
+  <p:notesStyle>
+    <a:lvl1pPr marL="0" algn="l" defTabSz="457200" rtl="0" eaLnBrk="1" latinLnBrk="0" hangingPunct="1">
+      <a:defRPr sz="1200" kern="1200">
+        <a:solidFill>
+          <a:schemeClr val="tx1"/>
+        </a:solidFill>
+        <a:latin typeface="+mn-lt"/>
+        <a:ea typeface="+mn-ea"/>
+        <a:cs typeface="+mn-cs"/>
+      </a:defRPr>
+    </a:lvl1pPr>
+    <a:lvl2pPr marL="457200" algn="l" defTabSz="457200" rtl="0" eaLnBrk="1" latinLnBrk="0" hangingPunct="1">
+      <a:defRPr sz="1200" kern="1200">
+        <a:solidFill>
+          <a:schemeClr val="tx1"/>
+        </a:solidFill>
+        <a:latin typeface="+mn-lt"/>
+        <a:ea typeface="+mn-ea"/>
+        <a:cs typeface="+mn-cs"/>
+      </a:defRPr>
+    </a:lvl2pPr>
+    <a:lvl3pPr marL="914400" algn="l" defTabSz="457200" rtl="0" eaLnBrk="1" latinLnBrk="0" hangingPunct="1">
+      <a:defRPr sz="1200" kern="1200">
+        <a:solidFill>
+          <a:schemeClr val="tx1"/>
+        </a:solidFill>
+        <a:latin typeface="+mn-lt"/>
+        <a:ea typeface="+mn-ea"/>
+        <a:cs typeface="+mn-cs"/>
+      </a:defRPr>
+    </a:lvl3pPr>
+    <a:lvl4pPr marL="1371600" algn="l" defTabSz="457200" rtl="0" eaLnBrk="1" latinLnBrk="0" hangingPunct="1">
+      <a:defRPr sz="1200" kern="1200">
+        <a:solidFill>
+          <a:schemeClr val="tx1"/>
+        </a:solidFill>
+        <a:latin typeface="+mn-lt"/>
+        <a:ea typeface="+mn-ea"/>
+        <a:cs typeface="+mn-cs"/>
+      </a:defRPr>
+    </a:lvl4pPr>
+    <a:lvl5pPr marL="1828800" algn="l" defTabSz="457200" rtl="0" eaLnBrk="1" latinLnBrk="0" hangingPunct="1">
+      <a:defRPr sz="1200" kern="1200">
+        <a:solidFill>
+          <a:schemeClr val="tx1"/>
+        </a:solidFill>
+        <a:latin typeface="+mn-lt"/>
+        <a:ea typeface="+mn-ea"/>
+        <a:cs typeface="+mn-cs"/>
+      </a:defRPr>
+    </a:lvl5pPr>
+    <a:lvl6pPr marL="2286000" algn="l" defTabSz="457200" rtl="0" eaLnBrk="1" latinLnBrk="0" hangingPunct="1">
+      <a:defRPr sz="1200" kern="1200">
+        <a:solidFill>
+          <a:schemeClr val="tx1"/>
+        </a:solidFill>
+        <a:latin typeface="+mn-lt"/>
+        <a:ea typeface="+mn-ea"/>
+        <a:cs typeface="+mn-cs"/>
+      </a:defRPr>
+    </a:lvl6pPr>
+    <a:lvl7pPr marL="2743200" algn="l" defTabSz="457200" rtl="0" eaLnBrk="1" latinLnBrk="0" hangingPunct="1">
+      <a:defRPr sz="1200" kern="1200">
+        <a:solidFill>
+          <a:schemeClr val="tx1"/>
+        </a:solidFill>
+        <a:latin typeface="+mn-lt"/>
+        <a:ea typeface="+mn-ea"/>
+        <a:cs typeface="+mn-cs"/>
+      </a:defRPr>
+    </a:lvl7pPr>
+    <a:lvl8pPr marL="3200400" algn="l" defTabSz="457200" rtl="0" eaLnBrk="1" latinLnBrk="0" hangingPunct="1">
+      <a:defRPr sz="1200" kern="1200">
+        <a:solidFill>
+          <a:schemeClr val="tx1"/>
+        </a:solidFill>
+        <a:latin typeface="+mn-lt"/>
+        <a:ea typeface="+mn-ea"/>
+        <a:cs typeface="+mn-cs"/>
+      </a:defRPr>
+    </a:lvl8pPr>
+    <a:lvl9pPr marL="3657600" algn="l" defTabSz="457200" rtl="0" eaLnBrk="1" latinLnBrk="0" hangingPunct="1">
+      <a:defRPr sz="1200" kern="1200">
+        <a:solidFill>
+          <a:schemeClr val="tx1"/>
+        </a:solidFill>
+        <a:latin typeface="+mn-lt"/>
+        <a:ea typeface="+mn-ea"/>
+        <a:cs typeface="+mn-cs"/>
+      </a:defRPr>
+    </a:lvl9pPr>
+  </p:notesStyle>
+</p:notesMaster>
+</file>
+
+<file path=ppt/notesSlides/notesSlide1.xml><?xml version="1.0" encoding="utf-8"?>
+<p:notes xmlns:a="http://schemas.openxmlformats.org/drawingml/2006/main" xmlns:r="http://schemas.openxmlformats.org/officeDocument/2006/relationships" xmlns:p="http://schemas.openxmlformats.org/presentationml/2006/main">
+  <p:cSld>
+    <p:spTree>
+      <p:nvGrpSpPr>
+        <p:cNvPr id="1" name=""/>
+        <p:cNvGrpSpPr/>
+        <p:nvPr/>
+      </p:nvGrpSpPr>
+      <p:grpSpPr>
+        <a:xfrm>
+          <a:off x="0" y="0"/>
+          <a:ext cx="0" cy="0"/>
+          <a:chOff x="0" y="0"/>
+          <a:chExt cx="0" cy="0"/>
+        </a:xfrm>
+      </p:grpSpPr>
+      <p:sp>
+        <p:nvSpPr>
+          <p:cNvPr id="2" name="Slide Image Placeholder 1"/>
+          <p:cNvSpPr>
+            <a:spLocks noGrp="1" noRot="1" noChangeAspect="1"/>
+          </p:cNvSpPr>
+          <p:nvPr>
+            <p:ph type="sldImg"/>
+          </p:nvPr>
+        </p:nvSpPr>
+        <p:spPr/>
+      </p:sp>
+      <p:sp>
+        <p:nvSpPr>
+          <p:cNvPr id="3" name="Notes Placeholder 2"/>
+          <p:cNvSpPr>
+            <a:spLocks noGrp="1"/>
+          </p:cNvSpPr>
+          <p:nvPr>
+            <p:ph type="body" idx="1"/>
+          </p:nvPr>
+        </p:nvSpPr>
+        <p:spPr/>
+        <p:txBody>
+          <a:bodyPr/>
+          <a:lstStyle/>
+          <a:p>
+            <a:r>
+              <a:rPr lang="en-US" dirty="0" err="1" smtClean="0"/>
+              <a:t>ng</a:t>
+            </a:r>
+            <a:r>
+              <a:rPr lang="en-US" dirty="0" smtClean="0"/>
+              <a:t>-app</a:t>
+            </a:r>
+            <a:r>
+              <a:rPr lang="en-US" baseline="0" dirty="0" smtClean="0"/>
+              <a:t>, </a:t>
+            </a:r>
+            <a:r>
+              <a:rPr lang="en-US" baseline="0" dirty="0" err="1" smtClean="0"/>
+              <a:t>ng</a:t>
+            </a:r>
+            <a:r>
+              <a:rPr lang="en-US" baseline="0" dirty="0" smtClean="0"/>
+              <a:t>-model.. are directives</a:t>
+            </a:r>
+          </a:p>
+          <a:p>
+            <a:r>
+              <a:rPr lang="en-US" baseline="0" dirty="0" smtClean="0"/>
+              <a:t>$Scope == </a:t>
+            </a:r>
+            <a:r>
+              <a:rPr lang="en-US" baseline="0" dirty="0" err="1" smtClean="0"/>
+              <a:t>ViewModel</a:t>
+            </a:r>
+            <a:r>
+              <a:rPr lang="en-US" baseline="0" dirty="0" smtClean="0"/>
+              <a:t> and is the glue between the controller and view</a:t>
+            </a:r>
+          </a:p>
+          <a:p>
+            <a:endParaRPr lang="en-US" dirty="0"/>
+          </a:p>
+        </p:txBody>
+      </p:sp>
+      <p:sp>
+        <p:nvSpPr>
+          <p:cNvPr id="4" name="Slide Number Placeholder 3"/>
+          <p:cNvSpPr>
+            <a:spLocks noGrp="1"/>
+          </p:cNvSpPr>
+          <p:nvPr>
+            <p:ph type="sldNum" sz="quarter" idx="10"/>
+          </p:nvPr>
+        </p:nvSpPr>
+        <p:spPr/>
+        <p:txBody>
+          <a:bodyPr/>
+          <a:lstStyle/>
+          <a:p>
+            <a:fld id="{06BA47A6-D45D-1F4F-8F29-2FC6985E4598}" type="slidenum">
+              <a:rPr lang="en-US" smtClean="0"/>
+              <a:t>14</a:t>
+            </a:fld>
+            <a:endParaRPr lang="en-US"/>
+          </a:p>
+        </p:txBody>
+      </p:sp>
+    </p:spTree>
+    <p:extLst>
+      <p:ext uri="{BB962C8B-B14F-4D97-AF65-F5344CB8AC3E}">
+        <p14:creationId xmlns:p14="http://schemas.microsoft.com/office/powerpoint/2010/main" val="3030890573"/>
+      </p:ext>
+    </p:extLst>
+  </p:cSld>
+  <p:clrMapOvr>
+    <a:masterClrMapping/>
+  </p:clrMapOvr>
+</p:notes>
 </file>
 
 <file path=ppt/slideLayouts/slideLayout1.xml><?xml version="1.0" encoding="utf-8"?>
@@ -3182,6 +3655,13 @@
   <p:clrMapOvr>
     <a:masterClrMapping/>
   </p:clrMapOvr>
+  <p:timing>
+    <p:tnLst>
+      <p:par>
+        <p:cTn xmlns:p14="http://schemas.microsoft.com/office/powerpoint/2010/main" id="1" dur="indefinite" restart="never" nodeType="tmRoot"/>
+      </p:par>
+    </p:tnLst>
+  </p:timing>
 </p:sld>
 </file>
 
@@ -3227,7 +3707,7 @@
             </a:r>
             <a:r>
               <a:rPr lang="en-US" dirty="0" smtClean="0"/>
-              <a:t> NG: Components</a:t>
+              <a:t> NG: Performance</a:t>
             </a:r>
             <a:endParaRPr lang="en-US" dirty="0"/>
           </a:p>
@@ -3235,7 +3715,7 @@
       </p:sp>
       <p:sp>
         <p:nvSpPr>
-          <p:cNvPr id="3" name="Content Placeholder 2"/>
+          <p:cNvPr id="4" name="Text Placeholder 3"/>
           <p:cNvSpPr>
             <a:spLocks noGrp="1"/>
           </p:cNvSpPr>
@@ -3248,20 +3728,82 @@
           <a:bodyPr/>
           <a:lstStyle/>
           <a:p>
-            <a:endParaRPr lang="en-US"/>
+            <a:r>
+              <a:rPr lang="en-US" dirty="0" smtClean="0"/>
+              <a:t>Test: Loading 2000 contacts onto a page:</a:t>
+            </a:r>
+          </a:p>
+          <a:p>
+            <a:pPr lvl="1"/>
+            <a:r>
+              <a:rPr lang="en-US" dirty="0"/>
+              <a:t>KO: </a:t>
+            </a:r>
+            <a:r>
+              <a:rPr lang="en-US" dirty="0">
+                <a:hlinkClick r:id="rId2"/>
+              </a:rPr>
+              <a:t>http://localhost:3001/</a:t>
+            </a:r>
+            <a:r>
+              <a:rPr lang="en-US" dirty="0" smtClean="0">
+                <a:hlinkClick r:id="rId2"/>
+              </a:rPr>
+              <a:t>koperf.html</a:t>
+            </a:r>
+            <a:endParaRPr lang="en-US" dirty="0" smtClean="0"/>
+          </a:p>
+          <a:p>
+            <a:pPr lvl="1"/>
+            <a:endParaRPr lang="en-US" dirty="0"/>
+          </a:p>
+          <a:p>
+            <a:r>
+              <a:rPr lang="en-US" dirty="0" err="1" smtClean="0"/>
+              <a:t>JSPerf</a:t>
+            </a:r>
+            <a:r>
+              <a:rPr lang="en-US" dirty="0"/>
+              <a:t> </a:t>
+            </a:r>
+            <a:r>
+              <a:rPr lang="en-US" dirty="0" smtClean="0"/>
+              <a:t>test:</a:t>
+            </a:r>
+          </a:p>
+          <a:p>
+            <a:pPr lvl="1"/>
+            <a:r>
+              <a:rPr lang="en-US" dirty="0" smtClean="0">
+                <a:hlinkClick r:id="rId3"/>
+              </a:rPr>
+              <a:t>http://jsperf.com/angularjs-vs-knockoutjs/18</a:t>
+            </a:r>
+            <a:endParaRPr lang="en-US" dirty="0" smtClean="0"/>
+          </a:p>
+          <a:p>
+            <a:pPr lvl="1"/>
+            <a:endParaRPr lang="en-US" dirty="0"/>
           </a:p>
         </p:txBody>
       </p:sp>
     </p:spTree>
     <p:extLst>
       <p:ext uri="{BB962C8B-B14F-4D97-AF65-F5344CB8AC3E}">
-        <p14:creationId xmlns:p14="http://schemas.microsoft.com/office/powerpoint/2010/main" val="336563350"/>
+        <p14:creationId xmlns:p14="http://schemas.microsoft.com/office/powerpoint/2010/main" val="3794787906"/>
       </p:ext>
     </p:extLst>
   </p:cSld>
   <p:clrMapOvr>
     <a:masterClrMapping/>
   </p:clrMapOvr>
+  <p:timing>
+    <p:tnLst>
+      <p:par>
+        <p:cTn xmlns:p14="http://schemas.microsoft.com/office/powerpoint/2010/main" id="1" dur="indefinite" restart="never" nodeType="tmRoot"/>
+      </p:par>
+    </p:tnLst>
+  </p:timing>
 </p:sld>
 </file>
 
@@ -3307,7 +3849,7 @@
             </a:r>
             <a:r>
               <a:rPr lang="en-US" dirty="0" smtClean="0"/>
-              <a:t> NG: Dependency Injection</a:t>
+              <a:t> NG: Components</a:t>
             </a:r>
             <a:endParaRPr lang="en-US" dirty="0"/>
           </a:p>
@@ -3323,14 +3865,19 @@
             <p:ph type="body" idx="1"/>
           </p:nvPr>
         </p:nvSpPr>
-        <p:spPr/>
-        <p:txBody>
-          <a:bodyPr/>
-          <a:lstStyle/>
-          <a:p>
-            <a:r>
-              <a:rPr lang="en-US" dirty="0" smtClean="0"/>
-              <a:t>Knockout (w/ Require)</a:t>
+        <p:spPr>
+          <a:xfrm>
+            <a:off x="683066" y="1215232"/>
+            <a:ext cx="1384937" cy="639762"/>
+          </a:xfrm>
+        </p:spPr>
+        <p:txBody>
+          <a:bodyPr/>
+          <a:lstStyle/>
+          <a:p>
+            <a:r>
+              <a:rPr lang="en-US" dirty="0" smtClean="0"/>
+              <a:t>Knockout</a:t>
             </a:r>
             <a:endParaRPr lang="en-US" dirty="0"/>
           </a:p>
@@ -3338,276 +3885,708 @@
       </p:sp>
       <p:sp>
         <p:nvSpPr>
-          <p:cNvPr id="5" name="Content Placeholder 4"/>
-          <p:cNvSpPr>
-            <a:spLocks noGrp="1"/>
-          </p:cNvSpPr>
-          <p:nvPr>
-            <p:ph sz="half" idx="2"/>
-          </p:nvPr>
-        </p:nvSpPr>
-        <p:spPr/>
-        <p:txBody>
-          <a:bodyPr>
-            <a:normAutofit/>
-          </a:bodyPr>
-          <a:lstStyle/>
-          <a:p>
-            <a:pPr marL="0" indent="0">
-              <a:buNone/>
-            </a:pPr>
-            <a:r>
-              <a:rPr lang="en-US" sz="1600" b="1" dirty="0" smtClean="0">
-                <a:latin typeface="Courier"/>
-                <a:cs typeface="Courier"/>
-              </a:rPr>
-              <a:t>Add Require to head tag:</a:t>
-            </a:r>
-          </a:p>
-          <a:p>
-            <a:pPr marL="0" indent="0">
-              <a:buNone/>
-            </a:pPr>
-            <a:r>
-              <a:rPr lang="en-US" sz="1600" dirty="0">
-                <a:latin typeface="Courier"/>
-                <a:cs typeface="Courier"/>
-              </a:rPr>
-              <a:t>&lt;script data-main</a:t>
-            </a:r>
-            <a:r>
-              <a:rPr lang="en-US" sz="1600" dirty="0" smtClean="0">
-                <a:latin typeface="Courier"/>
-                <a:cs typeface="Courier"/>
-              </a:rPr>
-              <a:t>=”/scripts/main" </a:t>
-            </a:r>
-            <a:r>
-              <a:rPr lang="en-US" sz="1600" dirty="0" err="1">
-                <a:latin typeface="Courier"/>
-                <a:cs typeface="Courier"/>
-              </a:rPr>
-              <a:t>src</a:t>
-            </a:r>
-            <a:r>
-              <a:rPr lang="en-US" sz="1600" dirty="0" smtClean="0">
-                <a:latin typeface="Courier"/>
-                <a:cs typeface="Courier"/>
-              </a:rPr>
-              <a:t>=”/</a:t>
-            </a:r>
-            <a:r>
-              <a:rPr lang="en-US" sz="1600" dirty="0">
-                <a:latin typeface="Courier"/>
-                <a:cs typeface="Courier"/>
-              </a:rPr>
-              <a:t>lib/require_v2.1.8.js"&gt;&lt;/script&gt;</a:t>
-            </a:r>
-            <a:endParaRPr lang="en-US" sz="1600" dirty="0" smtClean="0">
-              <a:latin typeface="Courier"/>
-              <a:cs typeface="Courier"/>
-            </a:endParaRPr>
-          </a:p>
-          <a:p>
-            <a:pPr marL="0" indent="0">
-              <a:buNone/>
-            </a:pPr>
-            <a:endParaRPr lang="en-US" sz="1600" dirty="0">
-              <a:latin typeface="Courier"/>
-              <a:cs typeface="Courier"/>
-            </a:endParaRPr>
-          </a:p>
-          <a:p>
-            <a:pPr marL="0" indent="0">
-              <a:buNone/>
-            </a:pPr>
-            <a:r>
-              <a:rPr lang="en-US" sz="1600" b="1" dirty="0" smtClean="0">
-                <a:latin typeface="Courier"/>
-                <a:cs typeface="Courier"/>
-              </a:rPr>
-              <a:t>In ‘</a:t>
-            </a:r>
-            <a:r>
-              <a:rPr lang="en-US" sz="1600" b="1" dirty="0" err="1" smtClean="0">
-                <a:latin typeface="Courier"/>
-                <a:cs typeface="Courier"/>
-              </a:rPr>
-              <a:t>main.js</a:t>
-            </a:r>
-            <a:r>
-              <a:rPr lang="en-US" sz="1600" b="1" dirty="0" smtClean="0">
-                <a:latin typeface="Courier"/>
-                <a:cs typeface="Courier"/>
-              </a:rPr>
-              <a:t>’ inject dependencies:</a:t>
-            </a:r>
-          </a:p>
-          <a:p>
-            <a:pPr marL="0" indent="0">
-              <a:buNone/>
-            </a:pPr>
-            <a:r>
-              <a:rPr lang="en-US" sz="1600" dirty="0" smtClean="0">
-                <a:latin typeface="Courier"/>
-                <a:cs typeface="Courier"/>
-              </a:rPr>
-              <a:t>require</a:t>
-            </a:r>
-            <a:r>
-              <a:rPr lang="en-US" sz="1600" dirty="0">
-                <a:latin typeface="Courier"/>
-                <a:cs typeface="Courier"/>
-              </a:rPr>
-              <a:t>(</a:t>
-            </a:r>
-            <a:r>
-              <a:rPr lang="en-US" sz="1600" dirty="0" smtClean="0">
-                <a:latin typeface="Courier"/>
-                <a:cs typeface="Courier"/>
-              </a:rPr>
-              <a:t>[‘ko_v2.3.0</a:t>
-            </a:r>
-            <a:r>
-              <a:rPr lang="en-US" sz="1600" dirty="0">
-                <a:latin typeface="Courier"/>
-                <a:cs typeface="Courier"/>
-              </a:rPr>
-              <a:t>.</a:t>
-            </a:r>
-            <a:r>
-              <a:rPr lang="en-US" sz="1600" dirty="0" smtClean="0">
-                <a:latin typeface="Courier"/>
-                <a:cs typeface="Courier"/>
-              </a:rPr>
-              <a:t>js’, ‘</a:t>
-            </a:r>
-            <a:r>
-              <a:rPr lang="en-US" sz="1600" dirty="0" err="1" smtClean="0">
-                <a:latin typeface="Courier"/>
-                <a:cs typeface="Courier"/>
-              </a:rPr>
-              <a:t>jquery</a:t>
-            </a:r>
-            <a:r>
-              <a:rPr lang="en-US" sz="1600" dirty="0" smtClean="0">
-                <a:latin typeface="Courier"/>
-                <a:cs typeface="Courier"/>
-              </a:rPr>
-              <a:t>’, …],</a:t>
-            </a:r>
-            <a:r>
-              <a:rPr lang="en-US" sz="1600" dirty="0">
-                <a:latin typeface="Courier"/>
-                <a:cs typeface="Courier"/>
-              </a:rPr>
-              <a:t>	function(</a:t>
-            </a:r>
-            <a:r>
-              <a:rPr lang="en-US" sz="1600" dirty="0" err="1" smtClean="0">
-                <a:latin typeface="Courier"/>
-                <a:cs typeface="Courier"/>
-              </a:rPr>
+          <p:cNvPr id="6" name="Text Placeholder 5"/>
+          <p:cNvSpPr>
+            <a:spLocks noGrp="1"/>
+          </p:cNvSpPr>
+          <p:nvPr>
+            <p:ph type="body" sz="quarter" idx="3"/>
+          </p:nvPr>
+        </p:nvSpPr>
+        <p:spPr>
+          <a:xfrm>
+            <a:off x="5474825" y="1215232"/>
+            <a:ext cx="1260475" cy="639762"/>
+          </a:xfrm>
+        </p:spPr>
+        <p:txBody>
+          <a:bodyPr/>
+          <a:lstStyle/>
+          <a:p>
+            <a:r>
+              <a:rPr lang="en-US" dirty="0" smtClean="0"/>
+              <a:t>Angular</a:t>
+            </a:r>
+            <a:endParaRPr lang="en-US" dirty="0"/>
+          </a:p>
+        </p:txBody>
+      </p:sp>
+      <p:sp>
+        <p:nvSpPr>
+          <p:cNvPr id="8" name="Rounded Rectangle 7"/>
+          <p:cNvSpPr/>
+          <p:nvPr/>
+        </p:nvSpPr>
+        <p:spPr>
+          <a:xfrm>
+            <a:off x="53855" y="3991706"/>
+            <a:ext cx="1159071" cy="493325"/>
+          </a:xfrm>
+          <a:prstGeom prst="roundRect">
+            <a:avLst/>
+          </a:prstGeom>
+        </p:spPr>
+        <p:style>
+          <a:lnRef idx="1">
+            <a:schemeClr val="accent1"/>
+          </a:lnRef>
+          <a:fillRef idx="3">
+            <a:schemeClr val="accent1"/>
+          </a:fillRef>
+          <a:effectRef idx="2">
+            <a:schemeClr val="accent1"/>
+          </a:effectRef>
+          <a:fontRef idx="minor">
+            <a:schemeClr val="lt1"/>
+          </a:fontRef>
+        </p:style>
+        <p:txBody>
+          <a:bodyPr rtlCol="0" anchor="ctr"/>
+          <a:lstStyle/>
+          <a:p>
+            <a:pPr algn="ctr"/>
+            <a:r>
+              <a:rPr lang="en-US" dirty="0" smtClean="0"/>
+              <a:t>Model</a:t>
+            </a:r>
+            <a:endParaRPr lang="en-US" dirty="0"/>
+          </a:p>
+        </p:txBody>
+      </p:sp>
+      <p:sp>
+        <p:nvSpPr>
+          <p:cNvPr id="9" name="Rounded Rectangle 8"/>
+          <p:cNvSpPr/>
+          <p:nvPr/>
+        </p:nvSpPr>
+        <p:spPr>
+          <a:xfrm>
+            <a:off x="2272056" y="4665794"/>
+            <a:ext cx="1159071" cy="493325"/>
+          </a:xfrm>
+          <a:prstGeom prst="roundRect">
+            <a:avLst/>
+          </a:prstGeom>
+        </p:spPr>
+        <p:style>
+          <a:lnRef idx="1">
+            <a:schemeClr val="accent1"/>
+          </a:lnRef>
+          <a:fillRef idx="3">
+            <a:schemeClr val="accent1"/>
+          </a:fillRef>
+          <a:effectRef idx="2">
+            <a:schemeClr val="accent1"/>
+          </a:effectRef>
+          <a:fontRef idx="minor">
+            <a:schemeClr val="lt1"/>
+          </a:fontRef>
+        </p:style>
+        <p:txBody>
+          <a:bodyPr rtlCol="0" anchor="ctr"/>
+          <a:lstStyle/>
+          <a:p>
+            <a:pPr algn="ctr"/>
+            <a:r>
+              <a:rPr lang="en-US" dirty="0" smtClean="0"/>
+              <a:t>View</a:t>
+            </a:r>
+            <a:endParaRPr lang="en-US" dirty="0"/>
+          </a:p>
+        </p:txBody>
+      </p:sp>
+      <p:sp>
+        <p:nvSpPr>
+          <p:cNvPr id="10" name="Rounded Rectangle 9"/>
+          <p:cNvSpPr/>
+          <p:nvPr/>
+        </p:nvSpPr>
+        <p:spPr>
+          <a:xfrm>
+            <a:off x="53855" y="4650890"/>
+            <a:ext cx="1159071" cy="493325"/>
+          </a:xfrm>
+          <a:prstGeom prst="roundRect">
+            <a:avLst/>
+          </a:prstGeom>
+        </p:spPr>
+        <p:style>
+          <a:lnRef idx="1">
+            <a:schemeClr val="accent1"/>
+          </a:lnRef>
+          <a:fillRef idx="3">
+            <a:schemeClr val="accent1"/>
+          </a:fillRef>
+          <a:effectRef idx="2">
+            <a:schemeClr val="accent1"/>
+          </a:effectRef>
+          <a:fontRef idx="minor">
+            <a:schemeClr val="lt1"/>
+          </a:fontRef>
+        </p:style>
+        <p:txBody>
+          <a:bodyPr rtlCol="0" anchor="ctr"/>
+          <a:lstStyle/>
+          <a:p>
+            <a:pPr algn="ctr"/>
+            <a:r>
+              <a:rPr lang="en-US" dirty="0" smtClean="0"/>
+              <a:t>View Model</a:t>
+            </a:r>
+            <a:endParaRPr lang="en-US" dirty="0"/>
+          </a:p>
+        </p:txBody>
+      </p:sp>
+      <p:sp>
+        <p:nvSpPr>
+          <p:cNvPr id="11" name="Rounded Rectangle 10"/>
+          <p:cNvSpPr/>
+          <p:nvPr/>
+        </p:nvSpPr>
+        <p:spPr>
+          <a:xfrm>
+            <a:off x="5066318" y="2235990"/>
+            <a:ext cx="2098598" cy="493325"/>
+          </a:xfrm>
+          <a:prstGeom prst="roundRect">
+            <a:avLst/>
+          </a:prstGeom>
+        </p:spPr>
+        <p:style>
+          <a:lnRef idx="1">
+            <a:schemeClr val="accent1"/>
+          </a:lnRef>
+          <a:fillRef idx="3">
+            <a:schemeClr val="accent1"/>
+          </a:fillRef>
+          <a:effectRef idx="2">
+            <a:schemeClr val="accent1"/>
+          </a:effectRef>
+          <a:fontRef idx="minor">
+            <a:schemeClr val="lt1"/>
+          </a:fontRef>
+        </p:style>
+        <p:txBody>
+          <a:bodyPr rtlCol="0" anchor="ctr"/>
+          <a:lstStyle/>
+          <a:p>
+            <a:pPr algn="ctr"/>
+            <a:r>
+              <a:rPr lang="en-US" dirty="0" smtClean="0"/>
+              <a:t>Module</a:t>
+            </a:r>
+            <a:endParaRPr lang="en-US" dirty="0"/>
+          </a:p>
+        </p:txBody>
+      </p:sp>
+      <p:sp>
+        <p:nvSpPr>
+          <p:cNvPr id="12" name="Rounded Rectangle 11"/>
+          <p:cNvSpPr/>
+          <p:nvPr/>
+        </p:nvSpPr>
+        <p:spPr>
+          <a:xfrm>
+            <a:off x="5066318" y="3103559"/>
+            <a:ext cx="2098598" cy="493325"/>
+          </a:xfrm>
+          <a:prstGeom prst="roundRect">
+            <a:avLst/>
+          </a:prstGeom>
+        </p:spPr>
+        <p:style>
+          <a:lnRef idx="1">
+            <a:schemeClr val="accent1"/>
+          </a:lnRef>
+          <a:fillRef idx="3">
+            <a:schemeClr val="accent1"/>
+          </a:fillRef>
+          <a:effectRef idx="2">
+            <a:schemeClr val="accent1"/>
+          </a:effectRef>
+          <a:fontRef idx="minor">
+            <a:schemeClr val="lt1"/>
+          </a:fontRef>
+        </p:style>
+        <p:txBody>
+          <a:bodyPr rtlCol="0" anchor="ctr"/>
+          <a:lstStyle/>
+          <a:p>
+            <a:pPr algn="ctr"/>
+            <a:r>
+              <a:rPr lang="en-US" dirty="0" err="1" smtClean="0"/>
+              <a:t>Config</a:t>
+            </a:r>
+            <a:endParaRPr lang="en-US" dirty="0"/>
+          </a:p>
+        </p:txBody>
+      </p:sp>
+      <p:sp>
+        <p:nvSpPr>
+          <p:cNvPr id="13" name="Rounded Rectangle 12"/>
+          <p:cNvSpPr/>
+          <p:nvPr/>
+        </p:nvSpPr>
+        <p:spPr>
+          <a:xfrm>
+            <a:off x="5066318" y="3989071"/>
+            <a:ext cx="2098598" cy="493325"/>
+          </a:xfrm>
+          <a:prstGeom prst="roundRect">
+            <a:avLst/>
+          </a:prstGeom>
+        </p:spPr>
+        <p:style>
+          <a:lnRef idx="1">
+            <a:schemeClr val="accent1"/>
+          </a:lnRef>
+          <a:fillRef idx="3">
+            <a:schemeClr val="accent1"/>
+          </a:fillRef>
+          <a:effectRef idx="2">
+            <a:schemeClr val="accent1"/>
+          </a:effectRef>
+          <a:fontRef idx="minor">
+            <a:schemeClr val="lt1"/>
+          </a:fontRef>
+        </p:style>
+        <p:txBody>
+          <a:bodyPr rtlCol="0" anchor="ctr"/>
+          <a:lstStyle/>
+          <a:p>
+            <a:pPr algn="ctr"/>
+            <a:r>
+              <a:rPr lang="en-US" dirty="0" smtClean="0"/>
+              <a:t>Routes</a:t>
+            </a:r>
+            <a:endParaRPr lang="en-US" dirty="0"/>
+          </a:p>
+        </p:txBody>
+      </p:sp>
+      <p:sp>
+        <p:nvSpPr>
+          <p:cNvPr id="14" name="Rounded Rectangle 13"/>
+          <p:cNvSpPr/>
+          <p:nvPr/>
+        </p:nvSpPr>
+        <p:spPr>
+          <a:xfrm>
+            <a:off x="7164916" y="4665794"/>
+            <a:ext cx="1745127" cy="493325"/>
+          </a:xfrm>
+          <a:prstGeom prst="roundRect">
+            <a:avLst/>
+          </a:prstGeom>
+        </p:spPr>
+        <p:style>
+          <a:lnRef idx="1">
+            <a:schemeClr val="accent1"/>
+          </a:lnRef>
+          <a:fillRef idx="3">
+            <a:schemeClr val="accent1"/>
+          </a:fillRef>
+          <a:effectRef idx="2">
+            <a:schemeClr val="accent1"/>
+          </a:effectRef>
+          <a:fontRef idx="minor">
+            <a:schemeClr val="lt1"/>
+          </a:fontRef>
+        </p:style>
+        <p:txBody>
+          <a:bodyPr rtlCol="0" anchor="ctr"/>
+          <a:lstStyle/>
+          <a:p>
+            <a:pPr algn="ctr"/>
+            <a:r>
+              <a:rPr lang="en-US" dirty="0" smtClean="0"/>
+              <a:t>Controller</a:t>
+            </a:r>
+            <a:endParaRPr lang="en-US" dirty="0"/>
+          </a:p>
+        </p:txBody>
+      </p:sp>
+      <p:sp>
+        <p:nvSpPr>
+          <p:cNvPr id="15" name="Rounded Rectangle 14"/>
+          <p:cNvSpPr/>
+          <p:nvPr/>
+        </p:nvSpPr>
+        <p:spPr>
+          <a:xfrm>
+            <a:off x="7164916" y="5766238"/>
+            <a:ext cx="1962178" cy="493325"/>
+          </a:xfrm>
+          <a:prstGeom prst="roundRect">
+            <a:avLst/>
+          </a:prstGeom>
+        </p:spPr>
+        <p:style>
+          <a:lnRef idx="1">
+            <a:schemeClr val="accent1"/>
+          </a:lnRef>
+          <a:fillRef idx="3">
+            <a:schemeClr val="accent1"/>
+          </a:fillRef>
+          <a:effectRef idx="2">
+            <a:schemeClr val="accent1"/>
+          </a:effectRef>
+          <a:fontRef idx="minor">
+            <a:schemeClr val="lt1"/>
+          </a:fontRef>
+        </p:style>
+        <p:txBody>
+          <a:bodyPr rtlCol="0" anchor="ctr"/>
+          <a:lstStyle/>
+          <a:p>
+            <a:pPr algn="ctr"/>
+            <a:r>
+              <a:rPr lang="en-US" dirty="0" smtClean="0"/>
+              <a:t>Factory/Service/Provider/Value</a:t>
+            </a:r>
+            <a:endParaRPr lang="en-US" dirty="0"/>
+          </a:p>
+        </p:txBody>
+      </p:sp>
+      <p:sp>
+        <p:nvSpPr>
+          <p:cNvPr id="16" name="Rounded Rectangle 15"/>
+          <p:cNvSpPr/>
+          <p:nvPr/>
+        </p:nvSpPr>
+        <p:spPr>
+          <a:xfrm>
+            <a:off x="4011084" y="4804038"/>
+            <a:ext cx="1421408" cy="493325"/>
+          </a:xfrm>
+          <a:prstGeom prst="roundRect">
+            <a:avLst/>
+          </a:prstGeom>
+        </p:spPr>
+        <p:style>
+          <a:lnRef idx="1">
+            <a:schemeClr val="accent1"/>
+          </a:lnRef>
+          <a:fillRef idx="3">
+            <a:schemeClr val="accent1"/>
+          </a:fillRef>
+          <a:effectRef idx="2">
+            <a:schemeClr val="accent1"/>
+          </a:effectRef>
+          <a:fontRef idx="minor">
+            <a:schemeClr val="lt1"/>
+          </a:fontRef>
+        </p:style>
+        <p:txBody>
+          <a:bodyPr rtlCol="0" anchor="ctr"/>
+          <a:lstStyle/>
+          <a:p>
+            <a:pPr algn="ctr"/>
+            <a:r>
+              <a:rPr lang="en-US" dirty="0" smtClean="0"/>
+              <a:t>View</a:t>
+            </a:r>
+            <a:endParaRPr lang="en-US" dirty="0"/>
+          </a:p>
+        </p:txBody>
+      </p:sp>
+      <p:sp>
+        <p:nvSpPr>
+          <p:cNvPr id="17" name="Rounded Rectangle 16"/>
+          <p:cNvSpPr/>
+          <p:nvPr/>
+        </p:nvSpPr>
+        <p:spPr>
+          <a:xfrm>
+            <a:off x="4011084" y="5810021"/>
+            <a:ext cx="1421408" cy="493325"/>
+          </a:xfrm>
+          <a:prstGeom prst="roundRect">
+            <a:avLst/>
+          </a:prstGeom>
+        </p:spPr>
+        <p:style>
+          <a:lnRef idx="1">
+            <a:schemeClr val="accent1"/>
+          </a:lnRef>
+          <a:fillRef idx="3">
+            <a:schemeClr val="accent1"/>
+          </a:fillRef>
+          <a:effectRef idx="2">
+            <a:schemeClr val="accent1"/>
+          </a:effectRef>
+          <a:fontRef idx="minor">
+            <a:schemeClr val="lt1"/>
+          </a:fontRef>
+        </p:style>
+        <p:txBody>
+          <a:bodyPr rtlCol="0" anchor="ctr"/>
+          <a:lstStyle/>
+          <a:p>
+            <a:pPr algn="ctr"/>
+            <a:r>
+              <a:rPr lang="en-US" dirty="0" smtClean="0"/>
+              <a:t>Directive</a:t>
+            </a:r>
+            <a:endParaRPr lang="en-US" dirty="0"/>
+          </a:p>
+        </p:txBody>
+      </p:sp>
+      <p:sp>
+        <p:nvSpPr>
+          <p:cNvPr id="18" name="Oval 17"/>
+          <p:cNvSpPr/>
+          <p:nvPr/>
+        </p:nvSpPr>
+        <p:spPr>
+          <a:xfrm>
+            <a:off x="5651500" y="4804038"/>
+            <a:ext cx="1238442" cy="634821"/>
+          </a:xfrm>
+          <a:prstGeom prst="ellipse">
+            <a:avLst/>
+          </a:prstGeom>
+        </p:spPr>
+        <p:style>
+          <a:lnRef idx="1">
+            <a:schemeClr val="accent1"/>
+          </a:lnRef>
+          <a:fillRef idx="3">
+            <a:schemeClr val="accent1"/>
+          </a:fillRef>
+          <a:effectRef idx="2">
+            <a:schemeClr val="accent1"/>
+          </a:effectRef>
+          <a:fontRef idx="minor">
+            <a:schemeClr val="lt1"/>
+          </a:fontRef>
+        </p:style>
+        <p:txBody>
+          <a:bodyPr rtlCol="0" anchor="ctr"/>
+          <a:lstStyle/>
+          <a:p>
+            <a:pPr algn="ctr"/>
+            <a:r>
+              <a:rPr lang="en-US" dirty="0" smtClean="0"/>
+              <a:t>$scope</a:t>
+            </a:r>
+            <a:endParaRPr lang="en-US" dirty="0"/>
+          </a:p>
+        </p:txBody>
+      </p:sp>
+      <p:sp>
+        <p:nvSpPr>
+          <p:cNvPr id="19" name="Rounded Rectangle 18"/>
+          <p:cNvSpPr/>
+          <p:nvPr/>
+        </p:nvSpPr>
+        <p:spPr>
+          <a:xfrm>
+            <a:off x="861048" y="5438859"/>
+            <a:ext cx="1962178" cy="493325"/>
+          </a:xfrm>
+          <a:prstGeom prst="roundRect">
+            <a:avLst/>
+          </a:prstGeom>
+        </p:spPr>
+        <p:style>
+          <a:lnRef idx="1">
+            <a:schemeClr val="accent1"/>
+          </a:lnRef>
+          <a:fillRef idx="3">
+            <a:schemeClr val="accent1"/>
+          </a:fillRef>
+          <a:effectRef idx="2">
+            <a:schemeClr val="accent1"/>
+          </a:effectRef>
+          <a:fontRef idx="minor">
+            <a:schemeClr val="lt1"/>
+          </a:fontRef>
+        </p:style>
+        <p:txBody>
+          <a:bodyPr rtlCol="0" anchor="ctr"/>
+          <a:lstStyle/>
+          <a:p>
+            <a:pPr algn="ctr"/>
+            <a:r>
+              <a:rPr lang="en-US" dirty="0" smtClean="0"/>
+              <a:t>Extenders</a:t>
+            </a:r>
+            <a:endParaRPr lang="en-US" dirty="0"/>
+          </a:p>
+        </p:txBody>
+      </p:sp>
+      <p:sp>
+        <p:nvSpPr>
+          <p:cNvPr id="20" name="Rounded Rectangle 19"/>
+          <p:cNvSpPr/>
+          <p:nvPr/>
+        </p:nvSpPr>
+        <p:spPr>
+          <a:xfrm>
+            <a:off x="861048" y="6056683"/>
+            <a:ext cx="1962178" cy="493325"/>
+          </a:xfrm>
+          <a:prstGeom prst="roundRect">
+            <a:avLst/>
+          </a:prstGeom>
+        </p:spPr>
+        <p:style>
+          <a:lnRef idx="1">
+            <a:schemeClr val="accent1"/>
+          </a:lnRef>
+          <a:fillRef idx="3">
+            <a:schemeClr val="accent1"/>
+          </a:fillRef>
+          <a:effectRef idx="2">
+            <a:schemeClr val="accent1"/>
+          </a:effectRef>
+          <a:fontRef idx="minor">
+            <a:schemeClr val="lt1"/>
+          </a:fontRef>
+        </p:style>
+        <p:txBody>
+          <a:bodyPr rtlCol="0" anchor="ctr"/>
+          <a:lstStyle/>
+          <a:p>
+            <a:pPr algn="ctr"/>
+            <a:r>
+              <a:rPr lang="en-US" dirty="0" smtClean="0"/>
+              <a:t>Custom Bindings</a:t>
+            </a:r>
+            <a:endParaRPr lang="en-US" dirty="0"/>
+          </a:p>
+        </p:txBody>
+      </p:sp>
+      <p:sp>
+        <p:nvSpPr>
+          <p:cNvPr id="21" name="Rounded Rectangle 20"/>
+          <p:cNvSpPr/>
+          <p:nvPr/>
+        </p:nvSpPr>
+        <p:spPr>
+          <a:xfrm>
+            <a:off x="633391" y="2235990"/>
+            <a:ext cx="2098598" cy="493325"/>
+          </a:xfrm>
+          <a:prstGeom prst="roundRect">
+            <a:avLst/>
+          </a:prstGeom>
+        </p:spPr>
+        <p:style>
+          <a:lnRef idx="1">
+            <a:schemeClr val="accent1"/>
+          </a:lnRef>
+          <a:fillRef idx="3">
+            <a:schemeClr val="accent1"/>
+          </a:fillRef>
+          <a:effectRef idx="2">
+            <a:schemeClr val="accent1"/>
+          </a:effectRef>
+          <a:fontRef idx="minor">
+            <a:schemeClr val="lt1"/>
+          </a:fontRef>
+        </p:style>
+        <p:txBody>
+          <a:bodyPr rtlCol="0" anchor="ctr"/>
+          <a:lstStyle/>
+          <a:p>
+            <a:pPr algn="ctr"/>
+            <a:r>
+              <a:rPr lang="en-US" dirty="0" smtClean="0"/>
+              <a:t>Module</a:t>
+            </a:r>
+            <a:endParaRPr lang="en-US" dirty="0"/>
+          </a:p>
+        </p:txBody>
+      </p:sp>
+      <p:sp>
+        <p:nvSpPr>
+          <p:cNvPr id="22" name="Rounded Rectangle 21"/>
+          <p:cNvSpPr/>
+          <p:nvPr/>
+        </p:nvSpPr>
+        <p:spPr>
+          <a:xfrm>
+            <a:off x="633391" y="3103559"/>
+            <a:ext cx="2098598" cy="493325"/>
+          </a:xfrm>
+          <a:prstGeom prst="roundRect">
+            <a:avLst/>
+          </a:prstGeom>
+        </p:spPr>
+        <p:style>
+          <a:lnRef idx="1">
+            <a:schemeClr val="accent1"/>
+          </a:lnRef>
+          <a:fillRef idx="3">
+            <a:schemeClr val="accent1"/>
+          </a:fillRef>
+          <a:effectRef idx="2">
+            <a:schemeClr val="accent1"/>
+          </a:effectRef>
+          <a:fontRef idx="minor">
+            <a:schemeClr val="lt1"/>
+          </a:fontRef>
+        </p:style>
+        <p:txBody>
+          <a:bodyPr rtlCol="0" anchor="ctr"/>
+          <a:lstStyle/>
+          <a:p>
+            <a:pPr algn="ctr"/>
+            <a:r>
+              <a:rPr lang="en-US" dirty="0" smtClean="0"/>
+              <a:t>3</a:t>
+            </a:r>
+            <a:r>
+              <a:rPr lang="en-US" baseline="30000" dirty="0" smtClean="0"/>
+              <a:t>rd</a:t>
+            </a:r>
+            <a:r>
+              <a:rPr lang="en-US" dirty="0" smtClean="0"/>
+              <a:t> Party Plugins</a:t>
+            </a:r>
+            <a:endParaRPr lang="en-US" dirty="0"/>
+          </a:p>
+        </p:txBody>
+      </p:sp>
+      <p:sp>
+        <p:nvSpPr>
+          <p:cNvPr id="23" name="Oval 22"/>
+          <p:cNvSpPr/>
+          <p:nvPr/>
+        </p:nvSpPr>
+        <p:spPr>
+          <a:xfrm>
+            <a:off x="1369646" y="4524298"/>
+            <a:ext cx="698357" cy="634821"/>
+          </a:xfrm>
+          <a:prstGeom prst="ellipse">
+            <a:avLst/>
+          </a:prstGeom>
+        </p:spPr>
+        <p:style>
+          <a:lnRef idx="1">
+            <a:schemeClr val="accent1"/>
+          </a:lnRef>
+          <a:fillRef idx="3">
+            <a:schemeClr val="accent1"/>
+          </a:fillRef>
+          <a:effectRef idx="2">
+            <a:schemeClr val="accent1"/>
+          </a:effectRef>
+          <a:fontRef idx="minor">
+            <a:schemeClr val="lt1"/>
+          </a:fontRef>
+        </p:style>
+        <p:txBody>
+          <a:bodyPr rtlCol="0" anchor="ctr"/>
+          <a:lstStyle/>
+          <a:p>
+            <a:pPr algn="ctr"/>
+            <a:r>
+              <a:rPr lang="en-US" dirty="0" err="1" smtClean="0"/>
               <a:t>ko</a:t>
             </a:r>
-            <a:r>
-              <a:rPr lang="en-US" sz="1600" dirty="0" smtClean="0">
-                <a:latin typeface="Courier"/>
-                <a:cs typeface="Courier"/>
-              </a:rPr>
-              <a:t>, $,… ) {…}</a:t>
-            </a:r>
-          </a:p>
-          <a:p>
-            <a:pPr marL="0" indent="0">
-              <a:buNone/>
-            </a:pPr>
-            <a:endParaRPr lang="en-US" sz="1600" dirty="0">
-              <a:latin typeface="Courier"/>
-              <a:cs typeface="Courier"/>
-            </a:endParaRPr>
-          </a:p>
-          <a:p>
-            <a:pPr marL="0" indent="0">
-              <a:buNone/>
-            </a:pPr>
-            <a:r>
-              <a:rPr lang="en-US" sz="1600" b="1" dirty="0" smtClean="0">
-                <a:latin typeface="Courier"/>
-                <a:cs typeface="Courier"/>
-              </a:rPr>
-              <a:t>Use a 3</a:t>
-            </a:r>
-            <a:r>
-              <a:rPr lang="en-US" sz="1600" b="1" baseline="30000" dirty="0" smtClean="0">
-                <a:latin typeface="Courier"/>
-                <a:cs typeface="Courier"/>
-              </a:rPr>
-              <a:t>rd</a:t>
-            </a:r>
-            <a:r>
-              <a:rPr lang="en-US" sz="1600" b="1" dirty="0" smtClean="0">
-                <a:latin typeface="Courier"/>
-                <a:cs typeface="Courier"/>
-              </a:rPr>
-              <a:t> party library:</a:t>
-            </a:r>
-          </a:p>
-          <a:p>
-            <a:pPr marL="0" indent="0">
-              <a:buNone/>
-            </a:pPr>
-            <a:r>
-              <a:rPr lang="en-US" sz="1600" dirty="0" err="1" smtClean="0">
-                <a:latin typeface="Courier"/>
-                <a:cs typeface="Courier"/>
-              </a:rPr>
-              <a:t>Durandal.js</a:t>
-            </a:r>
-            <a:endParaRPr lang="en-US" sz="1600" dirty="0">
-              <a:latin typeface="Courier"/>
-              <a:cs typeface="Courier"/>
-            </a:endParaRPr>
-          </a:p>
-        </p:txBody>
-      </p:sp>
-      <p:sp>
-        <p:nvSpPr>
-          <p:cNvPr id="6" name="Text Placeholder 5"/>
-          <p:cNvSpPr>
-            <a:spLocks noGrp="1"/>
-          </p:cNvSpPr>
-          <p:nvPr>
-            <p:ph type="body" sz="quarter" idx="3"/>
-          </p:nvPr>
-        </p:nvSpPr>
-        <p:spPr/>
-        <p:txBody>
-          <a:bodyPr/>
-          <a:lstStyle/>
-          <a:p>
-            <a:r>
-              <a:rPr lang="en-US" dirty="0" smtClean="0"/>
-              <a:t>Angular</a:t>
-            </a:r>
-          </a:p>
-        </p:txBody>
-      </p:sp>
-      <p:sp>
-        <p:nvSpPr>
-          <p:cNvPr id="7" name="Content Placeholder 6"/>
-          <p:cNvSpPr>
-            <a:spLocks noGrp="1"/>
-          </p:cNvSpPr>
-          <p:nvPr>
-            <p:ph sz="quarter" idx="4"/>
-          </p:nvPr>
-        </p:nvSpPr>
-        <p:spPr/>
-        <p:txBody>
-          <a:bodyPr/>
-          <a:lstStyle/>
-          <a:p>
             <a:endParaRPr lang="en-US" dirty="0"/>
           </a:p>
         </p:txBody>
@@ -3615,13 +4594,20 @@
     </p:spTree>
     <p:extLst>
       <p:ext uri="{BB962C8B-B14F-4D97-AF65-F5344CB8AC3E}">
-        <p14:creationId xmlns:p14="http://schemas.microsoft.com/office/powerpoint/2010/main" val="4154508482"/>
+        <p14:creationId xmlns:p14="http://schemas.microsoft.com/office/powerpoint/2010/main" val="336563350"/>
       </p:ext>
     </p:extLst>
   </p:cSld>
   <p:clrMapOvr>
     <a:masterClrMapping/>
   </p:clrMapOvr>
+  <p:timing>
+    <p:tnLst>
+      <p:par>
+        <p:cTn xmlns:p14="http://schemas.microsoft.com/office/powerpoint/2010/main" id="1" dur="indefinite" restart="never" nodeType="tmRoot"/>
+      </p:par>
+    </p:tnLst>
+  </p:timing>
 </p:sld>
 </file>
 
@@ -3667,7 +4653,7 @@
             </a:r>
             <a:r>
               <a:rPr lang="en-US" dirty="0" smtClean="0"/>
-              <a:t> NG: Routing</a:t>
+              <a:t> NG: Dependency Injection</a:t>
             </a:r>
             <a:endParaRPr lang="en-US" dirty="0"/>
           </a:p>
@@ -3675,7 +4661,7 @@
       </p:sp>
       <p:sp>
         <p:nvSpPr>
-          <p:cNvPr id="3" name="Text Placeholder 2"/>
+          <p:cNvPr id="4" name="Text Placeholder 3"/>
           <p:cNvSpPr>
             <a:spLocks noGrp="1"/>
           </p:cNvSpPr>
@@ -3690,7 +4676,7 @@
           <a:p>
             <a:r>
               <a:rPr lang="en-US" dirty="0" smtClean="0"/>
-              <a:t>Knockout</a:t>
+              <a:t>Knockout (w/ Require)</a:t>
             </a:r>
             <a:endParaRPr lang="en-US" dirty="0"/>
           </a:p>
@@ -3698,7 +4684,7 @@
       </p:sp>
       <p:sp>
         <p:nvSpPr>
-          <p:cNvPr id="4" name="Content Placeholder 3"/>
+          <p:cNvPr id="5" name="Content Placeholder 4"/>
           <p:cNvSpPr>
             <a:spLocks noGrp="1"/>
           </p:cNvSpPr>
@@ -3708,47 +4694,232 @@
         </p:nvSpPr>
         <p:spPr/>
         <p:txBody>
-          <a:bodyPr/>
-          <a:lstStyle/>
-          <a:p>
-            <a:r>
-              <a:rPr lang="en-US" dirty="0" smtClean="0"/>
-              <a:t>Need to integrate with another library</a:t>
-            </a:r>
-          </a:p>
-          <a:p>
-            <a:pPr lvl="1"/>
-            <a:r>
-              <a:rPr lang="en-US" dirty="0" smtClean="0"/>
-              <a:t>Use </a:t>
-            </a:r>
-            <a:r>
-              <a:rPr lang="en-US" dirty="0" err="1" smtClean="0"/>
-              <a:t>Knockback.js</a:t>
-            </a:r>
-            <a:endParaRPr lang="en-US" dirty="0" smtClean="0"/>
-          </a:p>
-          <a:p>
-            <a:pPr lvl="1"/>
-            <a:r>
-              <a:rPr lang="en-US" dirty="0" err="1" smtClean="0"/>
-              <a:t>Backbone.js</a:t>
-            </a:r>
-            <a:endParaRPr lang="en-US" dirty="0" smtClean="0"/>
-          </a:p>
-          <a:p>
-            <a:pPr lvl="1"/>
-            <a:r>
-              <a:rPr lang="en-US" dirty="0" smtClean="0"/>
-              <a:t>$.address</a:t>
-            </a:r>
-            <a:endParaRPr lang="en-US" dirty="0"/>
-          </a:p>
-        </p:txBody>
-      </p:sp>
-      <p:sp>
-        <p:nvSpPr>
-          <p:cNvPr id="5" name="Text Placeholder 4"/>
+          <a:bodyPr>
+            <a:normAutofit/>
+          </a:bodyPr>
+          <a:lstStyle/>
+          <a:p>
+            <a:pPr marL="0" indent="0">
+              <a:buNone/>
+            </a:pPr>
+            <a:r>
+              <a:rPr lang="en-US" sz="1600" b="1" dirty="0" smtClean="0">
+                <a:latin typeface="Courier"/>
+                <a:cs typeface="Courier"/>
+              </a:rPr>
+              <a:t>Add Require to head tag:</a:t>
+            </a:r>
+          </a:p>
+          <a:p>
+            <a:pPr marL="0" indent="0">
+              <a:buNone/>
+            </a:pPr>
+            <a:r>
+              <a:rPr lang="en-US" sz="1600" dirty="0">
+                <a:latin typeface="Courier"/>
+                <a:cs typeface="Courier"/>
+              </a:rPr>
+              <a:t>&lt;script data-main</a:t>
+            </a:r>
+            <a:r>
+              <a:rPr lang="en-US" sz="1600" dirty="0" smtClean="0">
+                <a:latin typeface="Courier"/>
+                <a:cs typeface="Courier"/>
+              </a:rPr>
+              <a:t>=”/scripts/main" </a:t>
+            </a:r>
+            <a:r>
+              <a:rPr lang="en-US" sz="1600" dirty="0" err="1">
+                <a:latin typeface="Courier"/>
+                <a:cs typeface="Courier"/>
+              </a:rPr>
+              <a:t>src</a:t>
+            </a:r>
+            <a:r>
+              <a:rPr lang="en-US" sz="1600" dirty="0" smtClean="0">
+                <a:latin typeface="Courier"/>
+                <a:cs typeface="Courier"/>
+              </a:rPr>
+              <a:t>=”/</a:t>
+            </a:r>
+            <a:r>
+              <a:rPr lang="en-US" sz="1600" dirty="0">
+                <a:latin typeface="Courier"/>
+                <a:cs typeface="Courier"/>
+              </a:rPr>
+              <a:t>lib/require_v2.1.8.js"&gt;&lt;/script&gt;</a:t>
+            </a:r>
+            <a:endParaRPr lang="en-US" sz="1600" dirty="0" smtClean="0">
+              <a:latin typeface="Courier"/>
+              <a:cs typeface="Courier"/>
+            </a:endParaRPr>
+          </a:p>
+          <a:p>
+            <a:pPr marL="0" indent="0">
+              <a:buNone/>
+            </a:pPr>
+            <a:endParaRPr lang="en-US" sz="1600" dirty="0">
+              <a:latin typeface="Courier"/>
+              <a:cs typeface="Courier"/>
+            </a:endParaRPr>
+          </a:p>
+          <a:p>
+            <a:pPr marL="0" indent="0">
+              <a:buNone/>
+            </a:pPr>
+            <a:r>
+              <a:rPr lang="en-US" sz="1600" b="1" dirty="0" smtClean="0">
+                <a:latin typeface="Courier"/>
+                <a:cs typeface="Courier"/>
+              </a:rPr>
+              <a:t>In ‘</a:t>
+            </a:r>
+            <a:r>
+              <a:rPr lang="en-US" sz="1600" b="1" dirty="0" err="1" smtClean="0">
+                <a:latin typeface="Courier"/>
+                <a:cs typeface="Courier"/>
+              </a:rPr>
+              <a:t>main.js</a:t>
+            </a:r>
+            <a:r>
+              <a:rPr lang="en-US" sz="1600" b="1" dirty="0" smtClean="0">
+                <a:latin typeface="Courier"/>
+                <a:cs typeface="Courier"/>
+              </a:rPr>
+              <a:t>’ inject dependencies:</a:t>
+            </a:r>
+          </a:p>
+          <a:p>
+            <a:pPr marL="0" indent="0">
+              <a:buNone/>
+            </a:pPr>
+            <a:r>
+              <a:rPr lang="en-US" sz="1600" dirty="0" smtClean="0">
+                <a:latin typeface="Courier"/>
+                <a:cs typeface="Courier"/>
+              </a:rPr>
+              <a:t>require</a:t>
+            </a:r>
+            <a:r>
+              <a:rPr lang="en-US" sz="1600" dirty="0">
+                <a:latin typeface="Courier"/>
+                <a:cs typeface="Courier"/>
+              </a:rPr>
+              <a:t>(</a:t>
+            </a:r>
+            <a:r>
+              <a:rPr lang="en-US" sz="1600" dirty="0" smtClean="0">
+                <a:latin typeface="Courier"/>
+                <a:cs typeface="Courier"/>
+              </a:rPr>
+              <a:t>[‘ko_v2.3.0</a:t>
+            </a:r>
+            <a:r>
+              <a:rPr lang="en-US" sz="1600" dirty="0">
+                <a:latin typeface="Courier"/>
+                <a:cs typeface="Courier"/>
+              </a:rPr>
+              <a:t>.</a:t>
+            </a:r>
+            <a:r>
+              <a:rPr lang="en-US" sz="1600" dirty="0" smtClean="0">
+                <a:latin typeface="Courier"/>
+                <a:cs typeface="Courier"/>
+              </a:rPr>
+              <a:t>js’, ‘</a:t>
+            </a:r>
+            <a:r>
+              <a:rPr lang="en-US" sz="1600" dirty="0" err="1" smtClean="0">
+                <a:latin typeface="Courier"/>
+                <a:cs typeface="Courier"/>
+              </a:rPr>
+              <a:t>jquery</a:t>
+            </a:r>
+            <a:r>
+              <a:rPr lang="en-US" sz="1600" dirty="0" smtClean="0">
+                <a:latin typeface="Courier"/>
+                <a:cs typeface="Courier"/>
+              </a:rPr>
+              <a:t>’, …],</a:t>
+            </a:r>
+            <a:r>
+              <a:rPr lang="en-US" sz="1600" dirty="0">
+                <a:latin typeface="Courier"/>
+                <a:cs typeface="Courier"/>
+              </a:rPr>
+              <a:t>	function(</a:t>
+            </a:r>
+            <a:r>
+              <a:rPr lang="en-US" sz="1600" dirty="0" err="1" smtClean="0">
+                <a:latin typeface="Courier"/>
+                <a:cs typeface="Courier"/>
+              </a:rPr>
+              <a:t>ko</a:t>
+            </a:r>
+            <a:r>
+              <a:rPr lang="en-US" sz="1600" dirty="0" smtClean="0">
+                <a:latin typeface="Courier"/>
+                <a:cs typeface="Courier"/>
+              </a:rPr>
+              <a:t>, $,… ) {…}</a:t>
+            </a:r>
+          </a:p>
+          <a:p>
+            <a:pPr marL="0" indent="0">
+              <a:buNone/>
+            </a:pPr>
+            <a:endParaRPr lang="en-US" sz="1600" dirty="0">
+              <a:latin typeface="Courier"/>
+              <a:cs typeface="Courier"/>
+            </a:endParaRPr>
+          </a:p>
+          <a:p>
+            <a:pPr marL="0" indent="0">
+              <a:buNone/>
+            </a:pPr>
+            <a:r>
+              <a:rPr lang="en-US" sz="1600" b="1" dirty="0" smtClean="0">
+                <a:latin typeface="Courier"/>
+                <a:cs typeface="Courier"/>
+              </a:rPr>
+              <a:t>Use a 3</a:t>
+            </a:r>
+            <a:r>
+              <a:rPr lang="en-US" sz="1600" b="1" baseline="30000" dirty="0" smtClean="0">
+                <a:latin typeface="Courier"/>
+                <a:cs typeface="Courier"/>
+              </a:rPr>
+              <a:t>rd</a:t>
+            </a:r>
+            <a:r>
+              <a:rPr lang="en-US" sz="1600" b="1" dirty="0" smtClean="0">
+                <a:latin typeface="Courier"/>
+                <a:cs typeface="Courier"/>
+              </a:rPr>
+              <a:t> party library:</a:t>
+            </a:r>
+          </a:p>
+          <a:p>
+            <a:pPr marL="0" indent="0">
+              <a:buNone/>
+            </a:pPr>
+            <a:r>
+              <a:rPr lang="en-US" sz="1600" dirty="0" err="1" smtClean="0">
+                <a:latin typeface="Courier"/>
+                <a:cs typeface="Courier"/>
+              </a:rPr>
+              <a:t>Durandal.js</a:t>
+            </a:r>
+            <a:endParaRPr lang="en-US" sz="1600" dirty="0">
+              <a:latin typeface="Courier"/>
+              <a:cs typeface="Courier"/>
+            </a:endParaRPr>
+          </a:p>
+        </p:txBody>
+      </p:sp>
+      <p:sp>
+        <p:nvSpPr>
+          <p:cNvPr id="6" name="Text Placeholder 5"/>
           <p:cNvSpPr>
             <a:spLocks noGrp="1"/>
           </p:cNvSpPr>
@@ -3761,13 +4932,16 @@
           <a:bodyPr/>
           <a:lstStyle/>
           <a:p>
-            <a:endParaRPr lang="en-US" dirty="0"/>
-          </a:p>
-        </p:txBody>
-      </p:sp>
-      <p:sp>
-        <p:nvSpPr>
-          <p:cNvPr id="6" name="Content Placeholder 5"/>
+            <a:r>
+              <a:rPr lang="en-US" dirty="0" smtClean="0"/>
+              <a:t>Angular</a:t>
+            </a:r>
+          </a:p>
+        </p:txBody>
+      </p:sp>
+      <p:sp>
+        <p:nvSpPr>
+          <p:cNvPr id="7" name="Content Placeholder 6"/>
           <p:cNvSpPr>
             <a:spLocks noGrp="1"/>
           </p:cNvSpPr>
@@ -3777,23 +4951,246 @@
         </p:nvSpPr>
         <p:spPr/>
         <p:txBody>
-          <a:bodyPr/>
-          <a:lstStyle/>
-          <a:p>
-            <a:endParaRPr lang="en-US"/>
+          <a:bodyPr>
+            <a:normAutofit/>
+          </a:bodyPr>
+          <a:lstStyle/>
+          <a:p>
+            <a:pPr marL="0" indent="0">
+              <a:buNone/>
+            </a:pPr>
+            <a:r>
+              <a:rPr lang="en-US" sz="1800" b="1" dirty="0" smtClean="0">
+                <a:latin typeface="Courier"/>
+                <a:cs typeface="Courier"/>
+              </a:rPr>
+              <a:t>Create Module</a:t>
+            </a:r>
+            <a:endParaRPr lang="en-US" sz="1800" b="1" dirty="0">
+              <a:latin typeface="Courier"/>
+              <a:cs typeface="Courier"/>
+            </a:endParaRPr>
+          </a:p>
+          <a:p>
+            <a:pPr marL="0" indent="0">
+              <a:buNone/>
+            </a:pPr>
+            <a:r>
+              <a:rPr lang="en-US" sz="1800" dirty="0" err="1" smtClean="0">
+                <a:latin typeface="Courier"/>
+                <a:cs typeface="Courier"/>
+              </a:rPr>
+              <a:t>var</a:t>
+            </a:r>
+            <a:r>
+              <a:rPr lang="en-US" sz="1800" dirty="0" smtClean="0">
+                <a:latin typeface="Courier"/>
+                <a:cs typeface="Courier"/>
+              </a:rPr>
+              <a:t> </a:t>
+            </a:r>
+            <a:r>
+              <a:rPr lang="en-US" sz="1800" dirty="0" err="1" smtClean="0">
+                <a:latin typeface="Courier"/>
+                <a:cs typeface="Courier"/>
+              </a:rPr>
+              <a:t>myModule</a:t>
+            </a:r>
+            <a:r>
+              <a:rPr lang="en-US" sz="1800" dirty="0" smtClean="0">
+                <a:latin typeface="Courier"/>
+                <a:cs typeface="Courier"/>
+              </a:rPr>
+              <a:t>= </a:t>
+            </a:r>
+            <a:r>
+              <a:rPr lang="en-US" sz="1800" dirty="0" err="1" smtClean="0">
+                <a:latin typeface="Courier"/>
+                <a:cs typeface="Courier"/>
+              </a:rPr>
+              <a:t>angular.module</a:t>
+            </a:r>
+            <a:r>
+              <a:rPr lang="en-US" sz="1800" dirty="0" smtClean="0">
+                <a:latin typeface="Courier"/>
+                <a:cs typeface="Courier"/>
+              </a:rPr>
+              <a:t>(‘</a:t>
+            </a:r>
+            <a:r>
+              <a:rPr lang="en-US" sz="1800" dirty="0" err="1" smtClean="0">
+                <a:latin typeface="Courier"/>
+                <a:cs typeface="Courier"/>
+              </a:rPr>
+              <a:t>myModule</a:t>
+            </a:r>
+            <a:r>
+              <a:rPr lang="en-US" sz="1800" dirty="0" smtClean="0">
+                <a:latin typeface="Courier"/>
+                <a:cs typeface="Courier"/>
+              </a:rPr>
+              <a:t>’, [</a:t>
+            </a:r>
+            <a:r>
+              <a:rPr lang="en-US" sz="1800" i="1" dirty="0" smtClean="0">
+                <a:latin typeface="Courier"/>
+                <a:cs typeface="Courier"/>
+              </a:rPr>
+              <a:t>array of dependencies</a:t>
+            </a:r>
+            <a:r>
+              <a:rPr lang="en-US" sz="1800" dirty="0" smtClean="0">
+                <a:latin typeface="Courier"/>
+                <a:cs typeface="Courier"/>
+              </a:rPr>
+              <a:t>]); </a:t>
+            </a:r>
+          </a:p>
+          <a:p>
+            <a:pPr marL="0" indent="0">
+              <a:buNone/>
+            </a:pPr>
+            <a:endParaRPr lang="en-US" sz="1800" dirty="0">
+              <a:latin typeface="Courier"/>
+              <a:cs typeface="Courier"/>
+            </a:endParaRPr>
+          </a:p>
+          <a:p>
+            <a:pPr marL="0" indent="0">
+              <a:buNone/>
+            </a:pPr>
+            <a:r>
+              <a:rPr lang="en-US" sz="1800" b="1" dirty="0" smtClean="0">
+                <a:latin typeface="Courier"/>
+                <a:cs typeface="Courier"/>
+              </a:rPr>
+              <a:t>Add Module to </a:t>
+            </a:r>
+            <a:r>
+              <a:rPr lang="en-US" sz="1800" b="1" dirty="0" err="1" smtClean="0">
+                <a:latin typeface="Courier"/>
+                <a:cs typeface="Courier"/>
+              </a:rPr>
+              <a:t>ng</a:t>
+            </a:r>
+            <a:r>
+              <a:rPr lang="en-US" sz="1800" b="1" dirty="0" smtClean="0">
+                <a:latin typeface="Courier"/>
+                <a:cs typeface="Courier"/>
+              </a:rPr>
+              <a:t>-app attribute</a:t>
+            </a:r>
+          </a:p>
+          <a:p>
+            <a:pPr marL="0" indent="0">
+              <a:buNone/>
+            </a:pPr>
+            <a:r>
+              <a:rPr lang="en-US" sz="1800" dirty="0" smtClean="0">
+                <a:latin typeface="Courier"/>
+                <a:cs typeface="Courier"/>
+              </a:rPr>
+              <a:t>&lt;html </a:t>
+            </a:r>
+            <a:r>
+              <a:rPr lang="en-US" sz="1800" dirty="0" err="1" smtClean="0">
+                <a:latin typeface="Courier"/>
+                <a:cs typeface="Courier"/>
+              </a:rPr>
+              <a:t>ng</a:t>
+            </a:r>
+            <a:r>
+              <a:rPr lang="en-US" sz="1800" dirty="0" smtClean="0">
+                <a:latin typeface="Courier"/>
+                <a:cs typeface="Courier"/>
+              </a:rPr>
+              <a:t>-app=‘</a:t>
+            </a:r>
+            <a:r>
+              <a:rPr lang="en-US" sz="1800" dirty="0" err="1" smtClean="0">
+                <a:latin typeface="Courier"/>
+                <a:cs typeface="Courier"/>
+              </a:rPr>
+              <a:t>myModule</a:t>
+            </a:r>
+            <a:r>
+              <a:rPr lang="en-US" sz="1800" dirty="0" smtClean="0">
+                <a:latin typeface="Courier"/>
+                <a:cs typeface="Courier"/>
+              </a:rPr>
+              <a:t>’&gt;…</a:t>
+            </a:r>
+          </a:p>
+          <a:p>
+            <a:pPr marL="0" indent="0">
+              <a:buNone/>
+            </a:pPr>
+            <a:endParaRPr lang="en-US" sz="1800" dirty="0">
+              <a:latin typeface="Courier"/>
+              <a:cs typeface="Courier"/>
+            </a:endParaRPr>
+          </a:p>
+          <a:p>
+            <a:pPr marL="0" indent="0">
+              <a:buNone/>
+            </a:pPr>
+            <a:r>
+              <a:rPr lang="en-US" sz="1800" b="1" dirty="0" smtClean="0">
+                <a:latin typeface="Courier"/>
+                <a:cs typeface="Courier"/>
+              </a:rPr>
+              <a:t>Add any 3</a:t>
+            </a:r>
+            <a:r>
+              <a:rPr lang="en-US" sz="1800" b="1" baseline="30000" dirty="0" smtClean="0">
+                <a:latin typeface="Courier"/>
+                <a:cs typeface="Courier"/>
+              </a:rPr>
+              <a:t>rd</a:t>
+            </a:r>
+            <a:r>
+              <a:rPr lang="en-US" sz="1800" b="1" dirty="0" smtClean="0">
+                <a:latin typeface="Courier"/>
+                <a:cs typeface="Courier"/>
+              </a:rPr>
+              <a:t> party libraries:</a:t>
+            </a:r>
+          </a:p>
+          <a:p>
+            <a:pPr marL="0" indent="0">
+              <a:buNone/>
+            </a:pPr>
+            <a:r>
+              <a:rPr lang="en-US" sz="1800" dirty="0" smtClean="0">
+                <a:latin typeface="Courier"/>
+                <a:cs typeface="Courier"/>
+              </a:rPr>
+              <a:t>&lt;script&gt;&lt;/script&gt;…</a:t>
+            </a:r>
+            <a:endParaRPr lang="en-US" sz="1800" dirty="0">
+              <a:latin typeface="Courier"/>
+              <a:cs typeface="Courier"/>
+            </a:endParaRPr>
           </a:p>
         </p:txBody>
       </p:sp>
     </p:spTree>
     <p:extLst>
       <p:ext uri="{BB962C8B-B14F-4D97-AF65-F5344CB8AC3E}">
-        <p14:creationId xmlns:p14="http://schemas.microsoft.com/office/powerpoint/2010/main" val="510875849"/>
+        <p14:creationId xmlns:p14="http://schemas.microsoft.com/office/powerpoint/2010/main" val="4154508482"/>
       </p:ext>
     </p:extLst>
   </p:cSld>
   <p:clrMapOvr>
     <a:masterClrMapping/>
   </p:clrMapOvr>
+  <p:timing>
+    <p:tnLst>
+      <p:par>
+        <p:cTn xmlns:p14="http://schemas.microsoft.com/office/powerpoint/2010/main" id="1" dur="indefinite" restart="never" nodeType="tmRoot"/>
+      </p:par>
+    </p:tnLst>
+  </p:timing>
 </p:sld>
 </file>
 
@@ -3839,11 +5236,7 @@
             </a:r>
             <a:r>
               <a:rPr lang="en-US" dirty="0" smtClean="0"/>
-              <a:t> NG:</a:t>
-            </a:r>
-            <a:r>
-              <a:rPr lang="en-US" baseline="0" dirty="0" smtClean="0"/>
-              <a:t> MV*</a:t>
+              <a:t> NG: Routing/History</a:t>
             </a:r>
             <a:endParaRPr lang="en-US" dirty="0"/>
           </a:p>
@@ -3866,7 +5259,7 @@
           <a:p>
             <a:r>
               <a:rPr lang="en-US" dirty="0" smtClean="0"/>
-              <a:t>Knockout: M-V-VM</a:t>
+              <a:t>Knockout</a:t>
             </a:r>
             <a:endParaRPr lang="en-US" dirty="0"/>
           </a:p>
@@ -3884,8 +5277,94 @@
         </p:nvSpPr>
         <p:spPr/>
         <p:txBody>
+          <a:bodyPr/>
+          <a:lstStyle/>
+          <a:p>
+            <a:r>
+              <a:rPr lang="en-US" dirty="0" smtClean="0"/>
+              <a:t>Need to integrate with another library</a:t>
+            </a:r>
+          </a:p>
+          <a:p>
+            <a:pPr lvl="1"/>
+            <a:r>
+              <a:rPr lang="en-US" dirty="0" err="1" smtClean="0"/>
+              <a:t>Knockback.js</a:t>
+            </a:r>
+            <a:endParaRPr lang="en-US" dirty="0" smtClean="0"/>
+          </a:p>
+          <a:p>
+            <a:pPr lvl="1"/>
+            <a:r>
+              <a:rPr lang="en-US" dirty="0" err="1" smtClean="0"/>
+              <a:t>Backbone.js</a:t>
+            </a:r>
+            <a:endParaRPr lang="en-US" dirty="0" smtClean="0"/>
+          </a:p>
+          <a:p>
+            <a:pPr lvl="1"/>
+            <a:r>
+              <a:rPr lang="en-US" dirty="0" smtClean="0"/>
+              <a:t>$.address</a:t>
+            </a:r>
+          </a:p>
+          <a:p>
+            <a:r>
+              <a:rPr lang="en-US" dirty="0" smtClean="0"/>
+              <a:t>Bind the route to a knockout observable to load a </a:t>
+            </a:r>
+            <a:r>
+              <a:rPr lang="en-US" dirty="0" err="1" smtClean="0"/>
+              <a:t>templated</a:t>
+            </a:r>
+            <a:r>
+              <a:rPr lang="en-US" dirty="0" smtClean="0"/>
+              <a:t> view</a:t>
+            </a:r>
+          </a:p>
+        </p:txBody>
+      </p:sp>
+      <p:sp>
+        <p:nvSpPr>
+          <p:cNvPr id="5" name="Text Placeholder 4"/>
+          <p:cNvSpPr>
+            <a:spLocks noGrp="1"/>
+          </p:cNvSpPr>
+          <p:nvPr>
+            <p:ph type="body" sz="quarter" idx="3"/>
+          </p:nvPr>
+        </p:nvSpPr>
+        <p:spPr/>
+        <p:txBody>
+          <a:bodyPr/>
+          <a:lstStyle/>
+          <a:p>
+            <a:r>
+              <a:rPr lang="en-US" dirty="0" smtClean="0"/>
+              <a:t>Angular: $</a:t>
+            </a:r>
+            <a:r>
+              <a:rPr lang="en-US" dirty="0" err="1" smtClean="0"/>
+              <a:t>routeProvider</a:t>
+            </a:r>
+            <a:endParaRPr lang="en-US" dirty="0"/>
+          </a:p>
+        </p:txBody>
+      </p:sp>
+      <p:sp>
+        <p:nvSpPr>
+          <p:cNvPr id="6" name="Content Placeholder 5"/>
+          <p:cNvSpPr>
+            <a:spLocks noGrp="1"/>
+          </p:cNvSpPr>
+          <p:nvPr>
+            <p:ph sz="quarter" idx="4"/>
+          </p:nvPr>
+        </p:nvSpPr>
+        <p:spPr/>
+        <p:txBody>
           <a:bodyPr>
-            <a:normAutofit fontScale="77500" lnSpcReduction="20000"/>
+            <a:normAutofit/>
           </a:bodyPr>
           <a:lstStyle/>
           <a:p>
@@ -3893,51 +5372,53 @@
               <a:buNone/>
             </a:pPr>
             <a:r>
-              <a:rPr lang="en-US" sz="1900" b="1" dirty="0" smtClean="0">
-                <a:latin typeface="Courier"/>
-                <a:cs typeface="Courier"/>
-              </a:rPr>
-              <a:t>Model:</a:t>
-            </a:r>
-          </a:p>
-          <a:p>
-            <a:pPr marL="0" indent="0">
-              <a:buNone/>
-            </a:pPr>
-            <a:r>
-              <a:rPr lang="en-US" sz="1900" dirty="0" smtClean="0">
-                <a:latin typeface="Courier"/>
-                <a:cs typeface="Courier"/>
-              </a:rPr>
-              <a:t>{Id: ID, Name: NAME, </a:t>
-            </a:r>
-            <a:r>
-              <a:rPr lang="en-US" sz="1900" dirty="0" err="1">
-                <a:latin typeface="Courier"/>
-                <a:cs typeface="Courier"/>
-              </a:rPr>
-              <a:t>D</a:t>
-            </a:r>
-            <a:r>
-              <a:rPr lang="en-US" sz="1900" dirty="0" err="1" smtClean="0">
-                <a:latin typeface="Courier"/>
-                <a:cs typeface="Courier"/>
-              </a:rPr>
-              <a:t>ept</a:t>
-            </a:r>
-            <a:r>
-              <a:rPr lang="en-US" sz="1900" dirty="0" smtClean="0">
-                <a:latin typeface="Courier"/>
-                <a:cs typeface="Courier"/>
-              </a:rPr>
-              <a:t>: DEPT}</a:t>
-            </a:r>
-          </a:p>
-          <a:p>
-            <a:pPr marL="0" indent="0">
-              <a:buNone/>
-            </a:pPr>
-            <a:endParaRPr lang="en-US" sz="1900" b="1" dirty="0">
+              <a:rPr lang="en-US" sz="1800" dirty="0" err="1" smtClean="0">
+                <a:latin typeface="Courier"/>
+                <a:cs typeface="Courier"/>
+              </a:rPr>
+              <a:t>module.config</a:t>
+            </a:r>
+            <a:r>
+              <a:rPr lang="en-US" sz="1800" dirty="0" smtClean="0">
+                <a:latin typeface="Courier"/>
+                <a:cs typeface="Courier"/>
+              </a:rPr>
+              <a:t>(function($</a:t>
+            </a:r>
+            <a:r>
+              <a:rPr lang="en-US" sz="1800" dirty="0" err="1" smtClean="0">
+                <a:latin typeface="Courier"/>
+                <a:cs typeface="Courier"/>
+              </a:rPr>
+              <a:t>routeProvider</a:t>
+            </a:r>
+            <a:r>
+              <a:rPr lang="en-US" sz="1800" dirty="0" smtClean="0">
+                <a:latin typeface="Courier"/>
+                <a:cs typeface="Courier"/>
+              </a:rPr>
+              <a:t>)  {</a:t>
+            </a:r>
+          </a:p>
+          <a:p>
+            <a:pPr marL="0" indent="0">
+              <a:buNone/>
+            </a:pPr>
+            <a:r>
+              <a:rPr lang="en-US" sz="1800" dirty="0" smtClean="0">
+                <a:latin typeface="Courier"/>
+                <a:cs typeface="Courier"/>
+              </a:rPr>
+              <a:t>$</a:t>
+            </a:r>
+            <a:r>
+              <a:rPr lang="en-US" sz="1800" dirty="0" err="1" smtClean="0">
+                <a:latin typeface="Courier"/>
+                <a:cs typeface="Courier"/>
+              </a:rPr>
+              <a:t>routeProvider</a:t>
+            </a:r>
+            <a:endParaRPr lang="en-US" sz="1800" dirty="0">
               <a:latin typeface="Courier"/>
               <a:cs typeface="Courier"/>
             </a:endParaRPr>
@@ -3947,385 +5428,209 @@
               <a:buNone/>
             </a:pPr>
             <a:r>
-              <a:rPr lang="en-US" sz="1900" b="1" dirty="0" smtClean="0">
-                <a:latin typeface="Courier"/>
-                <a:cs typeface="Courier"/>
-              </a:rPr>
-              <a:t>View:</a:t>
-            </a:r>
-          </a:p>
-          <a:p>
-            <a:pPr marL="0" indent="0">
-              <a:buNone/>
-            </a:pPr>
-            <a:r>
-              <a:rPr lang="en-US" sz="1900" dirty="0" smtClean="0">
-                <a:latin typeface="Courier"/>
-                <a:cs typeface="Courier"/>
-              </a:rPr>
-              <a:t>&lt;div data-bind=“</a:t>
-            </a:r>
-            <a:r>
-              <a:rPr lang="en-US" sz="1900" dirty="0" err="1" smtClean="0">
-                <a:latin typeface="Courier"/>
-                <a:cs typeface="Courier"/>
-              </a:rPr>
-              <a:t>text:name</a:t>
-            </a:r>
-            <a:r>
-              <a:rPr lang="en-US" sz="1900" dirty="0" smtClean="0">
-                <a:latin typeface="Courier"/>
-                <a:cs typeface="Courier"/>
-              </a:rPr>
-              <a:t>”&gt;&lt;/div&gt;</a:t>
-            </a:r>
-            <a:endParaRPr lang="en-US" sz="1900" dirty="0">
+              <a:rPr lang="en-US" sz="1800" dirty="0" smtClean="0">
+                <a:latin typeface="Courier"/>
+                <a:cs typeface="Courier"/>
+              </a:rPr>
+              <a:t>	.when(‘/’, {</a:t>
+            </a:r>
+          </a:p>
+          <a:p>
+            <a:pPr marL="0" indent="0">
+              <a:buNone/>
+            </a:pPr>
+            <a:r>
+              <a:rPr lang="en-US" sz="1800" dirty="0">
+                <a:latin typeface="Courier"/>
+                <a:cs typeface="Courier"/>
+              </a:rPr>
+              <a:t>	</a:t>
+            </a:r>
+            <a:r>
+              <a:rPr lang="en-US" sz="1800" dirty="0" smtClean="0">
+                <a:latin typeface="Courier"/>
+                <a:cs typeface="Courier"/>
+              </a:rPr>
+              <a:t>	 controller: ‘c1’,</a:t>
+            </a:r>
+          </a:p>
+          <a:p>
+            <a:pPr marL="0" indent="0">
+              <a:buNone/>
+            </a:pPr>
+            <a:r>
+              <a:rPr lang="en-US" sz="1800" dirty="0">
+                <a:latin typeface="Courier"/>
+                <a:cs typeface="Courier"/>
+              </a:rPr>
+              <a:t>	</a:t>
+            </a:r>
+            <a:r>
+              <a:rPr lang="en-US" sz="1800" dirty="0" smtClean="0">
+                <a:latin typeface="Courier"/>
+                <a:cs typeface="Courier"/>
+              </a:rPr>
+              <a:t>	</a:t>
+            </a:r>
+            <a:r>
+              <a:rPr lang="en-US" sz="1800" dirty="0" err="1" smtClean="0">
+                <a:latin typeface="Courier"/>
+                <a:cs typeface="Courier"/>
+              </a:rPr>
+              <a:t>templateUrl</a:t>
+            </a:r>
+            <a:r>
+              <a:rPr lang="en-US" sz="1800" dirty="0" smtClean="0">
+                <a:latin typeface="Courier"/>
+                <a:cs typeface="Courier"/>
+              </a:rPr>
+              <a:t>: ‘v1.html’</a:t>
+            </a:r>
+          </a:p>
+          <a:p>
+            <a:pPr marL="0" indent="0">
+              <a:buNone/>
+            </a:pPr>
+            <a:r>
+              <a:rPr lang="en-US" sz="1800" dirty="0">
+                <a:latin typeface="Courier"/>
+                <a:cs typeface="Courier"/>
+              </a:rPr>
+              <a:t>	</a:t>
+            </a:r>
+            <a:r>
+              <a:rPr lang="en-US" sz="1800" dirty="0" smtClean="0">
+                <a:latin typeface="Courier"/>
+                <a:cs typeface="Courier"/>
+              </a:rPr>
+              <a:t>})</a:t>
+            </a:r>
+          </a:p>
+          <a:p>
+            <a:pPr marL="0" indent="0">
+              <a:buNone/>
+            </a:pPr>
+            <a:r>
+              <a:rPr lang="en-US" sz="1800" dirty="0">
+                <a:latin typeface="Courier"/>
+                <a:cs typeface="Courier"/>
+              </a:rPr>
+              <a:t>	</a:t>
+            </a:r>
+            <a:r>
+              <a:rPr lang="en-US" sz="1800" dirty="0" smtClean="0">
+                <a:latin typeface="Courier"/>
+                <a:cs typeface="Courier"/>
+              </a:rPr>
+              <a:t>…</a:t>
+            </a:r>
+          </a:p>
+          <a:p>
+            <a:pPr marL="0" indent="0">
+              <a:buNone/>
+            </a:pPr>
+            <a:r>
+              <a:rPr lang="en-US" sz="1800" dirty="0">
+                <a:latin typeface="Courier"/>
+                <a:cs typeface="Courier"/>
+              </a:rPr>
+              <a:t>	</a:t>
+            </a:r>
+            <a:r>
+              <a:rPr lang="en-US" sz="1800" dirty="0" smtClean="0">
+                <a:latin typeface="Courier"/>
+                <a:cs typeface="Courier"/>
+              </a:rPr>
+              <a:t>.otherwise({</a:t>
+            </a:r>
+          </a:p>
+          <a:p>
+            <a:pPr marL="0" indent="0">
+              <a:buNone/>
+            </a:pPr>
+            <a:r>
+              <a:rPr lang="en-US" sz="1800" dirty="0">
+                <a:latin typeface="Courier"/>
+                <a:cs typeface="Courier"/>
+              </a:rPr>
+              <a:t>	</a:t>
+            </a:r>
+            <a:r>
+              <a:rPr lang="en-US" sz="1800" dirty="0" smtClean="0">
+                <a:latin typeface="Courier"/>
+                <a:cs typeface="Courier"/>
+              </a:rPr>
+              <a:t>	</a:t>
+            </a:r>
+            <a:r>
+              <a:rPr lang="en-US" sz="1800" dirty="0" err="1" smtClean="0">
+                <a:latin typeface="Courier"/>
+                <a:cs typeface="Courier"/>
+              </a:rPr>
+              <a:t>redirectTo</a:t>
+            </a:r>
+            <a:r>
+              <a:rPr lang="en-US" sz="1800" dirty="0" smtClean="0">
+                <a:latin typeface="Courier"/>
+                <a:cs typeface="Courier"/>
+              </a:rPr>
+              <a:t>: ‘/’</a:t>
+            </a:r>
+          </a:p>
+          <a:p>
+            <a:pPr marL="0" indent="0">
+              <a:buNone/>
+            </a:pPr>
+            <a:r>
+              <a:rPr lang="en-US" sz="1800" dirty="0">
+                <a:latin typeface="Courier"/>
+                <a:cs typeface="Courier"/>
+              </a:rPr>
+              <a:t>	</a:t>
+            </a:r>
+            <a:r>
+              <a:rPr lang="en-US" sz="1800" dirty="0" smtClean="0">
+                <a:latin typeface="Courier"/>
+                <a:cs typeface="Courier"/>
+              </a:rPr>
+              <a:t>})</a:t>
+            </a:r>
+          </a:p>
+          <a:p>
+            <a:pPr marL="0" indent="0">
+              <a:buNone/>
+            </a:pPr>
+            <a:r>
+              <a:rPr lang="en-US" sz="1800" dirty="0" smtClean="0">
+                <a:latin typeface="Courier"/>
+                <a:cs typeface="Courier"/>
+              </a:rPr>
+              <a:t>});</a:t>
+            </a:r>
+            <a:endParaRPr lang="en-US" sz="1800" dirty="0">
               <a:latin typeface="Courier"/>
               <a:cs typeface="Courier"/>
             </a:endParaRPr>
           </a:p>
-          <a:p>
-            <a:pPr marL="0" indent="0">
-              <a:buNone/>
-            </a:pPr>
-            <a:r>
-              <a:rPr lang="en-US" sz="1900" dirty="0">
-                <a:latin typeface="Courier"/>
-                <a:cs typeface="Courier"/>
-              </a:rPr>
-              <a:t>&lt;div data-bind=“</a:t>
-            </a:r>
-            <a:r>
-              <a:rPr lang="en-US" sz="1900" dirty="0" err="1" smtClean="0">
-                <a:latin typeface="Courier"/>
-                <a:cs typeface="Courier"/>
-              </a:rPr>
-              <a:t>text:dept</a:t>
-            </a:r>
-            <a:r>
-              <a:rPr lang="en-US" sz="1900" dirty="0" smtClean="0">
-                <a:latin typeface="Courier"/>
-                <a:cs typeface="Courier"/>
-              </a:rPr>
-              <a:t>”</a:t>
-            </a:r>
-            <a:r>
-              <a:rPr lang="en-US" sz="1900" dirty="0">
-                <a:latin typeface="Courier"/>
-                <a:cs typeface="Courier"/>
-              </a:rPr>
-              <a:t>&gt;&lt;/div&gt;</a:t>
-            </a:r>
-          </a:p>
-          <a:p>
-            <a:pPr marL="0" indent="0">
-              <a:buNone/>
-            </a:pPr>
-            <a:r>
-              <a:rPr lang="en-US" sz="1900" dirty="0" smtClean="0">
-                <a:latin typeface="Courier"/>
-                <a:cs typeface="Courier"/>
-              </a:rPr>
-              <a:t>&lt;button data-bind=“value: id, click: edit”&gt;&lt;/button&gt;</a:t>
-            </a:r>
-            <a:endParaRPr lang="en-US" sz="1900" dirty="0">
-              <a:latin typeface="Courier"/>
-              <a:cs typeface="Courier"/>
-            </a:endParaRPr>
-          </a:p>
-          <a:p>
-            <a:pPr marL="0" indent="0">
-              <a:buNone/>
-            </a:pPr>
-            <a:endParaRPr lang="en-US" sz="1900" b="1" dirty="0" smtClean="0">
-              <a:latin typeface="Courier"/>
-              <a:cs typeface="Courier"/>
-            </a:endParaRPr>
-          </a:p>
-          <a:p>
-            <a:pPr marL="0" indent="0">
-              <a:buNone/>
-            </a:pPr>
-            <a:r>
-              <a:rPr lang="en-US" sz="1900" b="1" dirty="0" smtClean="0">
-                <a:latin typeface="Courier"/>
-                <a:cs typeface="Courier"/>
-              </a:rPr>
-              <a:t>View Model:</a:t>
-            </a:r>
-          </a:p>
-          <a:p>
-            <a:pPr marL="0" indent="0">
-              <a:buNone/>
-            </a:pPr>
-            <a:r>
-              <a:rPr lang="en-US" sz="1900" dirty="0" err="1" smtClean="0">
-                <a:latin typeface="Courier"/>
-                <a:cs typeface="Courier"/>
-              </a:rPr>
-              <a:t>var</a:t>
-            </a:r>
-            <a:r>
-              <a:rPr lang="en-US" sz="1900" dirty="0" smtClean="0">
-                <a:latin typeface="Courier"/>
-                <a:cs typeface="Courier"/>
-              </a:rPr>
-              <a:t> </a:t>
-            </a:r>
-            <a:r>
-              <a:rPr lang="en-US" sz="1900" dirty="0" err="1" smtClean="0">
-                <a:latin typeface="Courier"/>
-                <a:cs typeface="Courier"/>
-              </a:rPr>
-              <a:t>ViewModel</a:t>
-            </a:r>
-            <a:r>
-              <a:rPr lang="en-US" sz="1900" dirty="0" smtClean="0">
-                <a:latin typeface="Courier"/>
-                <a:cs typeface="Courier"/>
-              </a:rPr>
-              <a:t> = {</a:t>
-            </a:r>
-          </a:p>
-          <a:p>
-            <a:pPr marL="0" indent="0">
-              <a:buNone/>
-            </a:pPr>
-            <a:r>
-              <a:rPr lang="en-US" sz="1900" dirty="0">
-                <a:latin typeface="Courier"/>
-                <a:cs typeface="Courier"/>
-              </a:rPr>
-              <a:t>	</a:t>
-            </a:r>
-            <a:r>
-              <a:rPr lang="en-US" sz="1900" dirty="0" smtClean="0">
-                <a:latin typeface="Courier"/>
-                <a:cs typeface="Courier"/>
-              </a:rPr>
-              <a:t>id:   </a:t>
-            </a:r>
-            <a:r>
-              <a:rPr lang="en-US" sz="1900" dirty="0" err="1" smtClean="0">
-                <a:latin typeface="Courier"/>
-                <a:cs typeface="Courier"/>
-              </a:rPr>
-              <a:t>m.Id</a:t>
-            </a:r>
-            <a:r>
-              <a:rPr lang="en-US" sz="1900" dirty="0" smtClean="0">
-                <a:latin typeface="Courier"/>
-                <a:cs typeface="Courier"/>
-              </a:rPr>
-              <a:t>,</a:t>
-            </a:r>
-          </a:p>
-          <a:p>
-            <a:pPr marL="0" indent="0">
-              <a:buNone/>
-            </a:pPr>
-            <a:r>
-              <a:rPr lang="en-US" sz="1900" dirty="0" smtClean="0">
-                <a:latin typeface="Courier"/>
-                <a:cs typeface="Courier"/>
-              </a:rPr>
-              <a:t>	name: </a:t>
-            </a:r>
-            <a:r>
-              <a:rPr lang="en-US" sz="1900" dirty="0" err="1" smtClean="0">
-                <a:latin typeface="Courier"/>
-                <a:cs typeface="Courier"/>
-              </a:rPr>
-              <a:t>ko.observable</a:t>
-            </a:r>
-            <a:r>
-              <a:rPr lang="en-US" sz="1900" dirty="0" smtClean="0">
-                <a:latin typeface="Courier"/>
-                <a:cs typeface="Courier"/>
-              </a:rPr>
-              <a:t>(</a:t>
-            </a:r>
-            <a:r>
-              <a:rPr lang="en-US" sz="1900" dirty="0" err="1" smtClean="0">
-                <a:latin typeface="Courier"/>
-                <a:cs typeface="Courier"/>
-              </a:rPr>
-              <a:t>m.Name</a:t>
-            </a:r>
-            <a:r>
-              <a:rPr lang="en-US" sz="1900" dirty="0" smtClean="0">
-                <a:latin typeface="Courier"/>
-                <a:cs typeface="Courier"/>
-              </a:rPr>
-              <a:t>),</a:t>
-            </a:r>
-          </a:p>
-          <a:p>
-            <a:pPr marL="0" indent="0">
-              <a:buNone/>
-            </a:pPr>
-            <a:r>
-              <a:rPr lang="en-US" sz="1900" dirty="0" smtClean="0">
-                <a:latin typeface="Courier"/>
-                <a:cs typeface="Courier"/>
-              </a:rPr>
-              <a:t>	</a:t>
-            </a:r>
-            <a:r>
-              <a:rPr lang="en-US" sz="1900" dirty="0" err="1" smtClean="0">
-                <a:latin typeface="Courier"/>
-                <a:cs typeface="Courier"/>
-              </a:rPr>
-              <a:t>dept</a:t>
-            </a:r>
-            <a:r>
-              <a:rPr lang="en-US" sz="1900" dirty="0" smtClean="0">
-                <a:latin typeface="Courier"/>
-                <a:cs typeface="Courier"/>
-              </a:rPr>
-              <a:t>: </a:t>
-            </a:r>
-            <a:r>
-              <a:rPr lang="en-US" sz="1900" dirty="0" err="1" smtClean="0">
-                <a:latin typeface="Courier"/>
-                <a:cs typeface="Courier"/>
-              </a:rPr>
-              <a:t>ko.observable</a:t>
-            </a:r>
-            <a:r>
-              <a:rPr lang="en-US" sz="1900" dirty="0" smtClean="0">
-                <a:latin typeface="Courier"/>
-                <a:cs typeface="Courier"/>
-              </a:rPr>
-              <a:t>(</a:t>
-            </a:r>
-            <a:r>
-              <a:rPr lang="en-US" sz="1900" dirty="0" err="1" smtClean="0">
-                <a:latin typeface="Courier"/>
-                <a:cs typeface="Courier"/>
-              </a:rPr>
-              <a:t>m.Dept</a:t>
-            </a:r>
-            <a:r>
-              <a:rPr lang="en-US" sz="1900" dirty="0" smtClean="0">
-                <a:latin typeface="Courier"/>
-                <a:cs typeface="Courier"/>
-              </a:rPr>
-              <a:t>),</a:t>
-            </a:r>
-          </a:p>
-          <a:p>
-            <a:pPr marL="0" indent="0">
-              <a:buNone/>
-            </a:pPr>
-            <a:r>
-              <a:rPr lang="en-US" sz="1900" dirty="0" smtClean="0">
-                <a:latin typeface="Courier"/>
-                <a:cs typeface="Courier"/>
-              </a:rPr>
-              <a:t>	edit: function() {…},</a:t>
-            </a:r>
-          </a:p>
-          <a:p>
-            <a:pPr marL="0" indent="0">
-              <a:buNone/>
-            </a:pPr>
-            <a:r>
-              <a:rPr lang="en-US" sz="1900" dirty="0" smtClean="0">
-                <a:latin typeface="Courier"/>
-                <a:cs typeface="Courier"/>
-              </a:rPr>
-              <a:t>	save: function() {…}</a:t>
-            </a:r>
-          </a:p>
-          <a:p>
-            <a:pPr marL="0" indent="0">
-              <a:buNone/>
-            </a:pPr>
-            <a:r>
-              <a:rPr lang="en-US" sz="1900" dirty="0">
-                <a:latin typeface="Courier"/>
-                <a:cs typeface="Courier"/>
-              </a:rPr>
-              <a:t>}</a:t>
-            </a:r>
-            <a:endParaRPr lang="en-US" sz="1900" dirty="0" smtClean="0">
-              <a:latin typeface="Courier"/>
-              <a:cs typeface="Courier"/>
-            </a:endParaRPr>
-          </a:p>
-          <a:p>
-            <a:pPr marL="0" indent="0">
-              <a:buNone/>
-            </a:pPr>
-            <a:endParaRPr lang="en-US" sz="1900" dirty="0">
-              <a:latin typeface="Courier"/>
-              <a:cs typeface="Courier"/>
-            </a:endParaRPr>
-          </a:p>
-          <a:p>
-            <a:pPr marL="0" indent="0">
-              <a:buNone/>
-            </a:pPr>
-            <a:endParaRPr lang="en-US" sz="1900" b="1" dirty="0">
-              <a:latin typeface="Courier"/>
-              <a:cs typeface="Courier"/>
-            </a:endParaRPr>
-          </a:p>
-        </p:txBody>
-      </p:sp>
-      <p:sp>
-        <p:nvSpPr>
-          <p:cNvPr id="5" name="Text Placeholder 4"/>
-          <p:cNvSpPr>
-            <a:spLocks noGrp="1"/>
-          </p:cNvSpPr>
-          <p:nvPr>
-            <p:ph type="body" sz="quarter" idx="3"/>
-          </p:nvPr>
-        </p:nvSpPr>
-        <p:spPr/>
-        <p:txBody>
-          <a:bodyPr/>
-          <a:lstStyle/>
-          <a:p>
-            <a:r>
-              <a:rPr lang="en-US" dirty="0" smtClean="0"/>
-              <a:t>Angular: M-V-W</a:t>
-            </a:r>
-            <a:endParaRPr lang="en-US" dirty="0"/>
-          </a:p>
-        </p:txBody>
-      </p:sp>
-      <p:sp>
-        <p:nvSpPr>
-          <p:cNvPr id="6" name="Content Placeholder 5"/>
-          <p:cNvSpPr>
-            <a:spLocks noGrp="1"/>
-          </p:cNvSpPr>
-          <p:nvPr>
-            <p:ph sz="quarter" idx="4"/>
-          </p:nvPr>
-        </p:nvSpPr>
-        <p:spPr/>
-        <p:txBody>
-          <a:bodyPr/>
-          <a:lstStyle/>
-          <a:p>
-            <a:endParaRPr lang="en-US" dirty="0"/>
-          </a:p>
         </p:txBody>
       </p:sp>
     </p:spTree>
     <p:extLst>
       <p:ext uri="{BB962C8B-B14F-4D97-AF65-F5344CB8AC3E}">
-        <p14:creationId xmlns:p14="http://schemas.microsoft.com/office/powerpoint/2010/main" val="3957496078"/>
+        <p14:creationId xmlns:p14="http://schemas.microsoft.com/office/powerpoint/2010/main" val="510875849"/>
       </p:ext>
     </p:extLst>
   </p:cSld>
   <p:clrMapOvr>
     <a:masterClrMapping/>
   </p:clrMapOvr>
+  <p:timing>
+    <p:tnLst>
+      <p:par>
+        <p:cTn xmlns:p14="http://schemas.microsoft.com/office/powerpoint/2010/main" id="1" dur="indefinite" restart="never" nodeType="tmRoot"/>
+      </p:par>
+    </p:tnLst>
+  </p:timing>
 </p:sld>
 </file>
 
@@ -4370,8 +5675,12 @@
               <a:t>vs</a:t>
             </a:r>
             <a:r>
+              <a:rPr lang="en-US" dirty="0" smtClean="0"/>
+              <a:t> NG:</a:t>
+            </a:r>
+            <a:r>
               <a:rPr lang="en-US" baseline="0" dirty="0" smtClean="0"/>
-              <a:t> NG: Two Way Binding</a:t>
+              <a:t> Two Way Binding</a:t>
             </a:r>
             <a:endParaRPr lang="en-US" dirty="0"/>
           </a:p>
@@ -4387,14 +5696,19 @@
             <p:ph type="body" idx="1"/>
           </p:nvPr>
         </p:nvSpPr>
-        <p:spPr/>
-        <p:txBody>
-          <a:bodyPr/>
-          <a:lstStyle/>
-          <a:p>
-            <a:r>
-              <a:rPr lang="en-US" dirty="0" smtClean="0"/>
-              <a:t>Knockout</a:t>
+        <p:spPr>
+          <a:xfrm>
+            <a:off x="457200" y="1073289"/>
+            <a:ext cx="4040188" cy="639762"/>
+          </a:xfrm>
+        </p:spPr>
+        <p:txBody>
+          <a:bodyPr/>
+          <a:lstStyle/>
+          <a:p>
+            <a:r>
+              <a:rPr lang="en-US" dirty="0" smtClean="0"/>
+              <a:t>Knockout: M-V-VM</a:t>
             </a:r>
             <a:endParaRPr lang="en-US" dirty="0"/>
           </a:p>
@@ -4410,47 +5724,440 @@
             <p:ph sz="half" idx="2"/>
           </p:nvPr>
         </p:nvSpPr>
-        <p:spPr/>
-        <p:txBody>
-          <a:bodyPr/>
-          <a:lstStyle/>
-          <a:p>
-            <a:pPr marL="0" indent="0">
-              <a:buNone/>
-            </a:pPr>
-            <a:r>
-              <a:rPr lang="en-US" dirty="0" err="1" smtClean="0">
-                <a:latin typeface="Courier"/>
-                <a:cs typeface="Courier"/>
-              </a:rPr>
-              <a:t>ko.applyBindings</a:t>
-            </a:r>
-            <a:r>
-              <a:rPr lang="en-US" dirty="0" smtClean="0">
-                <a:latin typeface="Courier"/>
-                <a:cs typeface="Courier"/>
-              </a:rPr>
-              <a:t>(</a:t>
-            </a:r>
-            <a:r>
-              <a:rPr lang="en-US" dirty="0" err="1" smtClean="0">
-                <a:latin typeface="Courier"/>
-                <a:cs typeface="Courier"/>
-              </a:rPr>
-              <a:t>viewModel</a:t>
-            </a:r>
-            <a:r>
-              <a:rPr lang="en-US" dirty="0" smtClean="0">
-                <a:latin typeface="Courier"/>
-                <a:cs typeface="Courier"/>
-              </a:rPr>
-              <a:t>, view)</a:t>
-            </a:r>
-            <a:endParaRPr lang="en-US" dirty="0">
+        <p:spPr>
+          <a:xfrm>
+            <a:off x="205314" y="1713051"/>
+            <a:ext cx="4040188" cy="4683125"/>
+          </a:xfrm>
+        </p:spPr>
+        <p:txBody>
+          <a:bodyPr>
+            <a:normAutofit fontScale="77500" lnSpcReduction="20000"/>
+          </a:bodyPr>
+          <a:lstStyle/>
+          <a:p>
+            <a:pPr marL="0" indent="0">
+              <a:buNone/>
+            </a:pPr>
+            <a:r>
+              <a:rPr lang="en-US" sz="1900" b="1" dirty="0" smtClean="0">
+                <a:latin typeface="Courier"/>
+                <a:cs typeface="Courier"/>
+              </a:rPr>
+              <a:t>Model:</a:t>
+            </a:r>
+          </a:p>
+          <a:p>
+            <a:pPr marL="0" indent="0">
+              <a:buNone/>
+            </a:pPr>
+            <a:r>
+              <a:rPr lang="en-US" sz="1900" dirty="0" smtClean="0">
+                <a:latin typeface="Courier"/>
+                <a:cs typeface="Courier"/>
+              </a:rPr>
+              <a:t>{Id: ID, Name: NAME, </a:t>
+            </a:r>
+            <a:r>
+              <a:rPr lang="en-US" sz="1900" dirty="0" err="1" smtClean="0">
+                <a:latin typeface="Courier"/>
+                <a:cs typeface="Courier"/>
+              </a:rPr>
+              <a:t>Dept</a:t>
+            </a:r>
+            <a:r>
+              <a:rPr lang="en-US" sz="1900" dirty="0" smtClean="0">
+                <a:latin typeface="Courier"/>
+                <a:cs typeface="Courier"/>
+              </a:rPr>
+              <a:t>: DEPT}</a:t>
+            </a:r>
+          </a:p>
+          <a:p>
+            <a:pPr marL="0" indent="0">
+              <a:buNone/>
+            </a:pPr>
+            <a:endParaRPr lang="en-US" sz="1900" b="1" dirty="0" smtClean="0">
               <a:latin typeface="Courier"/>
               <a:cs typeface="Courier"/>
             </a:endParaRPr>
           </a:p>
+          <a:p>
+            <a:pPr marL="0" indent="0">
+              <a:buNone/>
+            </a:pPr>
+            <a:r>
+              <a:rPr lang="en-US" sz="1900" b="1" dirty="0" smtClean="0">
+                <a:latin typeface="Courier"/>
+                <a:cs typeface="Courier"/>
+              </a:rPr>
+              <a:t>View:</a:t>
+            </a:r>
+          </a:p>
+          <a:p>
+            <a:pPr marL="0" indent="0">
+              <a:buNone/>
+            </a:pPr>
+            <a:r>
+              <a:rPr lang="en-US" sz="1900" dirty="0" smtClean="0">
+                <a:latin typeface="Courier"/>
+                <a:cs typeface="Courier"/>
+              </a:rPr>
+              <a:t>&lt;input data-bind=“</a:t>
+            </a:r>
+            <a:r>
+              <a:rPr lang="en-US" sz="1900" dirty="0" err="1" smtClean="0">
+                <a:latin typeface="Courier"/>
+                <a:cs typeface="Courier"/>
+              </a:rPr>
+              <a:t>value:name</a:t>
+            </a:r>
+            <a:r>
+              <a:rPr lang="en-US" sz="1900" dirty="0" smtClean="0">
+                <a:latin typeface="Courier"/>
+                <a:cs typeface="Courier"/>
+              </a:rPr>
+              <a:t>”/&gt;</a:t>
+            </a:r>
+          </a:p>
+          <a:p>
+            <a:pPr marL="0" indent="0">
+              <a:buNone/>
+            </a:pPr>
+            <a:r>
+              <a:rPr lang="en-US" sz="1900" dirty="0" smtClean="0">
+                <a:latin typeface="Courier"/>
+                <a:cs typeface="Courier"/>
+              </a:rPr>
+              <a:t>&lt;div data-bind=“</a:t>
+            </a:r>
+            <a:r>
+              <a:rPr lang="en-US" sz="1900" dirty="0" err="1" smtClean="0">
+                <a:latin typeface="Courier"/>
+                <a:cs typeface="Courier"/>
+              </a:rPr>
+              <a:t>text:name</a:t>
+            </a:r>
+            <a:r>
+              <a:rPr lang="en-US" sz="1900" dirty="0" smtClean="0">
+                <a:latin typeface="Courier"/>
+                <a:cs typeface="Courier"/>
+              </a:rPr>
+              <a:t>”&gt;&lt;/div&gt;</a:t>
+            </a:r>
+          </a:p>
+          <a:p>
+            <a:pPr marL="0" indent="0">
+              <a:buNone/>
+            </a:pPr>
+            <a:r>
+              <a:rPr lang="en-US" sz="1900" dirty="0" smtClean="0">
+                <a:latin typeface="Courier"/>
+                <a:cs typeface="Courier"/>
+              </a:rPr>
+              <a:t>&lt;button data-bind=“click: edit”&gt;&lt;/button&gt;</a:t>
+            </a:r>
+          </a:p>
+          <a:p>
+            <a:pPr marL="0" indent="0">
+              <a:buNone/>
+            </a:pPr>
+            <a:endParaRPr lang="en-US" sz="1900" b="1" dirty="0" smtClean="0">
+              <a:latin typeface="Courier"/>
+              <a:cs typeface="Courier"/>
+            </a:endParaRPr>
+          </a:p>
+          <a:p>
+            <a:pPr marL="0" indent="0">
+              <a:buNone/>
+            </a:pPr>
+            <a:r>
+              <a:rPr lang="en-US" sz="1900" b="1" dirty="0" smtClean="0">
+                <a:latin typeface="Courier"/>
+                <a:cs typeface="Courier"/>
+              </a:rPr>
+              <a:t>View Model:</a:t>
+            </a:r>
+          </a:p>
+          <a:p>
+            <a:pPr marL="0" indent="0">
+              <a:buNone/>
+            </a:pPr>
+            <a:r>
+              <a:rPr lang="en-US" sz="1900" dirty="0" err="1" smtClean="0">
+                <a:latin typeface="Courier"/>
+                <a:cs typeface="Courier"/>
+              </a:rPr>
+              <a:t>var</a:t>
+            </a:r>
+            <a:r>
+              <a:rPr lang="en-US" sz="1900" dirty="0" smtClean="0">
+                <a:latin typeface="Courier"/>
+                <a:cs typeface="Courier"/>
+              </a:rPr>
+              <a:t> </a:t>
+            </a:r>
+            <a:r>
+              <a:rPr lang="en-US" sz="1900" dirty="0" err="1" smtClean="0">
+                <a:latin typeface="Courier"/>
+                <a:cs typeface="Courier"/>
+              </a:rPr>
+              <a:t>ViewModel</a:t>
+            </a:r>
+            <a:r>
+              <a:rPr lang="en-US" sz="1900" dirty="0" smtClean="0">
+                <a:latin typeface="Courier"/>
+                <a:cs typeface="Courier"/>
+              </a:rPr>
+              <a:t> = {</a:t>
+            </a:r>
+          </a:p>
+          <a:p>
+            <a:pPr marL="0" indent="0">
+              <a:buNone/>
+            </a:pPr>
+            <a:r>
+              <a:rPr lang="en-US" sz="1900" dirty="0" smtClean="0">
+                <a:latin typeface="Courier"/>
+                <a:cs typeface="Courier"/>
+              </a:rPr>
+              <a:t>	id:   </a:t>
+            </a:r>
+            <a:r>
+              <a:rPr lang="en-US" sz="1900" dirty="0" err="1" smtClean="0">
+                <a:latin typeface="Courier"/>
+                <a:cs typeface="Courier"/>
+              </a:rPr>
+              <a:t>m.Id</a:t>
+            </a:r>
+            <a:r>
+              <a:rPr lang="en-US" sz="1900" dirty="0" smtClean="0">
+                <a:latin typeface="Courier"/>
+                <a:cs typeface="Courier"/>
+              </a:rPr>
+              <a:t>,</a:t>
+            </a:r>
+          </a:p>
+          <a:p>
+            <a:pPr marL="0" indent="0">
+              <a:buNone/>
+            </a:pPr>
+            <a:r>
+              <a:rPr lang="en-US" sz="1900" dirty="0" smtClean="0">
+                <a:latin typeface="Courier"/>
+                <a:cs typeface="Courier"/>
+              </a:rPr>
+              <a:t>	name: </a:t>
+            </a:r>
+            <a:r>
+              <a:rPr lang="en-US" sz="1900" dirty="0" err="1" smtClean="0">
+                <a:latin typeface="Courier"/>
+                <a:cs typeface="Courier"/>
+              </a:rPr>
+              <a:t>ko.observable</a:t>
+            </a:r>
+            <a:r>
+              <a:rPr lang="en-US" sz="1900" dirty="0" smtClean="0">
+                <a:latin typeface="Courier"/>
+                <a:cs typeface="Courier"/>
+              </a:rPr>
+              <a:t>(</a:t>
+            </a:r>
+            <a:r>
+              <a:rPr lang="en-US" sz="1900" dirty="0" err="1" smtClean="0">
+                <a:latin typeface="Courier"/>
+                <a:cs typeface="Courier"/>
+              </a:rPr>
+              <a:t>m.Name</a:t>
+            </a:r>
+            <a:r>
+              <a:rPr lang="en-US" sz="1900" dirty="0" smtClean="0">
+                <a:latin typeface="Courier"/>
+                <a:cs typeface="Courier"/>
+              </a:rPr>
+              <a:t>),</a:t>
+            </a:r>
+          </a:p>
+          <a:p>
+            <a:pPr marL="0" indent="0">
+              <a:buNone/>
+            </a:pPr>
+            <a:r>
+              <a:rPr lang="en-US" sz="1900" dirty="0" smtClean="0">
+                <a:latin typeface="Courier"/>
+                <a:cs typeface="Courier"/>
+              </a:rPr>
+              <a:t>	</a:t>
+            </a:r>
+            <a:r>
+              <a:rPr lang="en-US" sz="1900" dirty="0" err="1" smtClean="0">
+                <a:latin typeface="Courier"/>
+                <a:cs typeface="Courier"/>
+              </a:rPr>
+              <a:t>dept</a:t>
+            </a:r>
+            <a:r>
+              <a:rPr lang="en-US" sz="1900" dirty="0" smtClean="0">
+                <a:latin typeface="Courier"/>
+                <a:cs typeface="Courier"/>
+              </a:rPr>
+              <a:t>: </a:t>
+            </a:r>
+            <a:r>
+              <a:rPr lang="en-US" sz="1900" dirty="0" err="1" smtClean="0">
+                <a:latin typeface="Courier"/>
+                <a:cs typeface="Courier"/>
+              </a:rPr>
+              <a:t>ko.observable</a:t>
+            </a:r>
+            <a:r>
+              <a:rPr lang="en-US" sz="1900" dirty="0" smtClean="0">
+                <a:latin typeface="Courier"/>
+                <a:cs typeface="Courier"/>
+              </a:rPr>
+              <a:t>(</a:t>
+            </a:r>
+            <a:r>
+              <a:rPr lang="en-US" sz="1900" dirty="0" err="1" smtClean="0">
+                <a:latin typeface="Courier"/>
+                <a:cs typeface="Courier"/>
+              </a:rPr>
+              <a:t>m.Dept</a:t>
+            </a:r>
+            <a:r>
+              <a:rPr lang="en-US" sz="1900" dirty="0" smtClean="0">
+                <a:latin typeface="Courier"/>
+                <a:cs typeface="Courier"/>
+              </a:rPr>
+              <a:t>),</a:t>
+            </a:r>
+          </a:p>
+          <a:p>
+            <a:pPr marL="0" indent="0">
+              <a:buNone/>
+            </a:pPr>
+            <a:r>
+              <a:rPr lang="en-US" sz="1900" dirty="0" smtClean="0">
+                <a:latin typeface="Courier"/>
+                <a:cs typeface="Courier"/>
+              </a:rPr>
+              <a:t>	edit: function() {…},</a:t>
+            </a:r>
+          </a:p>
+          <a:p>
+            <a:pPr marL="0" indent="0">
+              <a:buNone/>
+            </a:pPr>
+            <a:r>
+              <a:rPr lang="en-US" sz="1900" dirty="0" smtClean="0">
+                <a:latin typeface="Courier"/>
+                <a:cs typeface="Courier"/>
+              </a:rPr>
+              <a:t>	save: function() {…}</a:t>
+            </a:r>
+          </a:p>
+          <a:p>
+            <a:pPr marL="0" indent="0">
+              <a:buNone/>
+            </a:pPr>
+            <a:r>
+              <a:rPr lang="en-US" sz="1900" dirty="0" smtClean="0">
+                <a:latin typeface="Courier"/>
+                <a:cs typeface="Courier"/>
+              </a:rPr>
+              <a:t>}</a:t>
+            </a:r>
+          </a:p>
+          <a:p>
+            <a:pPr marL="0" indent="0">
+              <a:buNone/>
+            </a:pPr>
+            <a:endParaRPr lang="en-US" sz="1900" dirty="0">
+              <a:latin typeface="Courier"/>
+              <a:cs typeface="Courier"/>
+            </a:endParaRPr>
+          </a:p>
+          <a:p>
+            <a:pPr marL="0" indent="0">
+              <a:buNone/>
+            </a:pPr>
+            <a:r>
+              <a:rPr lang="en-US" sz="1900" b="1" dirty="0" smtClean="0">
+                <a:latin typeface="Courier"/>
+                <a:cs typeface="Courier"/>
+              </a:rPr>
+              <a:t>Binding:</a:t>
+            </a:r>
+          </a:p>
+          <a:p>
+            <a:pPr marL="0" indent="0">
+              <a:buNone/>
+            </a:pPr>
+            <a:r>
+              <a:rPr lang="en-US" sz="1800" dirty="0" err="1">
+                <a:latin typeface="Courier"/>
+                <a:cs typeface="Courier"/>
+              </a:rPr>
+              <a:t>ko.applyBindings</a:t>
+            </a:r>
+            <a:r>
+              <a:rPr lang="en-US" sz="1800" dirty="0">
+                <a:latin typeface="Courier"/>
+                <a:cs typeface="Courier"/>
+              </a:rPr>
+              <a:t>(</a:t>
+            </a:r>
+            <a:r>
+              <a:rPr lang="en-US" sz="1800" dirty="0" err="1">
+                <a:latin typeface="Courier"/>
+                <a:cs typeface="Courier"/>
+              </a:rPr>
+              <a:t>viewModel</a:t>
+            </a:r>
+            <a:r>
+              <a:rPr lang="en-US" sz="1800" dirty="0">
+                <a:latin typeface="Courier"/>
+                <a:cs typeface="Courier"/>
+              </a:rPr>
+              <a:t>, view)</a:t>
+            </a:r>
+          </a:p>
+          <a:p>
+            <a:pPr marL="0" indent="0">
+              <a:buNone/>
+            </a:pPr>
+            <a:endParaRPr lang="en-US" sz="1900" dirty="0" smtClean="0">
+              <a:latin typeface="Courier"/>
+              <a:cs typeface="Courier"/>
+            </a:endParaRPr>
+          </a:p>
+          <a:p>
+            <a:pPr marL="0" indent="0">
+              <a:buNone/>
+            </a:pPr>
+            <a:endParaRPr lang="en-US" sz="1900" dirty="0" smtClean="0">
+              <a:latin typeface="Courier"/>
+              <a:cs typeface="Courier"/>
+            </a:endParaRPr>
+          </a:p>
+          <a:p>
+            <a:pPr marL="0" indent="0">
+              <a:buNone/>
+            </a:pPr>
+            <a:endParaRPr lang="en-US" sz="1900" dirty="0">
+              <a:latin typeface="Courier"/>
+              <a:cs typeface="Courier"/>
+            </a:endParaRPr>
+          </a:p>
+          <a:p>
+            <a:pPr marL="0" indent="0">
+              <a:buNone/>
+            </a:pPr>
+            <a:endParaRPr lang="en-US" sz="1900" b="1" dirty="0">
+              <a:latin typeface="Courier"/>
+              <a:cs typeface="Courier"/>
+            </a:endParaRPr>
+          </a:p>
         </p:txBody>
       </p:sp>
       <p:sp>
@@ -4463,12 +6170,21 @@
             <p:ph type="body" sz="quarter" idx="3"/>
           </p:nvPr>
         </p:nvSpPr>
-        <p:spPr/>
-        <p:txBody>
-          <a:bodyPr/>
-          <a:lstStyle/>
-          <a:p>
-            <a:endParaRPr lang="en-US"/>
+        <p:spPr>
+          <a:xfrm>
+            <a:off x="4645025" y="1083785"/>
+            <a:ext cx="4041775" cy="639762"/>
+          </a:xfrm>
+        </p:spPr>
+        <p:txBody>
+          <a:bodyPr/>
+          <a:lstStyle/>
+          <a:p>
+            <a:r>
+              <a:rPr lang="en-US" dirty="0" smtClean="0"/>
+              <a:t>Angular: M-V-C  $Scope</a:t>
+            </a:r>
+            <a:endParaRPr lang="en-US" dirty="0"/>
           </a:p>
         </p:txBody>
       </p:sp>
@@ -4482,19 +6198,384 @@
             <p:ph sz="quarter" idx="4"/>
           </p:nvPr>
         </p:nvSpPr>
-        <p:spPr/>
-        <p:txBody>
-          <a:bodyPr/>
-          <a:lstStyle/>
-          <a:p>
-            <a:endParaRPr lang="en-US"/>
+        <p:spPr>
+          <a:xfrm>
+            <a:off x="4349751" y="1713051"/>
+            <a:ext cx="4794250" cy="5823277"/>
+          </a:xfrm>
+        </p:spPr>
+        <p:txBody>
+          <a:bodyPr>
+            <a:noAutofit/>
+          </a:bodyPr>
+          <a:lstStyle/>
+          <a:p>
+            <a:pPr marL="0" indent="0">
+              <a:buNone/>
+            </a:pPr>
+            <a:r>
+              <a:rPr lang="en-US" sz="1500" b="1" dirty="0" smtClean="0">
+                <a:latin typeface="Courier"/>
+                <a:cs typeface="Courier"/>
+              </a:rPr>
+              <a:t>Model:</a:t>
+            </a:r>
+          </a:p>
+          <a:p>
+            <a:pPr marL="0" indent="0">
+              <a:buNone/>
+            </a:pPr>
+            <a:r>
+              <a:rPr lang="en-US" sz="1500" dirty="0" smtClean="0">
+                <a:latin typeface="Courier"/>
+                <a:cs typeface="Courier"/>
+              </a:rPr>
+              <a:t>{Id: ID, Name: NAME, </a:t>
+            </a:r>
+            <a:r>
+              <a:rPr lang="en-US" sz="1500" dirty="0" err="1" smtClean="0">
+                <a:latin typeface="Courier"/>
+                <a:cs typeface="Courier"/>
+              </a:rPr>
+              <a:t>Dept</a:t>
+            </a:r>
+            <a:r>
+              <a:rPr lang="en-US" sz="1500" dirty="0" smtClean="0">
+                <a:latin typeface="Courier"/>
+                <a:cs typeface="Courier"/>
+              </a:rPr>
+              <a:t>: DEPT}</a:t>
+            </a:r>
+          </a:p>
+          <a:p>
+            <a:pPr marL="0" indent="0">
+              <a:buNone/>
+            </a:pPr>
+            <a:endParaRPr lang="en-US" sz="1500" b="1" dirty="0" smtClean="0">
+              <a:latin typeface="Courier"/>
+              <a:cs typeface="Courier"/>
+            </a:endParaRPr>
+          </a:p>
+          <a:p>
+            <a:pPr marL="0" indent="0">
+              <a:buNone/>
+            </a:pPr>
+            <a:r>
+              <a:rPr lang="en-US" sz="1500" b="1" dirty="0" smtClean="0">
+                <a:latin typeface="Courier"/>
+                <a:cs typeface="Courier"/>
+              </a:rPr>
+              <a:t>View</a:t>
+            </a:r>
+            <a:r>
+              <a:rPr lang="en-US" sz="1500" b="1" dirty="0">
+                <a:latin typeface="Courier"/>
+                <a:cs typeface="Courier"/>
+              </a:rPr>
+              <a:t>:</a:t>
+            </a:r>
+          </a:p>
+          <a:p>
+            <a:pPr marL="0" indent="0">
+              <a:buNone/>
+            </a:pPr>
+            <a:r>
+              <a:rPr lang="en-US" sz="1500" dirty="0" smtClean="0">
+                <a:latin typeface="Courier"/>
+                <a:cs typeface="Courier"/>
+              </a:rPr>
+              <a:t>&lt;html </a:t>
+            </a:r>
+            <a:r>
+              <a:rPr lang="en-US" sz="1500" dirty="0" err="1" smtClean="0">
+                <a:latin typeface="Courier"/>
+                <a:cs typeface="Courier"/>
+              </a:rPr>
+              <a:t>ng</a:t>
+            </a:r>
+            <a:r>
+              <a:rPr lang="en-US" sz="1500" dirty="0" smtClean="0">
+                <a:latin typeface="Courier"/>
+                <a:cs typeface="Courier"/>
+              </a:rPr>
+              <a:t>-app&gt;</a:t>
+            </a:r>
+          </a:p>
+          <a:p>
+            <a:pPr marL="0" indent="0">
+              <a:buNone/>
+            </a:pPr>
+            <a:r>
+              <a:rPr lang="en-US" sz="1500" dirty="0" smtClean="0">
+                <a:latin typeface="Courier"/>
+                <a:cs typeface="Courier"/>
+              </a:rPr>
+              <a:t>…</a:t>
+            </a:r>
+          </a:p>
+          <a:p>
+            <a:pPr marL="0" indent="0">
+              <a:buNone/>
+            </a:pPr>
+            <a:r>
+              <a:rPr lang="en-US" sz="1500" dirty="0" smtClean="0">
+                <a:latin typeface="Courier"/>
+                <a:cs typeface="Courier"/>
+              </a:rPr>
+              <a:t>&lt;input </a:t>
+            </a:r>
+            <a:r>
+              <a:rPr lang="en-US" sz="1500" dirty="0" err="1" smtClean="0">
+                <a:latin typeface="Courier"/>
+                <a:cs typeface="Courier"/>
+              </a:rPr>
+              <a:t>ng</a:t>
+            </a:r>
+            <a:r>
+              <a:rPr lang="en-US" sz="1500" dirty="0">
+                <a:latin typeface="Courier"/>
+                <a:cs typeface="Courier"/>
+              </a:rPr>
+              <a:t>-model=</a:t>
+            </a:r>
+            <a:r>
+              <a:rPr lang="en-US" sz="1500" dirty="0" smtClean="0">
+                <a:latin typeface="Courier"/>
+                <a:cs typeface="Courier"/>
+              </a:rPr>
+              <a:t>“name”/&gt;</a:t>
+            </a:r>
+          </a:p>
+          <a:p>
+            <a:pPr marL="0" indent="0">
+              <a:buNone/>
+            </a:pPr>
+            <a:r>
+              <a:rPr lang="en-US" sz="1500" dirty="0" smtClean="0">
+                <a:latin typeface="Courier"/>
+                <a:cs typeface="Courier"/>
+              </a:rPr>
+              <a:t>&lt;div </a:t>
+            </a:r>
+            <a:r>
+              <a:rPr lang="en-US" sz="1500" dirty="0" err="1" smtClean="0">
+                <a:latin typeface="Courier"/>
+                <a:cs typeface="Courier"/>
+              </a:rPr>
+              <a:t>ng</a:t>
+            </a:r>
+            <a:r>
+              <a:rPr lang="en-US" sz="1500" dirty="0" smtClean="0">
+                <a:latin typeface="Courier"/>
+                <a:cs typeface="Courier"/>
+              </a:rPr>
+              <a:t>-model=“name”&gt;{{name}}&lt;/div&gt;</a:t>
+            </a:r>
+          </a:p>
+          <a:p>
+            <a:pPr marL="0" indent="0">
+              <a:buNone/>
+            </a:pPr>
+            <a:r>
+              <a:rPr lang="en-US" sz="1500" dirty="0" smtClean="0">
+                <a:latin typeface="Courier"/>
+                <a:cs typeface="Courier"/>
+              </a:rPr>
+              <a:t>&lt;button </a:t>
+            </a:r>
+            <a:r>
+              <a:rPr lang="en-US" sz="1500" dirty="0" err="1" smtClean="0">
+                <a:latin typeface="Courier"/>
+                <a:cs typeface="Courier"/>
+              </a:rPr>
+              <a:t>ng</a:t>
+            </a:r>
+            <a:r>
+              <a:rPr lang="en-US" sz="1500" dirty="0" smtClean="0">
+                <a:latin typeface="Courier"/>
+                <a:cs typeface="Courier"/>
+              </a:rPr>
+              <a:t>-click=“edit”&gt;Edit&lt;/button&gt;</a:t>
+            </a:r>
+            <a:endParaRPr lang="en-US" sz="1500" dirty="0">
+              <a:latin typeface="Courier"/>
+              <a:cs typeface="Courier"/>
+            </a:endParaRPr>
+          </a:p>
+          <a:p>
+            <a:pPr marL="0" indent="0">
+              <a:buNone/>
+            </a:pPr>
+            <a:r>
+              <a:rPr lang="en-US" sz="1500" dirty="0" smtClean="0">
+                <a:latin typeface="Courier"/>
+                <a:cs typeface="Courier"/>
+              </a:rPr>
+              <a:t>…</a:t>
+            </a:r>
+          </a:p>
+          <a:p>
+            <a:pPr marL="0" indent="0">
+              <a:buNone/>
+            </a:pPr>
+            <a:endParaRPr lang="en-US" sz="1500" dirty="0">
+              <a:latin typeface="Courier"/>
+              <a:cs typeface="Courier"/>
+            </a:endParaRPr>
+          </a:p>
+          <a:p>
+            <a:pPr marL="0" indent="0">
+              <a:buNone/>
+            </a:pPr>
+            <a:r>
+              <a:rPr lang="en-US" sz="1500" b="1" dirty="0" smtClean="0">
+                <a:latin typeface="Courier"/>
+                <a:cs typeface="Courier"/>
+              </a:rPr>
+              <a:t>Controller: </a:t>
+            </a:r>
+          </a:p>
+          <a:p>
+            <a:pPr marL="0" indent="0">
+              <a:buNone/>
+            </a:pPr>
+            <a:r>
+              <a:rPr lang="en-US" sz="1500" dirty="0" smtClean="0">
+                <a:latin typeface="Courier"/>
+                <a:cs typeface="Courier"/>
+              </a:rPr>
+              <a:t>function($scope, factory) {</a:t>
+            </a:r>
+          </a:p>
+          <a:p>
+            <a:pPr marL="0" indent="0">
+              <a:buNone/>
+            </a:pPr>
+            <a:r>
+              <a:rPr lang="en-US" sz="1500" dirty="0">
+                <a:latin typeface="Courier"/>
+                <a:cs typeface="Courier"/>
+              </a:rPr>
+              <a:t>	</a:t>
+            </a:r>
+            <a:r>
+              <a:rPr lang="en-US" sz="1500" dirty="0" smtClean="0">
+                <a:latin typeface="Courier"/>
+                <a:cs typeface="Courier"/>
+              </a:rPr>
+              <a:t>$</a:t>
+            </a:r>
+            <a:r>
+              <a:rPr lang="en-US" sz="1500" dirty="0" err="1" smtClean="0">
+                <a:latin typeface="Courier"/>
+                <a:cs typeface="Courier"/>
+              </a:rPr>
+              <a:t>scope.customer</a:t>
+            </a:r>
+            <a:r>
+              <a:rPr lang="en-US" sz="1500" dirty="0" smtClean="0">
+                <a:latin typeface="Courier"/>
+                <a:cs typeface="Courier"/>
+              </a:rPr>
+              <a:t> = </a:t>
+            </a:r>
+            <a:r>
+              <a:rPr lang="en-US" sz="1500" dirty="0" err="1" smtClean="0">
+                <a:latin typeface="Courier"/>
+                <a:cs typeface="Courier"/>
+              </a:rPr>
+              <a:t>factory.getCustomer</a:t>
+            </a:r>
+            <a:r>
+              <a:rPr lang="en-US" sz="1500" dirty="0" smtClean="0">
+                <a:latin typeface="Courier"/>
+                <a:cs typeface="Courier"/>
+              </a:rPr>
+              <a:t>();</a:t>
+            </a:r>
+          </a:p>
+          <a:p>
+            <a:pPr marL="0" indent="0">
+              <a:buNone/>
+            </a:pPr>
+            <a:r>
+              <a:rPr lang="en-US" sz="1500" dirty="0" smtClean="0">
+                <a:latin typeface="Courier"/>
+                <a:cs typeface="Courier"/>
+              </a:rPr>
+              <a:t>	$</a:t>
+            </a:r>
+            <a:r>
+              <a:rPr lang="en-US" sz="1500" dirty="0" err="1" smtClean="0">
+                <a:latin typeface="Courier"/>
+                <a:cs typeface="Courier"/>
+              </a:rPr>
+              <a:t>scope.edit</a:t>
+            </a:r>
+            <a:r>
+              <a:rPr lang="en-US" sz="1500" dirty="0" smtClean="0">
+                <a:latin typeface="Courier"/>
+                <a:cs typeface="Courier"/>
+              </a:rPr>
+              <a:t> = function() {…}</a:t>
+            </a:r>
+          </a:p>
+          <a:p>
+            <a:pPr marL="0" indent="0">
+              <a:buNone/>
+            </a:pPr>
+            <a:r>
+              <a:rPr lang="en-US" sz="1500" dirty="0" smtClean="0">
+                <a:latin typeface="Courier"/>
+                <a:cs typeface="Courier"/>
+              </a:rPr>
+              <a:t>}</a:t>
+            </a:r>
+          </a:p>
+          <a:p>
+            <a:pPr marL="0" indent="0">
+              <a:buNone/>
+            </a:pPr>
+            <a:endParaRPr lang="en-US" sz="1500" b="1" dirty="0">
+              <a:latin typeface="Courier"/>
+              <a:cs typeface="Courier"/>
+            </a:endParaRPr>
+          </a:p>
+          <a:p>
+            <a:pPr marL="0" indent="0">
+              <a:buNone/>
+            </a:pPr>
+            <a:r>
+              <a:rPr lang="en-US" sz="1500" b="1" dirty="0" smtClean="0">
+                <a:latin typeface="Courier"/>
+                <a:cs typeface="Courier"/>
+              </a:rPr>
+              <a:t>Binding: </a:t>
+            </a:r>
+            <a:r>
+              <a:rPr lang="en-US" sz="1500" dirty="0" smtClean="0">
+                <a:latin typeface="Courier"/>
+                <a:cs typeface="Courier"/>
+              </a:rPr>
+              <a:t>$scope</a:t>
+            </a:r>
+            <a:endParaRPr lang="en-US" sz="1500" dirty="0">
+              <a:latin typeface="Courier"/>
+              <a:cs typeface="Courier"/>
+            </a:endParaRPr>
+          </a:p>
+          <a:p>
+            <a:pPr marL="0" indent="0">
+              <a:buNone/>
+            </a:pPr>
+            <a:endParaRPr lang="en-US" dirty="0" smtClean="0"/>
           </a:p>
         </p:txBody>
       </p:sp>
     </p:spTree>
     <p:extLst>
       <p:ext uri="{BB962C8B-B14F-4D97-AF65-F5344CB8AC3E}">
-        <p14:creationId xmlns:p14="http://schemas.microsoft.com/office/powerpoint/2010/main" val="2826300580"/>
+        <p14:creationId xmlns:p14="http://schemas.microsoft.com/office/powerpoint/2010/main" val="3957496078"/>
       </p:ext>
     </p:extLst>
   </p:cSld>
@@ -4545,12 +6626,12 @@
               <a:t>vs</a:t>
             </a:r>
             <a:r>
-              <a:rPr lang="en-US" dirty="0" smtClean="0"/>
-              <a:t> NG: DOM</a:t>
-            </a:r>
-            <a:r>
               <a:rPr lang="en-US" baseline="0" dirty="0" smtClean="0"/>
-              <a:t> Widgets</a:t>
+              <a:t> NG: Server</a:t>
+            </a:r>
+            <a:r>
+              <a:rPr lang="en-US" dirty="0" smtClean="0"/>
+              <a:t> Communication</a:t>
             </a:r>
             <a:endParaRPr lang="en-US" dirty="0"/>
           </a:p>
@@ -4573,7 +6654,7 @@
           <a:p>
             <a:r>
               <a:rPr lang="en-US" dirty="0" smtClean="0"/>
-              <a:t>Knockout</a:t>
+              <a:t>Knockout Mapping Plugin</a:t>
             </a:r>
             <a:endParaRPr lang="en-US" dirty="0"/>
           </a:p>
@@ -4589,7 +6670,12 @@
             <p:ph sz="half" idx="2"/>
           </p:nvPr>
         </p:nvSpPr>
-        <p:spPr/>
+        <p:spPr>
+          <a:xfrm>
+            <a:off x="127000" y="2174875"/>
+            <a:ext cx="4000500" cy="3951288"/>
+          </a:xfrm>
+        </p:spPr>
         <p:txBody>
           <a:bodyPr>
             <a:normAutofit/>
@@ -4600,32 +6686,108 @@
               <a:buNone/>
             </a:pPr>
             <a:r>
-              <a:rPr lang="en-US" sz="2000" dirty="0" smtClean="0">
-                <a:latin typeface="Courier"/>
-                <a:cs typeface="Courier"/>
-              </a:rPr>
-              <a:t>&lt;div data-bind=“</a:t>
-            </a:r>
-            <a:r>
-              <a:rPr lang="en-US" sz="2000" dirty="0" err="1" smtClean="0">
-                <a:latin typeface="Courier"/>
-                <a:cs typeface="Courier"/>
-              </a:rPr>
-              <a:t>smartImage</a:t>
-            </a:r>
-            <a:r>
-              <a:rPr lang="en-US" sz="2000" dirty="0" smtClean="0">
-                <a:latin typeface="Courier"/>
-                <a:cs typeface="Courier"/>
-              </a:rPr>
-              <a:t>: URL”&gt;&lt;/div&gt;</a:t>
-            </a:r>
-          </a:p>
-          <a:p>
-            <a:pPr marL="0" indent="0">
-              <a:buNone/>
-            </a:pPr>
-            <a:endParaRPr lang="en-US" sz="2000" dirty="0">
+              <a:rPr lang="en-US" sz="1800" b="1" dirty="0" smtClean="0">
+                <a:latin typeface="Courier"/>
+                <a:cs typeface="Courier"/>
+              </a:rPr>
+              <a:t>Loading a Contact:</a:t>
+            </a:r>
+          </a:p>
+          <a:p>
+            <a:pPr marL="0" indent="0">
+              <a:buNone/>
+            </a:pPr>
+            <a:r>
+              <a:rPr lang="en-US" sz="1200" dirty="0" smtClean="0">
+                <a:latin typeface="Courier"/>
+                <a:cs typeface="Courier"/>
+              </a:rPr>
+              <a:t>$.get(“/</a:t>
+            </a:r>
+            <a:r>
+              <a:rPr lang="en-US" sz="1200" dirty="0" err="1" smtClean="0">
+                <a:latin typeface="Courier"/>
+                <a:cs typeface="Courier"/>
+              </a:rPr>
+              <a:t>api</a:t>
+            </a:r>
+            <a:r>
+              <a:rPr lang="en-US" sz="1200" dirty="0" smtClean="0">
+                <a:latin typeface="Courier"/>
+                <a:cs typeface="Courier"/>
+              </a:rPr>
+              <a:t>/contact/1”, </a:t>
+            </a:r>
+          </a:p>
+          <a:p>
+            <a:pPr marL="0" indent="0">
+              <a:buNone/>
+            </a:pPr>
+            <a:r>
+              <a:rPr lang="en-US" sz="1200" dirty="0" smtClean="0">
+                <a:latin typeface="Courier"/>
+                <a:cs typeface="Courier"/>
+              </a:rPr>
+              <a:t>function(model) {</a:t>
+            </a:r>
+          </a:p>
+          <a:p>
+            <a:pPr marL="0" indent="0">
+              <a:buNone/>
+            </a:pPr>
+            <a:r>
+              <a:rPr lang="en-US" sz="1200" dirty="0">
+                <a:latin typeface="Courier"/>
+                <a:cs typeface="Courier"/>
+              </a:rPr>
+              <a:t>	</a:t>
+            </a:r>
+            <a:r>
+              <a:rPr lang="en-US" sz="1200" dirty="0" err="1" smtClean="0">
+                <a:latin typeface="Courier"/>
+                <a:cs typeface="Courier"/>
+              </a:rPr>
+              <a:t>viewModel</a:t>
+            </a:r>
+            <a:r>
+              <a:rPr lang="en-US" sz="1200" dirty="0" smtClean="0">
+                <a:latin typeface="Courier"/>
+                <a:cs typeface="Courier"/>
+              </a:rPr>
+              <a:t> = 	</a:t>
+            </a:r>
+            <a:r>
+              <a:rPr lang="en-US" sz="1200" dirty="0" err="1" smtClean="0">
+                <a:latin typeface="Courier"/>
+                <a:cs typeface="Courier"/>
+              </a:rPr>
+              <a:t>ko.mapping.fromJS</a:t>
+            </a:r>
+            <a:r>
+              <a:rPr lang="en-US" sz="1200" dirty="0" smtClean="0">
+                <a:latin typeface="Courier"/>
+                <a:cs typeface="Courier"/>
+              </a:rPr>
+              <a:t>(model);</a:t>
+            </a:r>
+          </a:p>
+          <a:p>
+            <a:pPr marL="0" indent="0">
+              <a:buNone/>
+            </a:pPr>
+            <a:r>
+              <a:rPr lang="en-US" sz="1200" dirty="0" smtClean="0">
+                <a:latin typeface="Courier"/>
+                <a:cs typeface="Courier"/>
+              </a:rPr>
+              <a:t>});</a:t>
+            </a:r>
+          </a:p>
+          <a:p>
+            <a:pPr marL="0" indent="0">
+              <a:buNone/>
+            </a:pPr>
+            <a:endParaRPr lang="en-US" sz="1800" dirty="0" smtClean="0">
               <a:latin typeface="Courier"/>
               <a:cs typeface="Courier"/>
             </a:endParaRPr>
@@ -4635,13 +6797,13 @@
               <a:buNone/>
             </a:pPr>
             <a:r>
-              <a:rPr lang="en-US" sz="2000" dirty="0" err="1" smtClean="0">
-                <a:latin typeface="Courier"/>
-                <a:cs typeface="Courier"/>
-              </a:rPr>
-              <a:t>ko.bindingHandlers</a:t>
-            </a:r>
-            <a:endParaRPr lang="en-US" sz="2000" dirty="0" smtClean="0">
+              <a:rPr lang="en-US" sz="1800" b="1" dirty="0" smtClean="0">
+                <a:latin typeface="Courier"/>
+                <a:cs typeface="Courier"/>
+              </a:rPr>
+              <a:t>Saving a contact:</a:t>
+            </a:r>
+            <a:endParaRPr lang="en-US" sz="1800" b="1" dirty="0">
               <a:latin typeface="Courier"/>
               <a:cs typeface="Courier"/>
             </a:endParaRPr>
@@ -4651,160 +6813,481 @@
               <a:buNone/>
             </a:pPr>
             <a:r>
-              <a:rPr lang="en-US" sz="2000" dirty="0">
-                <a:latin typeface="Courier"/>
-                <a:cs typeface="Courier"/>
-              </a:rPr>
-              <a:t>.</a:t>
-            </a:r>
-            <a:r>
-              <a:rPr lang="en-US" sz="2000" dirty="0" err="1" smtClean="0">
-                <a:latin typeface="Courier"/>
-                <a:cs typeface="Courier"/>
-              </a:rPr>
-              <a:t>smartImage</a:t>
-            </a:r>
-            <a:r>
-              <a:rPr lang="en-US" sz="2000" dirty="0" smtClean="0">
-                <a:latin typeface="Courier"/>
-                <a:cs typeface="Courier"/>
-              </a:rPr>
-              <a:t> = {</a:t>
-            </a:r>
-          </a:p>
-          <a:p>
-            <a:pPr marL="0" indent="0">
-              <a:buNone/>
-            </a:pPr>
-            <a:r>
-              <a:rPr lang="en-US" sz="2000" dirty="0" smtClean="0">
-                <a:latin typeface="Courier"/>
-                <a:cs typeface="Courier"/>
-              </a:rPr>
-              <a:t>	</a:t>
-            </a:r>
-            <a:r>
-              <a:rPr lang="en-US" sz="2000" dirty="0" err="1" smtClean="0">
-                <a:latin typeface="Courier"/>
-                <a:cs typeface="Courier"/>
-              </a:rPr>
-              <a:t>init</a:t>
-            </a:r>
-            <a:r>
-              <a:rPr lang="en-US" sz="2000" dirty="0" smtClean="0">
-                <a:latin typeface="Courier"/>
-                <a:cs typeface="Courier"/>
-              </a:rPr>
-              <a:t>: function() {</a:t>
-            </a:r>
-            <a:r>
-              <a:rPr lang="en-US" sz="2000" i="1" dirty="0" smtClean="0">
-                <a:latin typeface="Courier"/>
-                <a:cs typeface="Courier"/>
-              </a:rPr>
-              <a:t>…</a:t>
-            </a:r>
-            <a:r>
-              <a:rPr lang="en-US" sz="2000" dirty="0" smtClean="0">
-                <a:latin typeface="Courier"/>
-                <a:cs typeface="Courier"/>
-              </a:rPr>
-              <a:t>},</a:t>
-            </a:r>
-          </a:p>
-          <a:p>
-            <a:pPr marL="0" indent="0">
-              <a:buNone/>
-            </a:pPr>
-            <a:r>
-              <a:rPr lang="en-US" sz="2000" dirty="0">
-                <a:latin typeface="Courier"/>
-                <a:cs typeface="Courier"/>
-              </a:rPr>
-              <a:t>	</a:t>
-            </a:r>
-            <a:r>
-              <a:rPr lang="en-US" sz="2000" dirty="0" smtClean="0">
-                <a:latin typeface="Courier"/>
-                <a:cs typeface="Courier"/>
-              </a:rPr>
-              <a:t>update: function() {</a:t>
-            </a:r>
-            <a:r>
-              <a:rPr lang="en-US" sz="2000" i="1" dirty="0" smtClean="0">
-                <a:latin typeface="Courier"/>
-                <a:cs typeface="Courier"/>
-              </a:rPr>
-              <a:t>…</a:t>
-            </a:r>
-            <a:r>
-              <a:rPr lang="en-US" sz="2000" dirty="0" smtClean="0">
-                <a:latin typeface="Courier"/>
-                <a:cs typeface="Courier"/>
-              </a:rPr>
-              <a:t>}</a:t>
-            </a:r>
-            <a:endParaRPr lang="en-US" sz="2000" dirty="0">
+              <a:rPr lang="en-US" sz="1100" dirty="0">
+                <a:latin typeface="Courier"/>
+                <a:cs typeface="Courier"/>
+              </a:rPr>
+              <a:t>$</a:t>
+            </a:r>
+            <a:r>
+              <a:rPr lang="en-US" sz="1100" dirty="0" smtClean="0">
+                <a:latin typeface="Courier"/>
+                <a:cs typeface="Courier"/>
+              </a:rPr>
+              <a:t>.post(“/</a:t>
+            </a:r>
+            <a:r>
+              <a:rPr lang="en-US" sz="1100" dirty="0" err="1" smtClean="0">
+                <a:latin typeface="Courier"/>
+                <a:cs typeface="Courier"/>
+              </a:rPr>
+              <a:t>api</a:t>
+            </a:r>
+            <a:r>
+              <a:rPr lang="en-US" sz="1100" dirty="0" smtClean="0">
+                <a:latin typeface="Courier"/>
+                <a:cs typeface="Courier"/>
+              </a:rPr>
+              <a:t>/contact”,	</a:t>
+            </a:r>
+            <a:r>
+              <a:rPr lang="en-US" sz="1100" dirty="0" err="1" smtClean="0">
+                <a:latin typeface="Courier"/>
+                <a:cs typeface="Courier"/>
+              </a:rPr>
+              <a:t>ko.mapping.toJS</a:t>
+            </a:r>
+            <a:r>
+              <a:rPr lang="en-US" sz="1100" dirty="0" smtClean="0">
+                <a:latin typeface="Courier"/>
+                <a:cs typeface="Courier"/>
+              </a:rPr>
+              <a:t>(</a:t>
+            </a:r>
+            <a:r>
+              <a:rPr lang="en-US" sz="1100" dirty="0" err="1" smtClean="0">
+                <a:latin typeface="Courier"/>
+                <a:cs typeface="Courier"/>
+              </a:rPr>
+              <a:t>viewModel</a:t>
+            </a:r>
+            <a:r>
+              <a:rPr lang="en-US" sz="1100" dirty="0" smtClean="0">
+                <a:latin typeface="Courier"/>
+                <a:cs typeface="Courier"/>
+              </a:rPr>
+              <a:t>)</a:t>
+            </a:r>
+          </a:p>
+          <a:p>
+            <a:pPr marL="0" indent="0">
+              <a:buNone/>
+            </a:pPr>
+            <a:r>
+              <a:rPr lang="en-US" sz="1100" dirty="0" smtClean="0">
+                <a:latin typeface="Courier"/>
+                <a:cs typeface="Courier"/>
+              </a:rPr>
+              <a:t>);</a:t>
+            </a:r>
+            <a:endParaRPr lang="en-US" sz="1100" dirty="0">
               <a:latin typeface="Courier"/>
               <a:cs typeface="Courier"/>
             </a:endParaRPr>
           </a:p>
-          <a:p>
-            <a:pPr marL="0" indent="0">
-              <a:buNone/>
-            </a:pPr>
-            <a:r>
-              <a:rPr lang="en-US" sz="2000" dirty="0" smtClean="0">
+        </p:txBody>
+      </p:sp>
+      <p:sp>
+        <p:nvSpPr>
+          <p:cNvPr id="5" name="Text Placeholder 4"/>
+          <p:cNvSpPr>
+            <a:spLocks noGrp="1"/>
+          </p:cNvSpPr>
+          <p:nvPr>
+            <p:ph type="body" sz="quarter" idx="3"/>
+          </p:nvPr>
+        </p:nvSpPr>
+        <p:spPr/>
+        <p:txBody>
+          <a:bodyPr/>
+          <a:lstStyle/>
+          <a:p>
+            <a:r>
+              <a:rPr lang="en-US" dirty="0" smtClean="0"/>
+              <a:t>Angular Factories/Services</a:t>
+            </a:r>
+            <a:endParaRPr lang="en-US" dirty="0"/>
+          </a:p>
+        </p:txBody>
+      </p:sp>
+      <p:sp>
+        <p:nvSpPr>
+          <p:cNvPr id="6" name="Content Placeholder 5"/>
+          <p:cNvSpPr>
+            <a:spLocks noGrp="1"/>
+          </p:cNvSpPr>
+          <p:nvPr>
+            <p:ph sz="quarter" idx="4"/>
+          </p:nvPr>
+        </p:nvSpPr>
+        <p:spPr>
+          <a:xfrm>
+            <a:off x="4127500" y="2174874"/>
+            <a:ext cx="4762499" cy="5095875"/>
+          </a:xfrm>
+        </p:spPr>
+        <p:txBody>
+          <a:bodyPr>
+            <a:normAutofit/>
+          </a:bodyPr>
+          <a:lstStyle/>
+          <a:p>
+            <a:pPr marL="0" indent="0">
+              <a:buNone/>
+            </a:pPr>
+            <a:r>
+              <a:rPr lang="en-US" sz="1400" dirty="0" err="1" smtClean="0">
+                <a:latin typeface="Courier"/>
+                <a:cs typeface="Courier"/>
+              </a:rPr>
+              <a:t>app.factory</a:t>
+            </a:r>
+            <a:r>
+              <a:rPr lang="en-US" sz="1400" dirty="0" smtClean="0">
+                <a:latin typeface="Courier"/>
+                <a:cs typeface="Courier"/>
+              </a:rPr>
+              <a:t>(‘</a:t>
+            </a:r>
+            <a:r>
+              <a:rPr lang="en-US" sz="1400" dirty="0" err="1" smtClean="0">
+                <a:latin typeface="Courier"/>
+                <a:cs typeface="Courier"/>
+              </a:rPr>
+              <a:t>ContactFactory</a:t>
+            </a:r>
+            <a:r>
+              <a:rPr lang="en-US" sz="1400" dirty="0" smtClean="0">
+                <a:latin typeface="Courier"/>
+                <a:cs typeface="Courier"/>
+              </a:rPr>
+              <a:t>, [‘$http’, function($http) {</a:t>
+            </a:r>
+          </a:p>
+          <a:p>
+            <a:pPr marL="0" indent="0">
+              <a:buNone/>
+            </a:pPr>
+            <a:endParaRPr lang="en-US" sz="1400" dirty="0" smtClean="0">
+              <a:latin typeface="Courier"/>
+              <a:cs typeface="Courier"/>
+            </a:endParaRPr>
+          </a:p>
+          <a:p>
+            <a:pPr marL="0" indent="0">
+              <a:buNone/>
+            </a:pPr>
+            <a:r>
+              <a:rPr lang="en-US" sz="1400" dirty="0" smtClean="0">
+                <a:latin typeface="Courier"/>
+                <a:cs typeface="Courier"/>
+              </a:rPr>
+              <a:t>return {</a:t>
+            </a:r>
+            <a:endParaRPr lang="en-US" sz="1400" dirty="0">
+              <a:latin typeface="Courier"/>
+              <a:cs typeface="Courier"/>
+            </a:endParaRPr>
+          </a:p>
+          <a:p>
+            <a:pPr marL="0" indent="0">
+              <a:buNone/>
+            </a:pPr>
+            <a:r>
+              <a:rPr lang="en-US" sz="1400" dirty="0" smtClean="0">
+                <a:latin typeface="Courier"/>
+                <a:cs typeface="Courier"/>
+              </a:rPr>
+              <a:t>	load: function() {</a:t>
+            </a:r>
+          </a:p>
+          <a:p>
+            <a:pPr marL="0" indent="0">
+              <a:buNone/>
+            </a:pPr>
+            <a:r>
+              <a:rPr lang="en-US" sz="1400" dirty="0">
+                <a:latin typeface="Courier"/>
+                <a:cs typeface="Courier"/>
+              </a:rPr>
+              <a:t>	</a:t>
+            </a:r>
+            <a:r>
+              <a:rPr lang="en-US" sz="1400" dirty="0" smtClean="0">
+                <a:latin typeface="Courier"/>
+                <a:cs typeface="Courier"/>
+              </a:rPr>
+              <a:t>return $</a:t>
+            </a:r>
+            <a:r>
+              <a:rPr lang="en-US" sz="1400" dirty="0" err="1" smtClean="0">
+                <a:latin typeface="Courier"/>
+                <a:cs typeface="Courier"/>
+              </a:rPr>
+              <a:t>http.get</a:t>
+            </a:r>
+            <a:r>
+              <a:rPr lang="en-US" sz="1400" dirty="0" smtClean="0">
+                <a:latin typeface="Courier"/>
+                <a:cs typeface="Courier"/>
+              </a:rPr>
+              <a:t>(“/</a:t>
+            </a:r>
+            <a:r>
+              <a:rPr lang="en-US" sz="1400" dirty="0" err="1" smtClean="0">
+                <a:latin typeface="Courier"/>
+                <a:cs typeface="Courier"/>
+              </a:rPr>
+              <a:t>api</a:t>
+            </a:r>
+            <a:r>
+              <a:rPr lang="en-US" sz="1400" dirty="0" smtClean="0">
+                <a:latin typeface="Courier"/>
+                <a:cs typeface="Courier"/>
+              </a:rPr>
+              <a:t>/contact/1”);</a:t>
+            </a:r>
+          </a:p>
+          <a:p>
+            <a:pPr marL="0" indent="0">
+              <a:buNone/>
+            </a:pPr>
+            <a:r>
+              <a:rPr lang="en-US" sz="1400" dirty="0">
+                <a:latin typeface="Courier"/>
+                <a:cs typeface="Courier"/>
+              </a:rPr>
+              <a:t>	</a:t>
+            </a:r>
+            <a:r>
+              <a:rPr lang="en-US" sz="1400" dirty="0" smtClean="0">
+                <a:latin typeface="Courier"/>
+                <a:cs typeface="Courier"/>
+              </a:rPr>
+              <a:t>};</a:t>
+            </a:r>
+          </a:p>
+          <a:p>
+            <a:pPr marL="0" indent="0">
+              <a:buNone/>
+            </a:pPr>
+            <a:endParaRPr lang="en-US" sz="1400" dirty="0">
+              <a:latin typeface="Courier"/>
+              <a:cs typeface="Courier"/>
+            </a:endParaRPr>
+          </a:p>
+          <a:p>
+            <a:pPr marL="0" indent="0">
+              <a:buNone/>
+            </a:pPr>
+            <a:r>
+              <a:rPr lang="en-US" sz="1400" dirty="0" smtClean="0">
+                <a:latin typeface="Courier"/>
+                <a:cs typeface="Courier"/>
+              </a:rPr>
+              <a:t>	save: </a:t>
+            </a:r>
+            <a:r>
+              <a:rPr lang="en-US" sz="1400" dirty="0">
+                <a:latin typeface="Courier"/>
+                <a:cs typeface="Courier"/>
+              </a:rPr>
+              <a:t>function</a:t>
+            </a:r>
+            <a:r>
+              <a:rPr lang="en-US" sz="1400" dirty="0" smtClean="0">
+                <a:latin typeface="Courier"/>
+                <a:cs typeface="Courier"/>
+              </a:rPr>
+              <a:t>(contact) </a:t>
+            </a:r>
+            <a:r>
+              <a:rPr lang="en-US" sz="1400" dirty="0">
+                <a:latin typeface="Courier"/>
+                <a:cs typeface="Courier"/>
+              </a:rPr>
+              <a:t>{</a:t>
+            </a:r>
+          </a:p>
+          <a:p>
+            <a:pPr marL="0" indent="0">
+              <a:buNone/>
+            </a:pPr>
+            <a:r>
+              <a:rPr lang="en-US" sz="1400" dirty="0">
+                <a:latin typeface="Courier"/>
+                <a:cs typeface="Courier"/>
+              </a:rPr>
+              <a:t>	return </a:t>
+            </a:r>
+            <a:r>
+              <a:rPr lang="en-US" sz="1400" dirty="0" smtClean="0">
+                <a:latin typeface="Courier"/>
+                <a:cs typeface="Courier"/>
+              </a:rPr>
+              <a:t>$post(“/</a:t>
+            </a:r>
+            <a:r>
+              <a:rPr lang="en-US" sz="1400" dirty="0" err="1" smtClean="0">
+                <a:latin typeface="Courier"/>
+                <a:cs typeface="Courier"/>
+              </a:rPr>
+              <a:t>api</a:t>
+            </a:r>
+            <a:r>
+              <a:rPr lang="en-US" sz="1400" dirty="0" smtClean="0">
+                <a:latin typeface="Courier"/>
+                <a:cs typeface="Courier"/>
+              </a:rPr>
+              <a:t>/contact”, contact)</a:t>
+            </a:r>
+            <a:r>
+              <a:rPr lang="en-US" sz="1400" dirty="0">
+                <a:latin typeface="Courier"/>
+                <a:cs typeface="Courier"/>
+              </a:rPr>
+              <a:t>;</a:t>
+            </a:r>
+          </a:p>
+          <a:p>
+            <a:pPr marL="0" indent="0">
+              <a:buNone/>
+            </a:pPr>
+            <a:r>
+              <a:rPr lang="en-US" sz="1400" dirty="0">
+                <a:latin typeface="Courier"/>
+                <a:cs typeface="Courier"/>
+              </a:rPr>
+              <a:t>	}</a:t>
+            </a:r>
+            <a:r>
+              <a:rPr lang="en-US" sz="1400" dirty="0" smtClean="0">
+                <a:latin typeface="Courier"/>
+                <a:cs typeface="Courier"/>
+              </a:rPr>
+              <a:t>;</a:t>
+            </a:r>
+          </a:p>
+          <a:p>
+            <a:pPr marL="0" indent="0">
+              <a:buNone/>
+            </a:pPr>
+            <a:r>
+              <a:rPr lang="en-US" sz="1400" dirty="0" smtClean="0">
                 <a:latin typeface="Courier"/>
                 <a:cs typeface="Courier"/>
               </a:rPr>
               <a:t>}</a:t>
             </a:r>
-          </a:p>
-        </p:txBody>
-      </p:sp>
-      <p:sp>
-        <p:nvSpPr>
-          <p:cNvPr id="5" name="Text Placeholder 4"/>
-          <p:cNvSpPr>
-            <a:spLocks noGrp="1"/>
-          </p:cNvSpPr>
-          <p:nvPr>
-            <p:ph type="body" sz="quarter" idx="3"/>
-          </p:nvPr>
-        </p:nvSpPr>
-        <p:spPr/>
-        <p:txBody>
-          <a:bodyPr/>
-          <a:lstStyle/>
-          <a:p>
-            <a:endParaRPr lang="en-US"/>
-          </a:p>
-        </p:txBody>
-      </p:sp>
-      <p:sp>
-        <p:nvSpPr>
-          <p:cNvPr id="6" name="Content Placeholder 5"/>
-          <p:cNvSpPr>
-            <a:spLocks noGrp="1"/>
-          </p:cNvSpPr>
-          <p:nvPr>
-            <p:ph sz="quarter" idx="4"/>
-          </p:nvPr>
-        </p:nvSpPr>
-        <p:spPr/>
-        <p:txBody>
-          <a:bodyPr/>
-          <a:lstStyle/>
-          <a:p>
-            <a:endParaRPr lang="en-US"/>
+            <a:endParaRPr lang="en-US" sz="1400" dirty="0">
+              <a:latin typeface="Courier"/>
+              <a:cs typeface="Courier"/>
+            </a:endParaRPr>
+          </a:p>
+          <a:p>
+            <a:pPr marL="0" indent="0">
+              <a:buNone/>
+            </a:pPr>
+            <a:r>
+              <a:rPr lang="en-US" sz="1400" dirty="0" smtClean="0">
+                <a:latin typeface="Courier"/>
+                <a:cs typeface="Courier"/>
+              </a:rPr>
+              <a:t>}]);</a:t>
+            </a:r>
+          </a:p>
+          <a:p>
+            <a:pPr marL="0" indent="0">
+              <a:buNone/>
+            </a:pPr>
+            <a:endParaRPr lang="en-US" sz="1400" dirty="0">
+              <a:latin typeface="Courier"/>
+              <a:cs typeface="Courier"/>
+            </a:endParaRPr>
+          </a:p>
+          <a:p>
+            <a:pPr marL="0" indent="0">
+              <a:buNone/>
+            </a:pPr>
+            <a:r>
+              <a:rPr lang="en-US" sz="1400" dirty="0" err="1" smtClean="0">
+                <a:latin typeface="Courier"/>
+                <a:cs typeface="Courier"/>
+              </a:rPr>
+              <a:t>app.controller</a:t>
+            </a:r>
+            <a:r>
+              <a:rPr lang="en-US" sz="1400" dirty="0" smtClean="0">
+                <a:latin typeface="Courier"/>
+                <a:cs typeface="Courier"/>
+              </a:rPr>
+              <a:t>(‘</a:t>
+            </a:r>
+            <a:r>
+              <a:rPr lang="en-US" sz="1400" dirty="0" err="1" smtClean="0">
+                <a:latin typeface="Courier"/>
+                <a:cs typeface="Courier"/>
+              </a:rPr>
+              <a:t>ContactController</a:t>
+            </a:r>
+            <a:r>
+              <a:rPr lang="en-US" sz="1400" dirty="0" smtClean="0">
+                <a:latin typeface="Courier"/>
+                <a:cs typeface="Courier"/>
+              </a:rPr>
+              <a:t>’, [‘$scope’, ‘</a:t>
+            </a:r>
+            <a:r>
+              <a:rPr lang="en-US" sz="1400" dirty="0" err="1" smtClean="0">
+                <a:latin typeface="Courier"/>
+                <a:cs typeface="Courier"/>
+              </a:rPr>
+              <a:t>ContactFactory</a:t>
+            </a:r>
+            <a:r>
+              <a:rPr lang="en-US" sz="1400" dirty="0" smtClean="0">
+                <a:latin typeface="Courier"/>
+                <a:cs typeface="Courier"/>
+              </a:rPr>
+              <a:t>’, function($scope, </a:t>
+            </a:r>
+            <a:r>
+              <a:rPr lang="en-US" sz="1400" dirty="0" err="1" smtClean="0">
+                <a:latin typeface="Courier"/>
+                <a:cs typeface="Courier"/>
+              </a:rPr>
+              <a:t>ContactFactory</a:t>
+            </a:r>
+            <a:r>
+              <a:rPr lang="en-US" sz="1400" dirty="0" smtClean="0">
+                <a:latin typeface="Courier"/>
+                <a:cs typeface="Courier"/>
+              </a:rPr>
+              <a:t>) {</a:t>
+            </a:r>
+          </a:p>
+          <a:p>
+            <a:pPr marL="0" indent="0">
+              <a:buNone/>
+            </a:pPr>
+            <a:r>
+              <a:rPr lang="en-US" sz="1400" dirty="0" smtClean="0">
+                <a:latin typeface="Courier"/>
+                <a:cs typeface="Courier"/>
+              </a:rPr>
+              <a:t>…}]);</a:t>
+            </a:r>
+            <a:endParaRPr lang="en-US" sz="1400" dirty="0">
+              <a:latin typeface="Courier"/>
+              <a:cs typeface="Courier"/>
+            </a:endParaRPr>
           </a:p>
         </p:txBody>
       </p:sp>
     </p:spTree>
     <p:extLst>
       <p:ext uri="{BB962C8B-B14F-4D97-AF65-F5344CB8AC3E}">
-        <p14:creationId xmlns:p14="http://schemas.microsoft.com/office/powerpoint/2010/main" val="3038815951"/>
+        <p14:creationId xmlns:p14="http://schemas.microsoft.com/office/powerpoint/2010/main" val="481365066"/>
       </p:ext>
     </p:extLst>
   </p:cSld>
@@ -4855,8 +7338,12 @@
               <a:t>vs</a:t>
             </a:r>
             <a:r>
+              <a:rPr lang="en-US" dirty="0" smtClean="0"/>
+              <a:t> NG: DOM</a:t>
+            </a:r>
+            <a:r>
               <a:rPr lang="en-US" baseline="0" dirty="0" smtClean="0"/>
-              <a:t> NG: Service Providers</a:t>
+              <a:t> Widgets</a:t>
             </a:r>
             <a:endParaRPr lang="en-US" dirty="0"/>
           </a:p>
@@ -4879,7 +7366,7 @@
           <a:p>
             <a:r>
               <a:rPr lang="en-US" dirty="0" smtClean="0"/>
-              <a:t>Knockout Mapping Plugin</a:t>
+              <a:t>Knockout (Binding Handlers)</a:t>
             </a:r>
             <a:endParaRPr lang="en-US" dirty="0"/>
           </a:p>
@@ -4906,105 +7393,426 @@
               <a:buNone/>
             </a:pPr>
             <a:r>
-              <a:rPr lang="en-US" b="1" dirty="0" smtClean="0">
-                <a:latin typeface="Courier"/>
-                <a:cs typeface="Courier"/>
-              </a:rPr>
-              <a:t>Loading a Contact:</a:t>
-            </a:r>
-          </a:p>
-          <a:p>
-            <a:pPr marL="0" indent="0">
-              <a:buNone/>
-            </a:pPr>
-            <a:r>
-              <a:rPr lang="en-US" sz="1500" dirty="0" smtClean="0">
-                <a:latin typeface="Courier"/>
-                <a:cs typeface="Courier"/>
-              </a:rPr>
-              <a:t>$.get(</a:t>
-            </a:r>
-          </a:p>
-          <a:p>
-            <a:pPr marL="0" indent="0">
-              <a:buNone/>
-            </a:pPr>
-            <a:r>
-              <a:rPr lang="en-US" sz="1500" dirty="0" smtClean="0">
-                <a:latin typeface="Courier"/>
-                <a:cs typeface="Courier"/>
-              </a:rPr>
-              <a:t>“contact/1”, </a:t>
-            </a:r>
-          </a:p>
-          <a:p>
-            <a:pPr marL="0" indent="0">
-              <a:buNone/>
-            </a:pPr>
-            <a:r>
-              <a:rPr lang="en-US" sz="1500" dirty="0" smtClean="0">
-                <a:latin typeface="Courier"/>
-                <a:cs typeface="Courier"/>
-              </a:rPr>
-              <a:t>function(model) {</a:t>
-            </a:r>
-          </a:p>
-          <a:p>
-            <a:pPr marL="0" indent="0">
-              <a:buNone/>
-            </a:pPr>
-            <a:r>
-              <a:rPr lang="en-US" sz="1500" dirty="0">
+              <a:rPr lang="en-US" sz="2000" dirty="0" smtClean="0">
+                <a:latin typeface="Courier"/>
+                <a:cs typeface="Courier"/>
+              </a:rPr>
+              <a:t>&lt;div data-bind=“</a:t>
+            </a:r>
+            <a:r>
+              <a:rPr lang="en-US" sz="2000" dirty="0" err="1" smtClean="0">
+                <a:latin typeface="Courier"/>
+                <a:cs typeface="Courier"/>
+              </a:rPr>
+              <a:t>smartImage</a:t>
+            </a:r>
+            <a:r>
+              <a:rPr lang="en-US" sz="2000" dirty="0" smtClean="0">
+                <a:latin typeface="Courier"/>
+                <a:cs typeface="Courier"/>
+              </a:rPr>
+              <a:t>: URL”&gt;&lt;/div&gt;</a:t>
+            </a:r>
+          </a:p>
+          <a:p>
+            <a:pPr marL="0" indent="0">
+              <a:buNone/>
+            </a:pPr>
+            <a:endParaRPr lang="en-US" sz="2000" dirty="0">
+              <a:latin typeface="Courier"/>
+              <a:cs typeface="Courier"/>
+            </a:endParaRPr>
+          </a:p>
+          <a:p>
+            <a:pPr marL="0" indent="0">
+              <a:buNone/>
+            </a:pPr>
+            <a:r>
+              <a:rPr lang="en-US" sz="2000" dirty="0" err="1" smtClean="0">
+                <a:latin typeface="Courier"/>
+                <a:cs typeface="Courier"/>
+              </a:rPr>
+              <a:t>ko.bindingHandlers</a:t>
+            </a:r>
+            <a:endParaRPr lang="en-US" sz="2000" dirty="0" smtClean="0">
+              <a:latin typeface="Courier"/>
+              <a:cs typeface="Courier"/>
+            </a:endParaRPr>
+          </a:p>
+          <a:p>
+            <a:pPr marL="0" indent="0">
+              <a:buNone/>
+            </a:pPr>
+            <a:r>
+              <a:rPr lang="en-US" sz="2000" dirty="0">
+                <a:latin typeface="Courier"/>
+                <a:cs typeface="Courier"/>
+              </a:rPr>
+              <a:t>.</a:t>
+            </a:r>
+            <a:r>
+              <a:rPr lang="en-US" sz="2000" dirty="0" err="1" smtClean="0">
+                <a:latin typeface="Courier"/>
+                <a:cs typeface="Courier"/>
+              </a:rPr>
+              <a:t>smartImage</a:t>
+            </a:r>
+            <a:r>
+              <a:rPr lang="en-US" sz="2000" dirty="0" smtClean="0">
+                <a:latin typeface="Courier"/>
+                <a:cs typeface="Courier"/>
+              </a:rPr>
+              <a:t> = {</a:t>
+            </a:r>
+          </a:p>
+          <a:p>
+            <a:pPr marL="0" indent="0">
+              <a:buNone/>
+            </a:pPr>
+            <a:r>
+              <a:rPr lang="en-US" sz="2000" dirty="0" smtClean="0">
                 <a:latin typeface="Courier"/>
                 <a:cs typeface="Courier"/>
               </a:rPr>
               <a:t>	</a:t>
             </a:r>
             <a:r>
-              <a:rPr lang="en-US" sz="1500" dirty="0" err="1" smtClean="0">
-                <a:latin typeface="Courier"/>
-                <a:cs typeface="Courier"/>
-              </a:rPr>
-              <a:t>viewModel</a:t>
-            </a:r>
-            <a:r>
-              <a:rPr lang="en-US" sz="1500" dirty="0" smtClean="0">
-                <a:latin typeface="Courier"/>
-                <a:cs typeface="Courier"/>
-              </a:rPr>
-              <a:t> = 	</a:t>
-            </a:r>
-            <a:r>
-              <a:rPr lang="en-US" sz="1500" dirty="0" err="1" smtClean="0">
-                <a:latin typeface="Courier"/>
-                <a:cs typeface="Courier"/>
-              </a:rPr>
-              <a:t>ko.mapping.fromJS</a:t>
-            </a:r>
-            <a:r>
-              <a:rPr lang="en-US" sz="1500" dirty="0" smtClean="0">
-                <a:latin typeface="Courier"/>
-                <a:cs typeface="Courier"/>
-              </a:rPr>
-              <a:t>(model);</a:t>
-            </a:r>
-          </a:p>
-          <a:p>
-            <a:pPr marL="0" indent="0">
-              <a:buNone/>
-            </a:pPr>
-            <a:r>
-              <a:rPr lang="en-US" sz="1500" dirty="0" smtClean="0">
-                <a:latin typeface="Courier"/>
-                <a:cs typeface="Courier"/>
-              </a:rPr>
-              <a:t>});</a:t>
-            </a:r>
-          </a:p>
-          <a:p>
-            <a:pPr marL="0" indent="0">
-              <a:buNone/>
-            </a:pPr>
+              <a:rPr lang="en-US" sz="2000" dirty="0" err="1" smtClean="0">
+                <a:latin typeface="Courier"/>
+                <a:cs typeface="Courier"/>
+              </a:rPr>
+              <a:t>init</a:t>
+            </a:r>
+            <a:r>
+              <a:rPr lang="en-US" sz="2000" dirty="0" smtClean="0">
+                <a:latin typeface="Courier"/>
+                <a:cs typeface="Courier"/>
+              </a:rPr>
+              <a:t>: function(…) {</a:t>
+            </a:r>
+            <a:r>
+              <a:rPr lang="en-US" sz="2000" i="1" dirty="0" smtClean="0">
+                <a:latin typeface="Courier"/>
+                <a:cs typeface="Courier"/>
+              </a:rPr>
+              <a:t>…</a:t>
+            </a:r>
+            <a:r>
+              <a:rPr lang="en-US" sz="2000" dirty="0" smtClean="0">
+                <a:latin typeface="Courier"/>
+                <a:cs typeface="Courier"/>
+              </a:rPr>
+              <a:t>},</a:t>
+            </a:r>
+          </a:p>
+          <a:p>
+            <a:pPr marL="0" indent="0">
+              <a:buNone/>
+            </a:pPr>
+            <a:r>
+              <a:rPr lang="en-US" sz="2000" dirty="0">
+                <a:latin typeface="Courier"/>
+                <a:cs typeface="Courier"/>
+              </a:rPr>
+              <a:t>	</a:t>
+            </a:r>
+            <a:r>
+              <a:rPr lang="en-US" sz="2000" dirty="0" smtClean="0">
+                <a:latin typeface="Courier"/>
+                <a:cs typeface="Courier"/>
+              </a:rPr>
+              <a:t>update: function(…) {</a:t>
+            </a:r>
+            <a:r>
+              <a:rPr lang="en-US" sz="2000" i="1" dirty="0" smtClean="0">
+                <a:latin typeface="Courier"/>
+                <a:cs typeface="Courier"/>
+              </a:rPr>
+              <a:t>…</a:t>
+            </a:r>
+            <a:r>
+              <a:rPr lang="en-US" sz="2000" dirty="0" smtClean="0">
+                <a:latin typeface="Courier"/>
+                <a:cs typeface="Courier"/>
+              </a:rPr>
+              <a:t>}</a:t>
+            </a:r>
+            <a:endParaRPr lang="en-US" sz="2000" dirty="0">
+              <a:latin typeface="Courier"/>
+              <a:cs typeface="Courier"/>
+            </a:endParaRPr>
+          </a:p>
+          <a:p>
+            <a:pPr marL="0" indent="0">
+              <a:buNone/>
+            </a:pPr>
+            <a:r>
+              <a:rPr lang="en-US" sz="2000" dirty="0" smtClean="0">
+                <a:latin typeface="Courier"/>
+                <a:cs typeface="Courier"/>
+              </a:rPr>
+              <a:t>}</a:t>
+            </a:r>
+          </a:p>
+        </p:txBody>
+      </p:sp>
+      <p:sp>
+        <p:nvSpPr>
+          <p:cNvPr id="5" name="Text Placeholder 4"/>
+          <p:cNvSpPr>
+            <a:spLocks noGrp="1"/>
+          </p:cNvSpPr>
+          <p:nvPr>
+            <p:ph type="body" sz="quarter" idx="3"/>
+          </p:nvPr>
+        </p:nvSpPr>
+        <p:spPr/>
+        <p:txBody>
+          <a:bodyPr/>
+          <a:lstStyle/>
+          <a:p>
+            <a:r>
+              <a:rPr lang="en-US" dirty="0" smtClean="0"/>
+              <a:t>Angular (Directives)</a:t>
+            </a:r>
+            <a:endParaRPr lang="en-US" dirty="0"/>
+          </a:p>
+        </p:txBody>
+      </p:sp>
+      <p:sp>
+        <p:nvSpPr>
+          <p:cNvPr id="6" name="Content Placeholder 5"/>
+          <p:cNvSpPr>
+            <a:spLocks noGrp="1"/>
+          </p:cNvSpPr>
+          <p:nvPr>
+            <p:ph sz="quarter" idx="4"/>
+          </p:nvPr>
+        </p:nvSpPr>
+        <p:spPr/>
+        <p:txBody>
+          <a:bodyPr>
+            <a:normAutofit fontScale="85000" lnSpcReduction="10000"/>
+          </a:bodyPr>
+          <a:lstStyle/>
+          <a:p>
+            <a:pPr marL="0" indent="0">
+              <a:buNone/>
+            </a:pPr>
+            <a:r>
+              <a:rPr lang="en-US" dirty="0" smtClean="0">
+                <a:latin typeface="Courier"/>
+                <a:cs typeface="Courier"/>
+              </a:rPr>
+              <a:t>&lt;</a:t>
+            </a:r>
+            <a:r>
+              <a:rPr lang="en-US" dirty="0" err="1" smtClean="0">
+                <a:latin typeface="Courier"/>
+                <a:cs typeface="Courier"/>
+              </a:rPr>
+              <a:t>ng-SmartImage</a:t>
+            </a:r>
+            <a:r>
+              <a:rPr lang="en-US" dirty="0" smtClean="0">
+                <a:latin typeface="Courier"/>
+                <a:cs typeface="Courier"/>
+              </a:rPr>
+              <a:t>&gt;&lt;/</a:t>
+            </a:r>
+            <a:r>
+              <a:rPr lang="en-US" dirty="0" err="1" smtClean="0">
+                <a:latin typeface="Courier"/>
+                <a:cs typeface="Courier"/>
+              </a:rPr>
+              <a:t>ng-</a:t>
+            </a:r>
+            <a:r>
+              <a:rPr lang="en-US" dirty="0" err="1">
+                <a:latin typeface="Courier"/>
+                <a:cs typeface="Courier"/>
+              </a:rPr>
+              <a:t>S</a:t>
+            </a:r>
+            <a:r>
+              <a:rPr lang="en-US" dirty="0" err="1" smtClean="0">
+                <a:latin typeface="Courier"/>
+                <a:cs typeface="Courier"/>
+              </a:rPr>
+              <a:t>martImage</a:t>
+            </a:r>
+            <a:r>
+              <a:rPr lang="en-US" dirty="0" smtClean="0">
+                <a:latin typeface="Courier"/>
+                <a:cs typeface="Courier"/>
+              </a:rPr>
+              <a:t>&gt;</a:t>
+            </a:r>
+          </a:p>
+          <a:p>
+            <a:pPr marL="0" indent="0">
+              <a:buNone/>
+            </a:pPr>
+            <a:endParaRPr lang="en-US" dirty="0">
+              <a:latin typeface="Courier"/>
+              <a:cs typeface="Courier"/>
+            </a:endParaRPr>
+          </a:p>
+          <a:p>
+            <a:pPr marL="0" indent="0">
+              <a:buNone/>
+            </a:pPr>
+            <a:r>
+              <a:rPr lang="en-US" dirty="0" err="1" smtClean="0">
+                <a:latin typeface="Courier"/>
+                <a:cs typeface="Courier"/>
+              </a:rPr>
+              <a:t>app.directive</a:t>
+            </a:r>
+            <a:r>
+              <a:rPr lang="en-US" dirty="0" smtClean="0">
+                <a:latin typeface="Courier"/>
+                <a:cs typeface="Courier"/>
+              </a:rPr>
+              <a:t>(‘</a:t>
+            </a:r>
+            <a:r>
+              <a:rPr lang="en-US" dirty="0" err="1" smtClean="0">
+                <a:latin typeface="Courier"/>
+                <a:cs typeface="Courier"/>
+              </a:rPr>
+              <a:t>ngSmartImage</a:t>
+            </a:r>
+            <a:r>
+              <a:rPr lang="en-US" dirty="0" smtClean="0">
+                <a:latin typeface="Courier"/>
+                <a:cs typeface="Courier"/>
+              </a:rPr>
+              <a:t>, function() {</a:t>
+            </a:r>
+          </a:p>
+          <a:p>
+            <a:pPr marL="0" indent="0">
+              <a:buNone/>
+            </a:pPr>
+            <a:r>
+              <a:rPr lang="en-US" dirty="0" smtClean="0">
+                <a:latin typeface="Courier"/>
+                <a:cs typeface="Courier"/>
+              </a:rPr>
+              <a:t>return {</a:t>
+            </a:r>
+          </a:p>
+          <a:p>
+            <a:pPr marL="0" indent="0">
+              <a:buNone/>
+            </a:pPr>
+            <a:r>
+              <a:rPr lang="en-US" dirty="0">
+                <a:latin typeface="Courier"/>
+                <a:cs typeface="Courier"/>
+              </a:rPr>
+              <a:t>	</a:t>
+            </a:r>
+            <a:r>
+              <a:rPr lang="en-US" dirty="0" smtClean="0">
+                <a:latin typeface="Courier"/>
+                <a:cs typeface="Courier"/>
+              </a:rPr>
+              <a:t>restrict: ‘E’,</a:t>
+            </a:r>
+          </a:p>
+          <a:p>
+            <a:pPr marL="0" indent="0">
+              <a:buNone/>
+            </a:pPr>
+            <a:r>
+              <a:rPr lang="en-US" dirty="0">
+                <a:latin typeface="Courier"/>
+                <a:cs typeface="Courier"/>
+              </a:rPr>
+              <a:t>	</a:t>
+            </a:r>
+            <a:r>
+              <a:rPr lang="en-US" dirty="0" smtClean="0">
+                <a:latin typeface="Courier"/>
+                <a:cs typeface="Courier"/>
+              </a:rPr>
+              <a:t>require: ‘^</a:t>
+            </a:r>
+            <a:r>
+              <a:rPr lang="en-US" dirty="0" err="1" smtClean="0">
+                <a:latin typeface="Courier"/>
+                <a:cs typeface="Courier"/>
+              </a:rPr>
+              <a:t>ngModel</a:t>
+            </a:r>
+            <a:r>
+              <a:rPr lang="en-US" dirty="0" smtClean="0">
+                <a:latin typeface="Courier"/>
+                <a:cs typeface="Courier"/>
+              </a:rPr>
+              <a:t>’,</a:t>
+            </a:r>
+          </a:p>
+          <a:p>
+            <a:pPr marL="0" indent="0">
+              <a:buNone/>
+            </a:pPr>
+            <a:r>
+              <a:rPr lang="en-US" dirty="0">
+                <a:latin typeface="Courier"/>
+                <a:cs typeface="Courier"/>
+              </a:rPr>
+              <a:t>	</a:t>
+            </a:r>
+            <a:r>
+              <a:rPr lang="en-US" dirty="0" smtClean="0">
+                <a:latin typeface="Courier"/>
+                <a:cs typeface="Courier"/>
+              </a:rPr>
+              <a:t>scope: { </a:t>
+            </a:r>
+            <a:r>
+              <a:rPr lang="en-US" dirty="0" err="1" smtClean="0">
+                <a:latin typeface="Courier"/>
+                <a:cs typeface="Courier"/>
+              </a:rPr>
+              <a:t>ngModel</a:t>
+            </a:r>
+            <a:r>
+              <a:rPr lang="en-US" dirty="0" smtClean="0">
+                <a:latin typeface="Courier"/>
+                <a:cs typeface="Courier"/>
+              </a:rPr>
+              <a:t>:’=‘},</a:t>
+            </a:r>
+          </a:p>
+          <a:p>
+            <a:pPr marL="0" indent="0">
+              <a:buNone/>
+            </a:pPr>
+            <a:r>
+              <a:rPr lang="en-US" dirty="0">
+                <a:latin typeface="Courier"/>
+                <a:cs typeface="Courier"/>
+              </a:rPr>
+              <a:t>	</a:t>
+            </a:r>
+            <a:r>
+              <a:rPr lang="en-US" dirty="0" smtClean="0">
+                <a:latin typeface="Courier"/>
+                <a:cs typeface="Courier"/>
+              </a:rPr>
+              <a:t>template: </a:t>
+            </a:r>
+            <a:r>
+              <a:rPr lang="en-US" dirty="0" err="1" smtClean="0">
+                <a:latin typeface="Courier"/>
+                <a:cs typeface="Courier"/>
+              </a:rPr>
+              <a:t>templateUrl</a:t>
+            </a:r>
             <a:endParaRPr lang="en-US" dirty="0" smtClean="0">
               <a:latin typeface="Courier"/>
               <a:cs typeface="Courier"/>
@@ -5015,13 +7823,13 @@
               <a:buNone/>
             </a:pPr>
             <a:r>
-              <a:rPr lang="en-US" b="1" dirty="0" smtClean="0">
-                <a:latin typeface="Courier"/>
-                <a:cs typeface="Courier"/>
-              </a:rPr>
-              <a:t>Saving a contact:</a:t>
-            </a:r>
-            <a:endParaRPr lang="en-US" b="1" dirty="0">
+              <a:rPr lang="en-US" dirty="0">
+                <a:latin typeface="Courier"/>
+                <a:cs typeface="Courier"/>
+              </a:rPr>
+              <a:t>}</a:t>
+            </a:r>
+            <a:endParaRPr lang="en-US" dirty="0" smtClean="0">
               <a:latin typeface="Courier"/>
               <a:cs typeface="Courier"/>
             </a:endParaRPr>
@@ -5031,141 +7839,19 @@
               <a:buNone/>
             </a:pPr>
             <a:r>
-              <a:rPr lang="en-US" sz="1400" dirty="0">
-                <a:latin typeface="Courier"/>
-                <a:cs typeface="Courier"/>
-              </a:rPr>
-              <a:t>$</a:t>
-            </a:r>
-            <a:r>
-              <a:rPr lang="en-US" sz="1400" dirty="0" smtClean="0">
-                <a:latin typeface="Courier"/>
-                <a:cs typeface="Courier"/>
-              </a:rPr>
-              <a:t>.post(</a:t>
-            </a:r>
-          </a:p>
-          <a:p>
-            <a:pPr marL="0" indent="0">
-              <a:buNone/>
-            </a:pPr>
-            <a:r>
-              <a:rPr lang="en-US" sz="1400" dirty="0">
-                <a:latin typeface="Courier"/>
-                <a:cs typeface="Courier"/>
-              </a:rPr>
-              <a:t>	</a:t>
-            </a:r>
-            <a:r>
-              <a:rPr lang="en-US" sz="1400" dirty="0" smtClean="0">
-                <a:latin typeface="Courier"/>
-                <a:cs typeface="Courier"/>
-              </a:rPr>
-              <a:t>“</a:t>
-            </a:r>
-            <a:r>
-              <a:rPr lang="en-US" sz="1400" dirty="0">
-                <a:latin typeface="Courier"/>
-                <a:cs typeface="Courier"/>
-              </a:rPr>
-              <a:t>contact/1”</a:t>
-            </a:r>
-            <a:r>
-              <a:rPr lang="en-US" sz="1400" dirty="0" smtClean="0">
-                <a:latin typeface="Courier"/>
-                <a:cs typeface="Courier"/>
-              </a:rPr>
-              <a:t>, 	</a:t>
-            </a:r>
-            <a:r>
-              <a:rPr lang="en-US" sz="1400" dirty="0" err="1" smtClean="0">
-                <a:latin typeface="Courier"/>
-                <a:cs typeface="Courier"/>
-              </a:rPr>
-              <a:t>ko.mapping.toJS</a:t>
-            </a:r>
-            <a:r>
-              <a:rPr lang="en-US" sz="1400" dirty="0" smtClean="0">
-                <a:latin typeface="Courier"/>
-                <a:cs typeface="Courier"/>
-              </a:rPr>
-              <a:t>(</a:t>
-            </a:r>
-            <a:r>
-              <a:rPr lang="en-US" sz="1400" dirty="0" err="1" smtClean="0">
-                <a:latin typeface="Courier"/>
-                <a:cs typeface="Courier"/>
-              </a:rPr>
-              <a:t>viewModel</a:t>
-            </a:r>
-            <a:r>
-              <a:rPr lang="en-US" sz="1400" dirty="0" smtClean="0">
-                <a:latin typeface="Courier"/>
-                <a:cs typeface="Courier"/>
-              </a:rPr>
-              <a:t>)</a:t>
-            </a:r>
-          </a:p>
-          <a:p>
-            <a:pPr marL="0" indent="0">
-              <a:buNone/>
-            </a:pPr>
-            <a:r>
-              <a:rPr lang="en-US" sz="1400" dirty="0" smtClean="0">
-                <a:latin typeface="Courier"/>
-                <a:cs typeface="Courier"/>
-              </a:rPr>
-              <a:t>);</a:t>
-            </a:r>
-            <a:endParaRPr lang="en-US" sz="1400" dirty="0">
-              <a:latin typeface="Courier"/>
-              <a:cs typeface="Courier"/>
-            </a:endParaRPr>
-          </a:p>
-        </p:txBody>
-      </p:sp>
-      <p:sp>
-        <p:nvSpPr>
-          <p:cNvPr id="5" name="Text Placeholder 4"/>
-          <p:cNvSpPr>
-            <a:spLocks noGrp="1"/>
-          </p:cNvSpPr>
-          <p:nvPr>
-            <p:ph type="body" sz="quarter" idx="3"/>
-          </p:nvPr>
-        </p:nvSpPr>
-        <p:spPr/>
-        <p:txBody>
-          <a:bodyPr/>
-          <a:lstStyle/>
-          <a:p>
-            <a:endParaRPr lang="en-US"/>
-          </a:p>
-        </p:txBody>
-      </p:sp>
-      <p:sp>
-        <p:nvSpPr>
-          <p:cNvPr id="6" name="Content Placeholder 5"/>
-          <p:cNvSpPr>
-            <a:spLocks noGrp="1"/>
-          </p:cNvSpPr>
-          <p:nvPr>
-            <p:ph sz="quarter" idx="4"/>
-          </p:nvPr>
-        </p:nvSpPr>
-        <p:spPr/>
-        <p:txBody>
-          <a:bodyPr/>
-          <a:lstStyle/>
-          <a:p>
-            <a:endParaRPr lang="en-US"/>
+              <a:rPr lang="en-US" dirty="0">
+                <a:latin typeface="Courier"/>
+                <a:cs typeface="Courier"/>
+              </a:rPr>
+              <a:t>}</a:t>
+            </a:r>
           </a:p>
         </p:txBody>
       </p:sp>
     </p:spTree>
     <p:extLst>
       <p:ext uri="{BB962C8B-B14F-4D97-AF65-F5344CB8AC3E}">
-        <p14:creationId xmlns:p14="http://schemas.microsoft.com/office/powerpoint/2010/main" val="481365066"/>
+        <p14:creationId xmlns:p14="http://schemas.microsoft.com/office/powerpoint/2010/main" val="3038815951"/>
       </p:ext>
     </p:extLst>
   </p:cSld>
@@ -5240,7 +7926,7 @@
           <a:p>
             <a:r>
               <a:rPr lang="en-US" dirty="0" smtClean="0"/>
-              <a:t>Knockout:</a:t>
+              <a:t>Knockout: Extenders</a:t>
             </a:r>
             <a:endParaRPr lang="en-US" dirty="0"/>
           </a:p>
@@ -5564,7 +8250,11 @@
           <a:bodyPr/>
           <a:lstStyle/>
           <a:p>
-            <a:endParaRPr lang="en-US"/>
+            <a:r>
+              <a:rPr lang="en-US" dirty="0" smtClean="0"/>
+              <a:t>Angular: Filters</a:t>
+            </a:r>
+            <a:endParaRPr lang="en-US" dirty="0"/>
           </a:p>
         </p:txBody>
       </p:sp>
@@ -5583,7 +8273,75 @@
           <a:bodyPr/>
           <a:lstStyle/>
           <a:p>
-            <a:endParaRPr lang="en-US"/>
+            <a:pPr marL="0" lvl="0" indent="0">
+              <a:buNone/>
+            </a:pPr>
+            <a:r>
+              <a:rPr lang="en-US" sz="1500" dirty="0">
+                <a:solidFill>
+                  <a:prstClr val="black"/>
+                </a:solidFill>
+                <a:latin typeface="Courier"/>
+                <a:cs typeface="Courier"/>
+              </a:rPr>
+              <a:t>&lt;input </a:t>
+            </a:r>
+            <a:r>
+              <a:rPr lang="en-US" sz="1500" dirty="0" err="1" smtClean="0">
+                <a:solidFill>
+                  <a:prstClr val="black"/>
+                </a:solidFill>
+                <a:latin typeface="Courier"/>
+                <a:cs typeface="Courier"/>
+              </a:rPr>
+              <a:t>ng</a:t>
+            </a:r>
+            <a:r>
+              <a:rPr lang="en-US" sz="1500" dirty="0" smtClean="0">
+                <a:solidFill>
+                  <a:prstClr val="black"/>
+                </a:solidFill>
+                <a:latin typeface="Courier"/>
+                <a:cs typeface="Courier"/>
+              </a:rPr>
+              <a:t>-model=“name | </a:t>
+            </a:r>
+            <a:r>
+              <a:rPr lang="en-US" sz="1500" dirty="0" err="1" smtClean="0">
+                <a:solidFill>
+                  <a:prstClr val="black"/>
+                </a:solidFill>
+                <a:latin typeface="Courier"/>
+                <a:cs typeface="Courier"/>
+              </a:rPr>
+              <a:t>limitTo:max</a:t>
+            </a:r>
+            <a:r>
+              <a:rPr lang="en-US" sz="1500" dirty="0" smtClean="0">
+                <a:solidFill>
+                  <a:prstClr val="black"/>
+                </a:solidFill>
+                <a:latin typeface="Courier"/>
+                <a:cs typeface="Courier"/>
+              </a:rPr>
+              <a:t>”</a:t>
+            </a:r>
+            <a:r>
+              <a:rPr lang="en-US" sz="1500" dirty="0">
+                <a:solidFill>
+                  <a:prstClr val="black"/>
+                </a:solidFill>
+                <a:latin typeface="Courier"/>
+                <a:cs typeface="Courier"/>
+              </a:rPr>
+              <a:t>/&gt;</a:t>
+            </a:r>
+          </a:p>
+          <a:p>
+            <a:pPr marL="0" indent="0">
+              <a:buNone/>
+            </a:pPr>
+            <a:endParaRPr lang="en-US" dirty="0"/>
           </a:p>
         </p:txBody>
       </p:sp>
@@ -5685,7 +8443,12 @@
             <p:ph sz="half" idx="2"/>
           </p:nvPr>
         </p:nvSpPr>
-        <p:spPr/>
+        <p:spPr>
+          <a:xfrm>
+            <a:off x="457200" y="2174874"/>
+            <a:ext cx="4040188" cy="4778375"/>
+          </a:xfrm>
+        </p:spPr>
         <p:txBody>
           <a:bodyPr>
             <a:normAutofit/>
@@ -5780,6 +8543,29 @@
               <a:rPr lang="en-US" sz="1800" dirty="0" smtClean="0"/>
               <a:t>&lt;/script&gt;</a:t>
             </a:r>
+          </a:p>
+          <a:p>
+            <a:pPr marL="0" indent="0">
+              <a:buNone/>
+            </a:pPr>
+            <a:endParaRPr lang="en-US" sz="1800" dirty="0" smtClean="0"/>
+          </a:p>
+          <a:p>
+            <a:pPr marL="0" indent="0">
+              <a:buNone/>
+            </a:pPr>
+            <a:r>
+              <a:rPr lang="en-US" sz="1800" dirty="0" smtClean="0"/>
+              <a:t>&lt;div data-bind=“template: {name: ‘</a:t>
+            </a:r>
+            <a:r>
+              <a:rPr lang="en-US" sz="1800" dirty="0" err="1" smtClean="0"/>
+              <a:t>contactTemplate</a:t>
+            </a:r>
+            <a:r>
+              <a:rPr lang="en-US" sz="1800" dirty="0" smtClean="0"/>
+              <a:t>’, data: contact}”&gt;&lt;/div&gt;</a:t>
+            </a:r>
             <a:endParaRPr lang="en-US" sz="1800" dirty="0"/>
           </a:p>
         </p:txBody>
@@ -5799,7 +8585,11 @@
           <a:bodyPr/>
           <a:lstStyle/>
           <a:p>
-            <a:endParaRPr lang="en-US"/>
+            <a:r>
+              <a:rPr lang="en-US" dirty="0" smtClean="0"/>
+              <a:t>Angular</a:t>
+            </a:r>
+            <a:endParaRPr lang="en-US" dirty="0"/>
           </a:p>
         </p:txBody>
       </p:sp>
@@ -5818,7 +8608,103 @@
           <a:bodyPr/>
           <a:lstStyle/>
           <a:p>
-            <a:endParaRPr lang="en-US"/>
+            <a:pPr marL="0" indent="0">
+              <a:buNone/>
+            </a:pPr>
+            <a:r>
+              <a:rPr lang="en-US" dirty="0" smtClean="0">
+                <a:latin typeface="Courier"/>
+                <a:cs typeface="Courier"/>
+              </a:rPr>
+              <a:t>Static Html File:</a:t>
+            </a:r>
+          </a:p>
+          <a:p>
+            <a:pPr marL="0" indent="0">
+              <a:buNone/>
+            </a:pPr>
+            <a:r>
+              <a:rPr lang="en-US" dirty="0" smtClean="0">
+                <a:latin typeface="Courier"/>
+                <a:cs typeface="Courier"/>
+              </a:rPr>
+              <a:t>&lt;div </a:t>
+            </a:r>
+            <a:r>
+              <a:rPr lang="en-US" dirty="0" err="1" smtClean="0">
+                <a:latin typeface="Courier"/>
+                <a:cs typeface="Courier"/>
+              </a:rPr>
+              <a:t>ng</a:t>
+            </a:r>
+            <a:r>
+              <a:rPr lang="en-US" dirty="0" smtClean="0">
+                <a:latin typeface="Courier"/>
+                <a:cs typeface="Courier"/>
+              </a:rPr>
+              <a:t>-model=‘name’&gt;{{ name }}&gt;&lt;/div&gt;</a:t>
+            </a:r>
+          </a:p>
+          <a:p>
+            <a:pPr marL="0" indent="0">
+              <a:buNone/>
+            </a:pPr>
+            <a:endParaRPr lang="en-US" dirty="0">
+              <a:latin typeface="Courier"/>
+              <a:cs typeface="Courier"/>
+            </a:endParaRPr>
+          </a:p>
+          <a:p>
+            <a:pPr marL="0" indent="0">
+              <a:buNone/>
+            </a:pPr>
+            <a:r>
+              <a:rPr lang="en-US" dirty="0" smtClean="0">
+                <a:latin typeface="Courier"/>
+                <a:cs typeface="Courier"/>
+              </a:rPr>
+              <a:t>Reference file:</a:t>
+            </a:r>
+          </a:p>
+          <a:p>
+            <a:pPr marL="0" indent="0">
+              <a:buNone/>
+            </a:pPr>
+            <a:r>
+              <a:rPr lang="en-US" sz="1600" dirty="0" smtClean="0">
+                <a:latin typeface="Courier"/>
+                <a:cs typeface="Courier"/>
+              </a:rPr>
+              <a:t>Routes,</a:t>
+            </a:r>
+          </a:p>
+          <a:p>
+            <a:pPr marL="0" indent="0">
+              <a:buNone/>
+            </a:pPr>
+            <a:r>
+              <a:rPr lang="en-US" sz="1600" dirty="0" smtClean="0">
+                <a:latin typeface="Courier"/>
+                <a:cs typeface="Courier"/>
+              </a:rPr>
+              <a:t>Directives,</a:t>
+            </a:r>
+          </a:p>
+          <a:p>
+            <a:pPr marL="0" indent="0">
+              <a:buNone/>
+            </a:pPr>
+            <a:r>
+              <a:rPr lang="en-US" sz="1600" dirty="0" err="1" smtClean="0">
+                <a:latin typeface="Courier"/>
+                <a:cs typeface="Courier"/>
+              </a:rPr>
+              <a:t>etc</a:t>
+            </a:r>
+            <a:endParaRPr lang="en-US" sz="1600" dirty="0" smtClean="0">
+              <a:latin typeface="Courier"/>
+              <a:cs typeface="Courier"/>
+            </a:endParaRPr>
           </a:p>
         </p:txBody>
       </p:sp>
@@ -6149,6 +9035,13 @@
   <p:clrMapOvr>
     <a:masterClrMapping/>
   </p:clrMapOvr>
+  <p:timing>
+    <p:tnLst>
+      <p:par>
+        <p:cTn xmlns:p14="http://schemas.microsoft.com/office/powerpoint/2010/main" id="1" dur="indefinite" restart="never" nodeType="tmRoot"/>
+      </p:par>
+    </p:tnLst>
+  </p:timing>
 </p:sld>
 </file>
 
@@ -6277,72 +9170,100 @@
         <p:spPr/>
         <p:txBody>
           <a:bodyPr>
-            <a:normAutofit fontScale="85000" lnSpcReduction="20000"/>
+            <a:normAutofit/>
           </a:bodyPr>
           <a:lstStyle/>
           <a:p>
-            <a:r>
-              <a:rPr lang="en-US" dirty="0" smtClean="0"/>
+            <a:pPr marL="342900" lvl="1" indent="-342900">
+              <a:buFont typeface="Arial"/>
+              <a:buChar char="•"/>
+            </a:pPr>
+            <a:r>
+              <a:rPr lang="en-US" dirty="0"/>
+              <a:t>Tech Talk 2011 (Mama said K</a:t>
+            </a:r>
+            <a:r>
+              <a:rPr lang="en-US" dirty="0" smtClean="0"/>
+              <a:t>nock </a:t>
+            </a:r>
+            <a:r>
+              <a:rPr lang="en-US" dirty="0"/>
+              <a:t>M</a:t>
+            </a:r>
+            <a:r>
+              <a:rPr lang="en-US" dirty="0" smtClean="0"/>
+              <a:t>e Out</a:t>
+            </a:r>
+            <a:r>
+              <a:rPr lang="en-US" dirty="0"/>
+              <a:t>) </a:t>
+            </a:r>
+            <a:endParaRPr lang="en-US" dirty="0" smtClean="0"/>
+          </a:p>
+          <a:p>
+            <a:pPr marL="0" lvl="1" indent="0">
+              <a:buNone/>
+            </a:pPr>
+            <a:r>
+              <a:rPr lang="en-US" dirty="0"/>
+              <a:t>	</a:t>
+            </a:r>
+            <a:r>
+              <a:rPr lang="en-US" dirty="0" smtClean="0"/>
+              <a:t>	-</a:t>
+            </a:r>
+            <a:r>
+              <a:rPr lang="en-US" dirty="0"/>
+              <a:t>&gt; Lead to KO in WSB v7. </a:t>
+            </a:r>
+            <a:endParaRPr lang="en-US" dirty="0" smtClean="0"/>
+          </a:p>
+          <a:p>
+            <a:r>
+              <a:rPr lang="en-US" sz="2800" dirty="0" smtClean="0"/>
               <a:t>Increase the value of our company</a:t>
             </a:r>
           </a:p>
           <a:p>
             <a:r>
-              <a:rPr lang="en-US" dirty="0" smtClean="0"/>
-              <a:t>Share knowledge</a:t>
-            </a:r>
-          </a:p>
-          <a:p>
-            <a:r>
-              <a:rPr lang="en-US" dirty="0" smtClean="0"/>
-              <a:t>Get to know who each of us our and what we do</a:t>
-            </a:r>
-          </a:p>
-          <a:p>
-            <a:r>
-              <a:rPr lang="en-US" dirty="0" smtClean="0"/>
-              <a:t>Practice speaking so that we can speak in conferences one day</a:t>
-            </a:r>
-          </a:p>
-          <a:p>
-            <a:r>
-              <a:rPr lang="en-US" dirty="0" smtClean="0"/>
-              <a:t>Get the media to think we are a tech company</a:t>
-            </a:r>
-          </a:p>
-          <a:p>
-            <a:r>
-              <a:rPr lang="en-US" dirty="0" smtClean="0"/>
-              <a:t>Keep</a:t>
-            </a:r>
+              <a:rPr lang="en-US" sz="2800" dirty="0" smtClean="0"/>
+              <a:t>Get to know </a:t>
+            </a:r>
+            <a:r>
+              <a:rPr lang="en-US" sz="2800" dirty="0" err="1" smtClean="0"/>
+              <a:t>GoDaddy</a:t>
+            </a:r>
+            <a:r>
+              <a:rPr lang="en-US" sz="2800" dirty="0" smtClean="0"/>
+              <a:t> Developers</a:t>
+            </a:r>
+          </a:p>
+          <a:p>
+            <a:r>
+              <a:rPr lang="en-US" sz="2800" dirty="0" smtClean="0"/>
+              <a:t>Discover new technologies</a:t>
+            </a:r>
+            <a:endParaRPr lang="en-US" sz="2800" baseline="0" dirty="0" smtClean="0"/>
+          </a:p>
+          <a:p>
+            <a:pPr marL="0" indent="0">
+              <a:buNone/>
+            </a:pPr>
+            <a:endParaRPr lang="en-US" baseline="0" dirty="0" smtClean="0"/>
+          </a:p>
+          <a:p>
+            <a:pPr marL="0" indent="0">
+              <a:buNone/>
+            </a:pPr>
             <a:r>
               <a:rPr lang="en-US" baseline="0" dirty="0" smtClean="0"/>
-              <a:t> us curious</a:t>
-            </a:r>
-          </a:p>
-          <a:p>
-            <a:r>
-              <a:rPr lang="en-US" baseline="0" dirty="0" smtClean="0"/>
-              <a:t>Would like to see a tech talk once a week</a:t>
-            </a:r>
-          </a:p>
-          <a:p>
-            <a:r>
-              <a:rPr lang="en-US" baseline="0" dirty="0" smtClean="0"/>
-              <a:t>Imagine </a:t>
-            </a:r>
-            <a:r>
-              <a:rPr lang="en-US" baseline="0" dirty="0" err="1" smtClean="0"/>
-              <a:t>devs</a:t>
-            </a:r>
-            <a:r>
-              <a:rPr lang="en-US" baseline="0" dirty="0" smtClean="0"/>
-              <a:t> from the various departments and companies we have bought giving talks on what they are doing…</a:t>
-            </a:r>
-            <a:endParaRPr lang="en-US" dirty="0" smtClean="0"/>
-          </a:p>
-          <a:p>
-            <a:endParaRPr lang="en-US" dirty="0"/>
+              <a:t>-&gt;	Lets do these</a:t>
+            </a:r>
+            <a:r>
+              <a:rPr lang="en-US" dirty="0" smtClean="0"/>
+              <a:t> more often</a:t>
+            </a:r>
+            <a:endParaRPr lang="en-US" baseline="0" dirty="0" smtClean="0"/>
           </a:p>
         </p:txBody>
       </p:sp>
@@ -6356,6 +9277,13 @@
   <p:clrMapOvr>
     <a:masterClrMapping/>
   </p:clrMapOvr>
+  <p:timing>
+    <p:tnLst>
+      <p:par>
+        <p:cTn xmlns:p14="http://schemas.microsoft.com/office/powerpoint/2010/main" id="1" dur="indefinite" restart="never" nodeType="tmRoot"/>
+      </p:par>
+    </p:tnLst>
+  </p:timing>
 </p:sld>
 </file>
 
@@ -6448,12 +9376,21 @@
           <a:p>
             <a:r>
               <a:rPr lang="en-US" dirty="0" smtClean="0"/>
-              <a:t>Create a confluence</a:t>
-            </a:r>
-            <a:r>
-              <a:rPr lang="en-US" baseline="0" dirty="0" smtClean="0"/>
+              <a:t>Create a </a:t>
+            </a:r>
+            <a:r>
+              <a:rPr lang="en-US" dirty="0" smtClean="0">
+                <a:hlinkClick r:id="rId2"/>
+              </a:rPr>
+              <a:t>confluence</a:t>
+            </a:r>
+            <a:r>
+              <a:rPr lang="en-US" baseline="0" dirty="0" smtClean="0">
+                <a:hlinkClick r:id="rId2"/>
+              </a:rPr>
               <a:t> page</a:t>
             </a:r>
+            <a:endParaRPr lang="en-US" baseline="0" dirty="0" smtClean="0"/>
           </a:p>
           <a:p>
             <a:r>
@@ -6493,6 +9430,13 @@
   <p:clrMapOvr>
     <a:masterClrMapping/>
   </p:clrMapOvr>
+  <p:timing>
+    <p:tnLst>
+      <p:par>
+        <p:cTn xmlns:p14="http://schemas.microsoft.com/office/powerpoint/2010/main" id="1" dur="indefinite" restart="never" nodeType="tmRoot"/>
+      </p:par>
+    </p:tnLst>
+  </p:timing>
 </p:sld>
 </file>
 
@@ -6525,9 +9469,7 @@
         </p:nvSpPr>
         <p:spPr/>
         <p:txBody>
-          <a:bodyPr>
-            <a:normAutofit/>
-          </a:bodyPr>
+          <a:bodyPr/>
           <a:lstStyle/>
           <a:p>
             <a:r>
@@ -6540,15 +9482,11 @@
             </a:r>
             <a:r>
               <a:rPr lang="en-US" dirty="0" smtClean="0"/>
-              <a:t> NG</a:t>
+              <a:t> NG:</a:t>
             </a:r>
             <a:r>
               <a:rPr lang="en-US" baseline="0" dirty="0" smtClean="0"/>
-              <a:t>: What? </a:t>
-            </a:r>
-            <a:r>
-              <a:rPr lang="en-US" dirty="0" smtClean="0"/>
-              <a:t>Why?</a:t>
+              <a:t> Purpose</a:t>
             </a:r>
             <a:endParaRPr lang="en-US" dirty="0"/>
           </a:p>
@@ -6556,12 +9494,12 @@
       </p:sp>
       <p:sp>
         <p:nvSpPr>
-          <p:cNvPr id="4" name="Text Placeholder 3"/>
-          <p:cNvSpPr>
-            <a:spLocks noGrp="1"/>
-          </p:cNvSpPr>
-          <p:nvPr>
-            <p:ph type="body" idx="1"/>
+          <p:cNvPr id="3" name="Content Placeholder 2"/>
+          <p:cNvSpPr>
+            <a:spLocks noGrp="1"/>
+          </p:cNvSpPr>
+          <p:nvPr>
+            <p:ph idx="1"/>
           </p:nvPr>
         </p:nvSpPr>
         <p:spPr/>
@@ -6571,144 +9509,39 @@
           <a:p>
             <a:r>
               <a:rPr lang="en-US" dirty="0" smtClean="0"/>
-              <a:t>Knockout (KO)</a:t>
-            </a:r>
-            <a:endParaRPr lang="en-US" dirty="0"/>
-          </a:p>
-        </p:txBody>
-      </p:sp>
-      <p:sp>
-        <p:nvSpPr>
-          <p:cNvPr id="5" name="Content Placeholder 4"/>
-          <p:cNvSpPr>
-            <a:spLocks noGrp="1"/>
-          </p:cNvSpPr>
-          <p:nvPr>
-            <p:ph sz="half" idx="2"/>
-          </p:nvPr>
-        </p:nvSpPr>
-        <p:spPr/>
-        <p:txBody>
-          <a:bodyPr/>
-          <a:lstStyle/>
-          <a:p>
-            <a:r>
-              <a:rPr lang="en-US" dirty="0" smtClean="0"/>
-              <a:t>A compact MVVM module, that keeps the various parts of a web page in synch with a data model.</a:t>
-            </a:r>
-          </a:p>
-          <a:p>
-            <a:r>
-              <a:rPr lang="en-US" dirty="0" smtClean="0"/>
-              <a:t>Built inside of Microsoft</a:t>
-            </a:r>
-          </a:p>
-          <a:p>
-            <a:endParaRPr lang="en-US" dirty="0"/>
-          </a:p>
-        </p:txBody>
-      </p:sp>
-      <p:sp>
-        <p:nvSpPr>
-          <p:cNvPr id="6" name="Text Placeholder 5"/>
-          <p:cNvSpPr>
-            <a:spLocks noGrp="1"/>
-          </p:cNvSpPr>
-          <p:nvPr>
-            <p:ph type="body" sz="quarter" idx="3"/>
-          </p:nvPr>
-        </p:nvSpPr>
-        <p:spPr/>
-        <p:txBody>
-          <a:bodyPr/>
-          <a:lstStyle/>
-          <a:p>
-            <a:r>
-              <a:rPr lang="en-US" dirty="0" smtClean="0"/>
-              <a:t>Angular (NG)</a:t>
-            </a:r>
-            <a:endParaRPr lang="en-US" dirty="0"/>
-          </a:p>
-        </p:txBody>
-      </p:sp>
-      <p:sp>
-        <p:nvSpPr>
-          <p:cNvPr id="7" name="Content Placeholder 6"/>
-          <p:cNvSpPr>
-            <a:spLocks noGrp="1"/>
-          </p:cNvSpPr>
-          <p:nvPr>
-            <p:ph sz="quarter" idx="4"/>
-          </p:nvPr>
-        </p:nvSpPr>
-        <p:spPr/>
-        <p:txBody>
-          <a:bodyPr/>
-          <a:lstStyle/>
-          <a:p>
-            <a:r>
-              <a:rPr lang="en-US" dirty="0" smtClean="0"/>
-              <a:t>A complete </a:t>
+              <a:t>Experience two-way data-binding with Audience!</a:t>
+            </a:r>
+          </a:p>
+          <a:p>
+            <a:pPr lvl="1"/>
+            <a:r>
+              <a:rPr lang="en-US" dirty="0" smtClean="0"/>
+              <a:t>&lt;div data-bind=‘share: presenter’&gt;&lt;/div&gt;</a:t>
+            </a:r>
+          </a:p>
+          <a:p>
+            <a:pPr lvl="1"/>
+            <a:r>
+              <a:rPr lang="en-US" dirty="0" smtClean="0"/>
+              <a:t>&lt;share </a:t>
             </a:r>
             <a:r>
               <a:rPr lang="en-US" dirty="0" err="1" smtClean="0"/>
-              <a:t>javascript</a:t>
-            </a:r>
-            <a:r>
-              <a:rPr lang="en-US" dirty="0" smtClean="0"/>
-              <a:t> framework that greatly simplifies the creation of a single page web application.</a:t>
-            </a:r>
-          </a:p>
-          <a:p>
-            <a:r>
-              <a:rPr lang="en-US" dirty="0" smtClean="0"/>
-              <a:t>Built inside of Google</a:t>
-            </a:r>
-          </a:p>
-          <a:p>
+              <a:t>ng</a:t>
+            </a:r>
+            <a:r>
+              <a:rPr lang="en-US" dirty="0" smtClean="0"/>
+              <a:t>-value=‘presenter’&gt;&lt;/share&gt;</a:t>
+            </a:r>
+          </a:p>
+          <a:p>
+            <a:pPr lvl="1"/>
             <a:endParaRPr lang="en-US" dirty="0" smtClean="0"/>
           </a:p>
-        </p:txBody>
-      </p:sp>
-      <p:sp>
-        <p:nvSpPr>
-          <p:cNvPr id="10" name="TextBox 9"/>
-          <p:cNvSpPr txBox="1"/>
-          <p:nvPr/>
-        </p:nvSpPr>
-        <p:spPr>
-          <a:xfrm>
-            <a:off x="457200" y="5479832"/>
-            <a:ext cx="4977256" cy="646331"/>
-          </a:xfrm>
-          <a:prstGeom prst="rect">
-            <a:avLst/>
-          </a:prstGeom>
-          <a:noFill/>
-        </p:spPr>
-        <p:txBody>
-          <a:bodyPr wrap="none" rtlCol="0">
-            <a:spAutoFit/>
-          </a:bodyPr>
-          <a:lstStyle/>
-          <a:p>
-            <a:r>
-              <a:rPr lang="en-US" dirty="0" smtClean="0"/>
-              <a:t>Want to learn more about the various frameworks:</a:t>
-            </a:r>
-          </a:p>
-          <a:p>
-            <a:r>
-              <a:rPr lang="en-US" dirty="0"/>
-              <a:t>http://</a:t>
-            </a:r>
-            <a:r>
-              <a:rPr lang="en-US" dirty="0" err="1"/>
-              <a:t>todomvc.com</a:t>
-            </a:r>
-            <a:r>
-              <a:rPr lang="en-US" dirty="0"/>
-              <a:t>/</a:t>
+          <a:p>
+            <a:r>
+              <a:rPr lang="en-US" dirty="0" smtClean="0"/>
+              <a:t>Not “Evangelizing” one over the other</a:t>
             </a:r>
           </a:p>
         </p:txBody>
@@ -6716,7 +9549,7 @@
     </p:spTree>
     <p:extLst>
       <p:ext uri="{BB962C8B-B14F-4D97-AF65-F5344CB8AC3E}">
-        <p14:creationId xmlns:p14="http://schemas.microsoft.com/office/powerpoint/2010/main" val="4025300492"/>
+        <p14:creationId xmlns:p14="http://schemas.microsoft.com/office/powerpoint/2010/main" val="3980634244"/>
       </p:ext>
     </p:extLst>
   </p:cSld>
@@ -6755,7 +9588,9 @@
         </p:nvSpPr>
         <p:spPr/>
         <p:txBody>
-          <a:bodyPr/>
+          <a:bodyPr>
+            <a:normAutofit/>
+          </a:bodyPr>
           <a:lstStyle/>
           <a:p>
             <a:r>
@@ -6768,7 +9603,15 @@
             </a:r>
             <a:r>
               <a:rPr lang="en-US" dirty="0" smtClean="0"/>
-              <a:t> NG: Interest</a:t>
+              <a:t> NG</a:t>
+            </a:r>
+            <a:r>
+              <a:rPr lang="en-US" baseline="0" dirty="0" smtClean="0"/>
+              <a:t>: What? </a:t>
+            </a:r>
+            <a:r>
+              <a:rPr lang="en-US" dirty="0" smtClean="0"/>
+              <a:t>Why?</a:t>
             </a:r>
             <a:endParaRPr lang="en-US" dirty="0"/>
           </a:p>
@@ -6776,7 +9619,7 @@
       </p:sp>
       <p:sp>
         <p:nvSpPr>
-          <p:cNvPr id="3" name="Text Placeholder 2"/>
+          <p:cNvPr id="4" name="Text Placeholder 3"/>
           <p:cNvSpPr>
             <a:spLocks noGrp="1"/>
           </p:cNvSpPr>
@@ -6791,7 +9634,7 @@
           <a:p>
             <a:r>
               <a:rPr lang="en-US" dirty="0" smtClean="0"/>
-              <a:t>Knockout</a:t>
+              <a:t>Knockout (KO)</a:t>
             </a:r>
             <a:endParaRPr lang="en-US" dirty="0"/>
           </a:p>
@@ -6799,7 +9642,7 @@
       </p:sp>
       <p:sp>
         <p:nvSpPr>
-          <p:cNvPr id="4" name="Content Placeholder 3"/>
+          <p:cNvPr id="5" name="Content Placeholder 4"/>
           <p:cNvSpPr>
             <a:spLocks noGrp="1"/>
           </p:cNvSpPr>
@@ -6807,33 +9650,50 @@
             <p:ph sz="half" idx="2"/>
           </p:nvPr>
         </p:nvSpPr>
+        <p:spPr>
+          <a:xfrm>
+            <a:off x="457200" y="2174875"/>
+            <a:ext cx="4040188" cy="2143125"/>
+          </a:xfrm>
+        </p:spPr>
+        <p:txBody>
+          <a:bodyPr/>
+          <a:lstStyle/>
+          <a:p>
+            <a:r>
+              <a:rPr lang="en-US" dirty="0" smtClean="0"/>
+              <a:t>A compact MVVM module, that keeps the various parts of a web page in synch with a data model.</a:t>
+            </a:r>
+          </a:p>
+          <a:p>
+            <a:r>
+              <a:rPr lang="en-US" dirty="0" smtClean="0"/>
+              <a:t>Built inside of Microsoft</a:t>
+            </a:r>
+          </a:p>
+          <a:p>
+            <a:endParaRPr lang="en-US" dirty="0"/>
+          </a:p>
+        </p:txBody>
+      </p:sp>
+      <p:sp>
+        <p:nvSpPr>
+          <p:cNvPr id="6" name="Text Placeholder 5"/>
+          <p:cNvSpPr>
+            <a:spLocks noGrp="1"/>
+          </p:cNvSpPr>
+          <p:nvPr>
+            <p:ph type="body" sz="quarter" idx="3"/>
+          </p:nvPr>
+        </p:nvSpPr>
         <p:spPr/>
         <p:txBody>
           <a:bodyPr/>
           <a:lstStyle/>
           <a:p>
-            <a:endParaRPr lang="en-US"/>
-          </a:p>
-        </p:txBody>
-      </p:sp>
-      <p:sp>
-        <p:nvSpPr>
-          <p:cNvPr id="5" name="Text Placeholder 4"/>
-          <p:cNvSpPr>
-            <a:spLocks noGrp="1"/>
-          </p:cNvSpPr>
-          <p:nvPr>
-            <p:ph type="body" sz="quarter" idx="3"/>
-          </p:nvPr>
-        </p:nvSpPr>
-        <p:spPr/>
-        <p:txBody>
-          <a:bodyPr/>
-          <a:lstStyle/>
-          <a:p>
-            <a:r>
-              <a:rPr lang="en-US" dirty="0" smtClean="0"/>
-              <a:t>Angular</a:t>
+            <a:r>
+              <a:rPr lang="en-US" dirty="0" smtClean="0"/>
+              <a:t>Angular (NG)</a:t>
             </a:r>
             <a:endParaRPr lang="en-US" dirty="0"/>
           </a:p>
@@ -6841,7 +9701,7 @@
       </p:sp>
       <p:sp>
         <p:nvSpPr>
-          <p:cNvPr id="6" name="Content Placeholder 5"/>
+          <p:cNvPr id="7" name="Content Placeholder 6"/>
           <p:cNvSpPr>
             <a:spLocks noGrp="1"/>
           </p:cNvSpPr>
@@ -6849,25 +9709,166 @@
             <p:ph sz="quarter" idx="4"/>
           </p:nvPr>
         </p:nvSpPr>
-        <p:spPr/>
-        <p:txBody>
-          <a:bodyPr/>
-          <a:lstStyle/>
-          <a:p>
-            <a:endParaRPr lang="en-US"/>
+        <p:spPr>
+          <a:xfrm>
+            <a:off x="4645025" y="2174875"/>
+            <a:ext cx="4041775" cy="2061482"/>
+          </a:xfrm>
+        </p:spPr>
+        <p:txBody>
+          <a:bodyPr/>
+          <a:lstStyle/>
+          <a:p>
+            <a:r>
+              <a:rPr lang="en-US" dirty="0" smtClean="0"/>
+              <a:t>A complete </a:t>
+            </a:r>
+            <a:r>
+              <a:rPr lang="en-US" dirty="0" err="1" smtClean="0"/>
+              <a:t>javascript</a:t>
+            </a:r>
+            <a:r>
+              <a:rPr lang="en-US" dirty="0" smtClean="0"/>
+              <a:t> framework that greatly simplifies the creation of a single page web application.</a:t>
+            </a:r>
+          </a:p>
+          <a:p>
+            <a:r>
+              <a:rPr lang="en-US" dirty="0" smtClean="0"/>
+              <a:t>Built inside of Google</a:t>
+            </a:r>
+          </a:p>
+          <a:p>
+            <a:endParaRPr lang="en-US" dirty="0" smtClean="0"/>
+          </a:p>
+        </p:txBody>
+      </p:sp>
+      <p:sp>
+        <p:nvSpPr>
+          <p:cNvPr id="10" name="TextBox 9"/>
+          <p:cNvSpPr txBox="1"/>
+          <p:nvPr/>
+        </p:nvSpPr>
+        <p:spPr>
+          <a:xfrm>
+            <a:off x="892629" y="5585283"/>
+            <a:ext cx="7639807" cy="954107"/>
+          </a:xfrm>
+          <a:prstGeom prst="rect">
+            <a:avLst/>
+          </a:prstGeom>
+          <a:noFill/>
+        </p:spPr>
+        <p:txBody>
+          <a:bodyPr wrap="none" rtlCol="0">
+            <a:spAutoFit/>
+          </a:bodyPr>
+          <a:lstStyle/>
+          <a:p>
+            <a:pPr algn="ctr"/>
+            <a:r>
+              <a:rPr lang="en-US" sz="2800" dirty="0" smtClean="0"/>
+              <a:t>Want to learn more about the various frameworks:</a:t>
+            </a:r>
+          </a:p>
+          <a:p>
+            <a:pPr algn="ctr"/>
+            <a:r>
+              <a:rPr lang="en-US" sz="2800" dirty="0">
+                <a:hlinkClick r:id="rId2"/>
+              </a:rPr>
+              <a:t>http://</a:t>
+            </a:r>
+            <a:r>
+              <a:rPr lang="en-US" sz="2800" dirty="0" err="1">
+                <a:hlinkClick r:id="rId2"/>
+              </a:rPr>
+              <a:t>todomvc.com</a:t>
+            </a:r>
+            <a:r>
+              <a:rPr lang="en-US" sz="2800" dirty="0">
+                <a:hlinkClick r:id="rId2"/>
+              </a:rPr>
+              <a:t>/</a:t>
+            </a:r>
+            <a:endParaRPr lang="en-US" sz="2800" dirty="0"/>
+          </a:p>
+        </p:txBody>
+      </p:sp>
+      <p:sp>
+        <p:nvSpPr>
+          <p:cNvPr id="11" name="TextBox 10"/>
+          <p:cNvSpPr txBox="1"/>
+          <p:nvPr/>
+        </p:nvSpPr>
+        <p:spPr>
+          <a:xfrm>
+            <a:off x="2461083" y="4502835"/>
+            <a:ext cx="3678824" cy="923330"/>
+          </a:xfrm>
+          <a:prstGeom prst="rect">
+            <a:avLst/>
+          </a:prstGeom>
+          <a:noFill/>
+        </p:spPr>
+        <p:txBody>
+          <a:bodyPr wrap="none" rtlCol="0">
+            <a:spAutoFit/>
+          </a:bodyPr>
+          <a:lstStyle/>
+          <a:p>
+            <a:r>
+              <a:rPr lang="en-US" dirty="0" smtClean="0"/>
+              <a:t>90s: Static Web Sites (html)</a:t>
+            </a:r>
+          </a:p>
+          <a:p>
+            <a:r>
+              <a:rPr lang="en-US" dirty="0" smtClean="0"/>
+              <a:t>00s: Dynamic Web Sites (</a:t>
+            </a:r>
+            <a:r>
+              <a:rPr lang="en-US" dirty="0" err="1" smtClean="0"/>
+              <a:t>ajax</a:t>
+            </a:r>
+            <a:r>
+              <a:rPr lang="en-US" dirty="0" smtClean="0"/>
+              <a:t>/</a:t>
+            </a:r>
+            <a:r>
+              <a:rPr lang="en-US" dirty="0" err="1" smtClean="0"/>
+              <a:t>jquery</a:t>
+            </a:r>
+            <a:r>
+              <a:rPr lang="en-US" dirty="0" smtClean="0"/>
+              <a:t>)</a:t>
+            </a:r>
+          </a:p>
+          <a:p>
+            <a:r>
+              <a:rPr lang="en-US" dirty="0" smtClean="0"/>
+              <a:t>10s: Web Applications (spa)</a:t>
+            </a:r>
           </a:p>
         </p:txBody>
       </p:sp>
     </p:spTree>
     <p:extLst>
       <p:ext uri="{BB962C8B-B14F-4D97-AF65-F5344CB8AC3E}">
-        <p14:creationId xmlns:p14="http://schemas.microsoft.com/office/powerpoint/2010/main" val="3660693157"/>
+        <p14:creationId xmlns:p14="http://schemas.microsoft.com/office/powerpoint/2010/main" val="4025300492"/>
       </p:ext>
     </p:extLst>
   </p:cSld>
   <p:clrMapOvr>
     <a:masterClrMapping/>
   </p:clrMapOvr>
+  <p:timing>
+    <p:tnLst>
+      <p:par>
+        <p:cTn xmlns:p14="http://schemas.microsoft.com/office/powerpoint/2010/main" id="1" dur="indefinite" restart="never" nodeType="tmRoot"/>
+      </p:par>
+    </p:tnLst>
+  </p:timing>
 </p:sld>
 </file>
 
@@ -6905,19 +9906,15 @@
           <a:p>
             <a:r>
               <a:rPr lang="en-US" dirty="0" smtClean="0"/>
-              <a:t>KO</a:t>
-            </a:r>
-            <a:r>
-              <a:rPr lang="en-US" baseline="0" dirty="0" smtClean="0"/>
-              <a:t> </a:t>
-            </a:r>
-            <a:r>
-              <a:rPr lang="en-US" baseline="0" dirty="0" err="1" smtClean="0"/>
+              <a:t>KO </a:t>
+            </a:r>
+            <a:r>
+              <a:rPr lang="en-US" dirty="0" err="1" smtClean="0"/>
               <a:t>vs</a:t>
             </a:r>
             <a:r>
-              <a:rPr lang="en-US" baseline="0" dirty="0" smtClean="0"/>
-              <a:t> NG: Learning</a:t>
+              <a:rPr lang="en-US" dirty="0" smtClean="0"/>
+              <a:t> NG: Interest</a:t>
             </a:r>
             <a:endParaRPr lang="en-US" dirty="0"/>
           </a:p>
@@ -6925,12 +9922,12 @@
       </p:sp>
       <p:sp>
         <p:nvSpPr>
-          <p:cNvPr id="3" name="Content Placeholder 2"/>
-          <p:cNvSpPr>
-            <a:spLocks noGrp="1"/>
-          </p:cNvSpPr>
-          <p:nvPr>
-            <p:ph idx="1"/>
+          <p:cNvPr id="3" name="Text Placeholder 2"/>
+          <p:cNvSpPr>
+            <a:spLocks noGrp="1"/>
+          </p:cNvSpPr>
+          <p:nvPr>
+            <p:ph type="body" idx="1"/>
           </p:nvPr>
         </p:nvSpPr>
         <p:spPr/>
@@ -6938,20 +9935,244 @@
           <a:bodyPr/>
           <a:lstStyle/>
           <a:p>
-            <a:endParaRPr lang="en-US"/>
+            <a:r>
+              <a:rPr lang="en-US" dirty="0" smtClean="0"/>
+              <a:t>Knockout</a:t>
+            </a:r>
+            <a:endParaRPr lang="en-US" dirty="0"/>
+          </a:p>
+        </p:txBody>
+      </p:sp>
+      <p:sp>
+        <p:nvSpPr>
+          <p:cNvPr id="4" name="Content Placeholder 3"/>
+          <p:cNvSpPr>
+            <a:spLocks noGrp="1"/>
+          </p:cNvSpPr>
+          <p:nvPr>
+            <p:ph sz="half" idx="2"/>
+          </p:nvPr>
+        </p:nvSpPr>
+        <p:spPr/>
+        <p:txBody>
+          <a:bodyPr/>
+          <a:lstStyle/>
+          <a:p>
+            <a:r>
+              <a:rPr lang="en-US" dirty="0" smtClean="0"/>
+              <a:t>38 Contributors</a:t>
+            </a:r>
+          </a:p>
+          <a:p>
+            <a:r>
+              <a:rPr lang="en-US" dirty="0" smtClean="0"/>
+              <a:t>1 commit since the 15th</a:t>
+            </a:r>
+            <a:endParaRPr lang="en-US" dirty="0"/>
+          </a:p>
+        </p:txBody>
+      </p:sp>
+      <p:sp>
+        <p:nvSpPr>
+          <p:cNvPr id="5" name="Text Placeholder 4"/>
+          <p:cNvSpPr>
+            <a:spLocks noGrp="1"/>
+          </p:cNvSpPr>
+          <p:nvPr>
+            <p:ph type="body" sz="quarter" idx="3"/>
+          </p:nvPr>
+        </p:nvSpPr>
+        <p:spPr/>
+        <p:txBody>
+          <a:bodyPr/>
+          <a:lstStyle/>
+          <a:p>
+            <a:r>
+              <a:rPr lang="en-US" dirty="0" smtClean="0"/>
+              <a:t>Angular</a:t>
+            </a:r>
+            <a:endParaRPr lang="en-US" dirty="0"/>
+          </a:p>
+        </p:txBody>
+      </p:sp>
+      <p:sp>
+        <p:nvSpPr>
+          <p:cNvPr id="6" name="Content Placeholder 5"/>
+          <p:cNvSpPr>
+            <a:spLocks noGrp="1"/>
+          </p:cNvSpPr>
+          <p:nvPr>
+            <p:ph sz="quarter" idx="4"/>
+          </p:nvPr>
+        </p:nvSpPr>
+        <p:spPr/>
+        <p:txBody>
+          <a:bodyPr/>
+          <a:lstStyle/>
+          <a:p>
+            <a:r>
+              <a:rPr lang="en-US" dirty="0" smtClean="0"/>
+              <a:t>436 Contributors</a:t>
+            </a:r>
+          </a:p>
+          <a:p>
+            <a:r>
+              <a:rPr lang="en-US" dirty="0" smtClean="0"/>
+              <a:t>9 commits since the 15th</a:t>
+            </a:r>
+            <a:endParaRPr lang="en-US" dirty="0"/>
+          </a:p>
+        </p:txBody>
+      </p:sp>
+      <p:pic>
+        <p:nvPicPr>
+          <p:cNvPr id="7" name="Picture 6"/>
+          <p:cNvPicPr>
+            <a:picLocks noChangeAspect="1"/>
+          </p:cNvPicPr>
+          <p:nvPr/>
+        </p:nvPicPr>
+        <p:blipFill>
+          <a:blip r:embed="rId2"/>
+          <a:stretch>
+            <a:fillRect/>
+          </a:stretch>
+        </p:blipFill>
+        <p:spPr>
+          <a:xfrm>
+            <a:off x="607786" y="3399518"/>
+            <a:ext cx="7411357" cy="2768978"/>
+          </a:xfrm>
+          <a:prstGeom prst="rect">
+            <a:avLst/>
+          </a:prstGeom>
+        </p:spPr>
+      </p:pic>
+      <p:sp>
+        <p:nvSpPr>
+          <p:cNvPr id="8" name="TextBox 7"/>
+          <p:cNvSpPr txBox="1"/>
+          <p:nvPr/>
+        </p:nvSpPr>
+        <p:spPr>
+          <a:xfrm>
+            <a:off x="6475131" y="6198382"/>
+            <a:ext cx="1544012" cy="369332"/>
+          </a:xfrm>
+          <a:prstGeom prst="rect">
+            <a:avLst/>
+          </a:prstGeom>
+          <a:noFill/>
+        </p:spPr>
+        <p:txBody>
+          <a:bodyPr wrap="none" rtlCol="0">
+            <a:spAutoFit/>
+          </a:bodyPr>
+          <a:lstStyle/>
+          <a:p>
+            <a:r>
+              <a:rPr lang="en-US" dirty="0" smtClean="0">
+                <a:hlinkClick r:id="rId3"/>
+              </a:rPr>
+              <a:t>Google Trends</a:t>
+            </a:r>
+            <a:endParaRPr lang="en-US" dirty="0"/>
+          </a:p>
+        </p:txBody>
+      </p:sp>
+      <p:sp>
+        <p:nvSpPr>
+          <p:cNvPr id="9" name="TextBox 8"/>
+          <p:cNvSpPr txBox="1"/>
+          <p:nvPr/>
+        </p:nvSpPr>
+        <p:spPr>
+          <a:xfrm>
+            <a:off x="3695539" y="4481285"/>
+            <a:ext cx="1146468" cy="369332"/>
+          </a:xfrm>
+          <a:prstGeom prst="rect">
+            <a:avLst/>
+          </a:prstGeom>
+          <a:noFill/>
+        </p:spPr>
+        <p:txBody>
+          <a:bodyPr wrap="none" rtlCol="0">
+            <a:spAutoFit/>
+          </a:bodyPr>
+          <a:lstStyle/>
+          <a:p>
+            <a:r>
+              <a:rPr lang="en-US" dirty="0" smtClean="0">
+                <a:solidFill>
+                  <a:srgbClr val="0000FF"/>
+                </a:solidFill>
+              </a:rPr>
+              <a:t>Angular JS</a:t>
+            </a:r>
+            <a:endParaRPr lang="en-US" dirty="0">
+              <a:solidFill>
+                <a:srgbClr val="0000FF"/>
+              </a:solidFill>
+            </a:endParaRPr>
+          </a:p>
+        </p:txBody>
+      </p:sp>
+      <p:sp>
+        <p:nvSpPr>
+          <p:cNvPr id="10" name="TextBox 9"/>
+          <p:cNvSpPr txBox="1"/>
+          <p:nvPr/>
+        </p:nvSpPr>
+        <p:spPr>
+          <a:xfrm>
+            <a:off x="3993870" y="5404757"/>
+            <a:ext cx="1302310" cy="369332"/>
+          </a:xfrm>
+          <a:prstGeom prst="rect">
+            <a:avLst/>
+          </a:prstGeom>
+          <a:noFill/>
+        </p:spPr>
+        <p:txBody>
+          <a:bodyPr wrap="none" rtlCol="0">
+            <a:spAutoFit/>
+          </a:bodyPr>
+          <a:lstStyle/>
+          <a:p>
+            <a:r>
+              <a:rPr lang="en-US" dirty="0" smtClean="0">
+                <a:solidFill>
+                  <a:srgbClr val="FF0000"/>
+                </a:solidFill>
+              </a:rPr>
+              <a:t>Knockout JS</a:t>
+            </a:r>
+            <a:endParaRPr lang="en-US" dirty="0">
+              <a:solidFill>
+                <a:srgbClr val="FF0000"/>
+              </a:solidFill>
+            </a:endParaRPr>
           </a:p>
         </p:txBody>
       </p:sp>
     </p:spTree>
     <p:extLst>
       <p:ext uri="{BB962C8B-B14F-4D97-AF65-F5344CB8AC3E}">
-        <p14:creationId xmlns:p14="http://schemas.microsoft.com/office/powerpoint/2010/main" val="3995742044"/>
+        <p14:creationId xmlns:p14="http://schemas.microsoft.com/office/powerpoint/2010/main" val="3660693157"/>
       </p:ext>
     </p:extLst>
   </p:cSld>
   <p:clrMapOvr>
     <a:masterClrMapping/>
   </p:clrMapOvr>
+  <p:timing>
+    <p:tnLst>
+      <p:par>
+        <p:cTn xmlns:p14="http://schemas.microsoft.com/office/powerpoint/2010/main" id="1" dur="indefinite" restart="never" nodeType="tmRoot"/>
+      </p:par>
+    </p:tnLst>
+  </p:timing>
 </p:sld>
 </file>
 
@@ -6989,28 +10210,133 @@
           <a:p>
             <a:r>
               <a:rPr lang="en-US" dirty="0" smtClean="0"/>
-              <a:t>KO </a:t>
-            </a:r>
+              <a:t>KO</a:t>
+            </a:r>
+            <a:r>
+              <a:rPr lang="en-US" baseline="0" dirty="0" smtClean="0"/>
+              <a:t> </a:t>
+            </a:r>
+            <a:r>
+              <a:rPr lang="en-US" baseline="0" dirty="0" err="1" smtClean="0"/>
+              <a:t>vs</a:t>
+            </a:r>
+            <a:r>
+              <a:rPr lang="en-US" baseline="0" dirty="0" smtClean="0"/>
+              <a:t> NG: Learning</a:t>
+            </a:r>
+            <a:endParaRPr lang="en-US" dirty="0"/>
+          </a:p>
+        </p:txBody>
+      </p:sp>
+      <p:sp>
+        <p:nvSpPr>
+          <p:cNvPr id="4" name="Text Placeholder 3"/>
+          <p:cNvSpPr>
+            <a:spLocks noGrp="1"/>
+          </p:cNvSpPr>
+          <p:nvPr>
+            <p:ph type="body" idx="1"/>
+          </p:nvPr>
+        </p:nvSpPr>
+        <p:spPr/>
+        <p:txBody>
+          <a:bodyPr/>
+          <a:lstStyle/>
+          <a:p>
+            <a:r>
+              <a:rPr lang="en-US" dirty="0" smtClean="0"/>
+              <a:t>Knockout</a:t>
+            </a:r>
+            <a:endParaRPr lang="en-US" dirty="0"/>
+          </a:p>
+        </p:txBody>
+      </p:sp>
+      <p:sp>
+        <p:nvSpPr>
+          <p:cNvPr id="5" name="Content Placeholder 4"/>
+          <p:cNvSpPr>
+            <a:spLocks noGrp="1"/>
+          </p:cNvSpPr>
+          <p:nvPr>
+            <p:ph sz="half" idx="2"/>
+          </p:nvPr>
+        </p:nvSpPr>
+        <p:spPr/>
+        <p:txBody>
+          <a:bodyPr/>
+          <a:lstStyle/>
+          <a:p>
+            <a:r>
+              <a:rPr lang="en-US" dirty="0" smtClean="0"/>
+              <a:t>Easier to learn since there is less functionality</a:t>
+            </a:r>
+          </a:p>
+          <a:p>
+            <a:r>
+              <a:rPr lang="en-US" dirty="0" err="1" smtClean="0">
+                <a:hlinkClick r:id="rId2"/>
+              </a:rPr>
+              <a:t>Knockoutjs.com</a:t>
+            </a:r>
+            <a:r>
+              <a:rPr lang="en-US" dirty="0" smtClean="0"/>
+              <a:t> is great for the beginners</a:t>
+            </a:r>
+          </a:p>
+          <a:p>
+            <a:r>
+              <a:rPr lang="en-US" dirty="0" smtClean="0">
+                <a:hlinkClick r:id="rId3"/>
+              </a:rPr>
+              <a:t>Knockmeout.net</a:t>
+            </a:r>
+            <a:r>
+              <a:rPr lang="en-US" dirty="0" smtClean="0"/>
+              <a:t> is great for the advanced users</a:t>
+            </a:r>
+          </a:p>
+          <a:p>
+            <a:r>
+              <a:rPr lang="en-US" dirty="0" smtClean="0"/>
+              <a:t>Open Source: </a:t>
+            </a:r>
+            <a:r>
+              <a:rPr lang="en-US" dirty="0" smtClean="0">
+                <a:hlinkClick r:id="rId4"/>
+              </a:rPr>
+              <a:t>GitHub/Knockout</a:t>
+            </a:r>
+            <a:endParaRPr lang="en-US" dirty="0"/>
+          </a:p>
+          <a:p>
             <a:r>
               <a:rPr lang="en-US" dirty="0" err="1" smtClean="0"/>
-              <a:t>vs</a:t>
-            </a:r>
-            <a:r>
-              <a:rPr lang="en-US" dirty="0" smtClean="0"/>
-              <a:t> NG: File Sizes</a:t>
-            </a:r>
+              <a:t>GoDaddy</a:t>
+            </a:r>
+            <a:r>
+              <a:rPr lang="en-US" dirty="0" smtClean="0"/>
+              <a:t> Yammer</a:t>
+            </a:r>
+          </a:p>
+          <a:p>
+            <a:pPr marL="0" indent="0">
+              <a:buNone/>
+            </a:pPr>
+            <a:endParaRPr lang="en-US" dirty="0" smtClean="0"/>
+          </a:p>
+          <a:p>
             <a:endParaRPr lang="en-US" dirty="0"/>
           </a:p>
         </p:txBody>
       </p:sp>
       <p:sp>
         <p:nvSpPr>
-          <p:cNvPr id="3" name="Content Placeholder 2"/>
-          <p:cNvSpPr>
-            <a:spLocks noGrp="1"/>
-          </p:cNvSpPr>
-          <p:nvPr>
-            <p:ph idx="1"/>
+          <p:cNvPr id="6" name="Text Placeholder 5"/>
+          <p:cNvSpPr>
+            <a:spLocks noGrp="1"/>
+          </p:cNvSpPr>
+          <p:nvPr>
+            <p:ph type="body" sz="quarter" idx="3"/>
           </p:nvPr>
         </p:nvSpPr>
         <p:spPr/>
@@ -7018,20 +10344,133 @@
           <a:bodyPr/>
           <a:lstStyle/>
           <a:p>
-            <a:endParaRPr lang="en-US"/>
+            <a:r>
+              <a:rPr lang="en-US" dirty="0" smtClean="0"/>
+              <a:t>Angular</a:t>
+            </a:r>
+            <a:endParaRPr lang="en-US" dirty="0"/>
+          </a:p>
+        </p:txBody>
+      </p:sp>
+      <p:sp>
+        <p:nvSpPr>
+          <p:cNvPr id="7" name="Content Placeholder 6"/>
+          <p:cNvSpPr>
+            <a:spLocks noGrp="1"/>
+          </p:cNvSpPr>
+          <p:nvPr>
+            <p:ph sz="quarter" idx="4"/>
+          </p:nvPr>
+        </p:nvSpPr>
+        <p:spPr/>
+        <p:txBody>
+          <a:bodyPr/>
+          <a:lstStyle/>
+          <a:p>
+            <a:r>
+              <a:rPr lang="en-US" dirty="0" smtClean="0">
+                <a:hlinkClick r:id="rId5"/>
+              </a:rPr>
+              <a:t>Angularjs.org</a:t>
+            </a:r>
+            <a:r>
+              <a:rPr lang="en-US" dirty="0" smtClean="0"/>
+              <a:t> is great for beginners</a:t>
+            </a:r>
+          </a:p>
+          <a:p>
+            <a:r>
+              <a:rPr lang="en-US" dirty="0" smtClean="0"/>
+              <a:t>Has own </a:t>
+            </a:r>
+            <a:r>
+              <a:rPr lang="en-US" dirty="0" smtClean="0">
+                <a:hlinkClick r:id="rId6"/>
+              </a:rPr>
+              <a:t>YouTube channel</a:t>
+            </a:r>
+            <a:endParaRPr lang="en-US" dirty="0" smtClean="0"/>
+          </a:p>
+          <a:p>
+            <a:r>
+              <a:rPr lang="en-US" dirty="0" smtClean="0"/>
+              <a:t>Both </a:t>
+            </a:r>
+            <a:r>
+              <a:rPr lang="en-US" dirty="0" smtClean="0">
+                <a:hlinkClick r:id="rId7"/>
+              </a:rPr>
+              <a:t>Manning </a:t>
+            </a:r>
+            <a:r>
+              <a:rPr lang="en-US" dirty="0" smtClean="0"/>
+              <a:t>and </a:t>
+            </a:r>
+            <a:r>
+              <a:rPr lang="en-US" dirty="0" smtClean="0">
+                <a:hlinkClick r:id="rId8"/>
+              </a:rPr>
+              <a:t>O’Reilly</a:t>
+            </a:r>
+            <a:r>
+              <a:rPr lang="en-US" dirty="0" smtClean="0"/>
+              <a:t> has books available</a:t>
+            </a:r>
+          </a:p>
+          <a:p>
+            <a:r>
+              <a:rPr lang="en-US" dirty="0" smtClean="0"/>
+              <a:t>Open Source:  </a:t>
+            </a:r>
+            <a:r>
+              <a:rPr lang="en-US" dirty="0" smtClean="0">
+                <a:hlinkClick r:id="rId9"/>
+              </a:rPr>
+              <a:t>GitHub/Angular</a:t>
+            </a:r>
+            <a:endParaRPr lang="en-US" dirty="0" smtClean="0"/>
+          </a:p>
+          <a:p>
+            <a:r>
+              <a:rPr lang="en-US" dirty="0" err="1"/>
+              <a:t>GoDaddy</a:t>
+            </a:r>
+            <a:r>
+              <a:rPr lang="en-US" dirty="0"/>
+              <a:t> Yammer</a:t>
+            </a:r>
+          </a:p>
+          <a:p>
+            <a:pPr marL="0" indent="0">
+              <a:buNone/>
+            </a:pPr>
+            <a:endParaRPr lang="en-US" dirty="0" smtClean="0"/>
+          </a:p>
+          <a:p>
+            <a:endParaRPr lang="en-US" dirty="0" smtClean="0"/>
+          </a:p>
+          <a:p>
+            <a:endParaRPr lang="en-US" dirty="0"/>
           </a:p>
         </p:txBody>
       </p:sp>
     </p:spTree>
     <p:extLst>
       <p:ext uri="{BB962C8B-B14F-4D97-AF65-F5344CB8AC3E}">
-        <p14:creationId xmlns:p14="http://schemas.microsoft.com/office/powerpoint/2010/main" val="3804968130"/>
+        <p14:creationId xmlns:p14="http://schemas.microsoft.com/office/powerpoint/2010/main" val="3995742044"/>
       </p:ext>
     </p:extLst>
   </p:cSld>
   <p:clrMapOvr>
     <a:masterClrMapping/>
   </p:clrMapOvr>
+  <p:timing>
+    <p:tnLst>
+      <p:par>
+        <p:cTn xmlns:p14="http://schemas.microsoft.com/office/powerpoint/2010/main" id="1" dur="indefinite" restart="never" nodeType="tmRoot"/>
+      </p:par>
+    </p:tnLst>
+  </p:timing>
 </p:sld>
 </file>
 
@@ -7077,11 +10516,115 @@
             </a:r>
             <a:r>
               <a:rPr lang="en-US" dirty="0" smtClean="0"/>
-              <a:t> NG: </a:t>
-            </a:r>
+              <a:t> NG: File Sizes</a:t>
+            </a:r>
+            <a:endParaRPr lang="en-US" dirty="0"/>
+          </a:p>
+        </p:txBody>
+      </p:sp>
+      <p:sp>
+        <p:nvSpPr>
+          <p:cNvPr id="4" name="Text Placeholder 3"/>
+          <p:cNvSpPr>
+            <a:spLocks noGrp="1"/>
+          </p:cNvSpPr>
+          <p:nvPr>
+            <p:ph type="body" idx="1"/>
+          </p:nvPr>
+        </p:nvSpPr>
+        <p:spPr/>
+        <p:txBody>
+          <a:bodyPr/>
+          <a:lstStyle/>
+          <a:p>
+            <a:r>
+              <a:rPr lang="en-US" dirty="0" smtClean="0"/>
+              <a:t>Knockout</a:t>
+            </a:r>
+            <a:endParaRPr lang="en-US" dirty="0"/>
+          </a:p>
+        </p:txBody>
+      </p:sp>
+      <p:sp>
+        <p:nvSpPr>
+          <p:cNvPr id="5" name="Content Placeholder 4"/>
+          <p:cNvSpPr>
+            <a:spLocks noGrp="1"/>
+          </p:cNvSpPr>
+          <p:nvPr>
+            <p:ph sz="half" idx="2"/>
+          </p:nvPr>
+        </p:nvSpPr>
+        <p:spPr/>
+        <p:txBody>
+          <a:bodyPr/>
+          <a:lstStyle/>
+          <a:p>
+            <a:r>
+              <a:rPr lang="en-US" dirty="0" smtClean="0"/>
+              <a:t>ko_v2.3_min.js:  </a:t>
+            </a:r>
+            <a:r>
+              <a:rPr lang="en-US" b="1" dirty="0" smtClean="0"/>
+              <a:t>43Kb</a:t>
+            </a:r>
+          </a:p>
+          <a:p>
+            <a:endParaRPr lang="en-US" b="1" dirty="0"/>
+          </a:p>
+          <a:p>
             <a:r>
               <a:rPr lang="en-US" dirty="0" err="1" smtClean="0"/>
-              <a:t>Performane</a:t>
+              <a:t>ko</a:t>
+            </a:r>
+            <a:r>
+              <a:rPr lang="en-US" dirty="0" smtClean="0"/>
+              <a:t> + </a:t>
+            </a:r>
+            <a:r>
+              <a:rPr lang="en-US" dirty="0" err="1" smtClean="0"/>
+              <a:t>jQuery</a:t>
+            </a:r>
+            <a:r>
+              <a:rPr lang="en-US" dirty="0" smtClean="0"/>
+              <a:t> + </a:t>
+            </a:r>
+            <a:r>
+              <a:rPr lang="en-US" dirty="0" err="1" smtClean="0"/>
+              <a:t>require.js</a:t>
+            </a:r>
+            <a:r>
+              <a:rPr lang="en-US" dirty="0" smtClean="0"/>
+              <a:t> + $.address =  43 + 84 + 15 + 10 =</a:t>
+            </a:r>
+            <a:r>
+              <a:rPr lang="en-US" b="1" dirty="0" smtClean="0"/>
+              <a:t> 152kb</a:t>
+            </a:r>
+          </a:p>
+          <a:p>
+            <a:endParaRPr lang="en-US" b="1" dirty="0"/>
+          </a:p>
+        </p:txBody>
+      </p:sp>
+      <p:sp>
+        <p:nvSpPr>
+          <p:cNvPr id="6" name="Text Placeholder 5"/>
+          <p:cNvSpPr>
+            <a:spLocks noGrp="1"/>
+          </p:cNvSpPr>
+          <p:nvPr>
+            <p:ph type="body" sz="quarter" idx="3"/>
+          </p:nvPr>
+        </p:nvSpPr>
+        <p:spPr/>
+        <p:txBody>
+          <a:bodyPr/>
+          <a:lstStyle/>
+          <a:p>
+            <a:r>
+              <a:rPr lang="en-US" dirty="0" smtClean="0"/>
+              <a:t>Angular</a:t>
             </a:r>
             <a:endParaRPr lang="en-US" dirty="0"/>
           </a:p>
@@ -7089,12 +10632,12 @@
       </p:sp>
       <p:sp>
         <p:nvSpPr>
-          <p:cNvPr id="3" name="Content Placeholder 2"/>
-          <p:cNvSpPr>
-            <a:spLocks noGrp="1"/>
-          </p:cNvSpPr>
-          <p:nvPr>
-            <p:ph idx="1"/>
+          <p:cNvPr id="7" name="Content Placeholder 6"/>
+          <p:cNvSpPr>
+            <a:spLocks noGrp="1"/>
+          </p:cNvSpPr>
+          <p:nvPr>
+            <p:ph sz="quarter" idx="4"/>
           </p:nvPr>
         </p:nvSpPr>
         <p:spPr/>
@@ -7102,23 +10645,40 @@
           <a:bodyPr/>
           <a:lstStyle/>
           <a:p>
-            <a:pPr marL="0" indent="0">
-              <a:buNone/>
-            </a:pPr>
-            <a:endParaRPr lang="en-US" dirty="0"/>
+            <a:r>
+              <a:rPr lang="en-US" dirty="0" smtClean="0"/>
+              <a:t>ng_v1.0.8_min.js:  </a:t>
+            </a:r>
+            <a:r>
+              <a:rPr lang="en-US" b="1" dirty="0" smtClean="0"/>
+              <a:t>81kb</a:t>
+            </a:r>
+          </a:p>
+          <a:p>
+            <a:pPr marL="0" indent="0">
+              <a:buNone/>
+            </a:pPr>
+            <a:endParaRPr lang="en-US" b="1" dirty="0"/>
           </a:p>
         </p:txBody>
       </p:sp>
     </p:spTree>
     <p:extLst>
       <p:ext uri="{BB962C8B-B14F-4D97-AF65-F5344CB8AC3E}">
-        <p14:creationId xmlns:p14="http://schemas.microsoft.com/office/powerpoint/2010/main" val="3794787906"/>
+        <p14:creationId xmlns:p14="http://schemas.microsoft.com/office/powerpoint/2010/main" val="3804968130"/>
       </p:ext>
     </p:extLst>
   </p:cSld>
   <p:clrMapOvr>
     <a:masterClrMapping/>
   </p:clrMapOvr>
+  <p:timing>
+    <p:tnLst>
+      <p:par>
+        <p:cTn xmlns:p14="http://schemas.microsoft.com/office/powerpoint/2010/main" id="1" dur="indefinite" restart="never" nodeType="tmRoot"/>
+      </p:par>
+    </p:tnLst>
+  </p:timing>
 </p:sld>
 </file>
 
@@ -7440,4 +11000,324 @@
   </a:objectDefaults>
   <a:extraClrSchemeLst/>
 </a:theme>
+</file>
+
+<file path=ppt/theme/theme2.xml><?xml version="1.0" encoding="utf-8"?>
+<a:theme xmlns:a="http://schemas.openxmlformats.org/drawingml/2006/main" name="Office Theme">
+  <a:themeElements>
+    <a:clrScheme name="Office">
+      <a:dk1>
+        <a:sysClr val="windowText" lastClr="000000"/>
+      </a:dk1>
+      <a:lt1>
+        <a:sysClr val="window" lastClr="FFFFFF"/>
+      </a:lt1>
+      <a:dk2>
+        <a:srgbClr val="1F497D"/>
+      </a:dk2>
+      <a:lt2>
+        <a:srgbClr val="EEECE1"/>
+      </a:lt2>
+      <a:accent1>
+        <a:srgbClr val="4F81BD"/>
+      </a:accent1>
+      <a:accent2>
+        <a:srgbClr val="C0504D"/>
+      </a:accent2>
+      <a:accent3>
+        <a:srgbClr val="9BBB59"/>
+      </a:accent3>
+      <a:accent4>
+        <a:srgbClr val="8064A2"/>
+      </a:accent4>
+      <a:accent5>
+        <a:srgbClr val="4BACC6"/>
+      </a:accent5>
+      <a:accent6>
+        <a:srgbClr val="F79646"/>
+      </a:accent6>
+      <a:hlink>
+        <a:srgbClr val="0000FF"/>
+      </a:hlink>
+      <a:folHlink>
+        <a:srgbClr val="800080"/>
+      </a:folHlink>
+    </a:clrScheme>
+    <a:fontScheme name="Office">
+      <a:majorFont>
+        <a:latin typeface="Calibri"/>
+        <a:ea typeface=""/>
+        <a:cs typeface=""/>
+        <a:font script="Jpan" typeface="ＭＳ Ｐゴシック"/>
+        <a:font script="Hang" typeface="맑은 고딕"/>
+        <a:font script="Hans" typeface="宋体"/>
+        <a:font script="Hant" typeface="新細明體"/>
+        <a:font script="Arab" typeface="Times New Roman"/>
+        <a:font script="Hebr" typeface="Times New Roman"/>
+        <a:font script="Thai" typeface="Angsana New"/>
+        <a:font script="Ethi" typeface="Nyala"/>
+        <a:font script="Beng" typeface="Vrinda"/>
+        <a:font script="Gujr" typeface="Shruti"/>
+        <a:font script="Khmr" typeface="MoolBoran"/>
+        <a:font script="Knda" typeface="Tunga"/>
+        <a:font script="Guru" typeface="Raavi"/>
+        <a:font script="Cans" typeface="Euphemia"/>
+        <a:font script="Cher" typeface="Plantagenet Cherokee"/>
+        <a:font script="Yiii" typeface="Microsoft Yi Baiti"/>
+        <a:font script="Tibt" typeface="Microsoft Himalaya"/>
+        <a:font script="Thaa" typeface="MV Boli"/>
+        <a:font script="Deva" typeface="Mangal"/>
+        <a:font script="Telu" typeface="Gautami"/>
+        <a:font script="Taml" typeface="Latha"/>
+        <a:font script="Syrc" typeface="Estrangelo Edessa"/>
+        <a:font script="Orya" typeface="Kalinga"/>
+        <a:font script="Mlym" typeface="Kartika"/>
+        <a:font script="Laoo" typeface="DokChampa"/>
+        <a:font script="Sinh" typeface="Iskoola Pota"/>
+        <a:font script="Mong" typeface="Mongolian Baiti"/>
+        <a:font script="Viet" typeface="Times New Roman"/>
+        <a:font script="Uigh" typeface="Microsoft Uighur"/>
+        <a:font script="Geor" typeface="Sylfaen"/>
+      </a:majorFont>
+      <a:minorFont>
+        <a:latin typeface="Calibri"/>
+        <a:ea typeface=""/>
+        <a:cs typeface=""/>
+        <a:font script="Jpan" typeface="ＭＳ Ｐゴシック"/>
+        <a:font script="Hang" typeface="맑은 고딕"/>
+        <a:font script="Hans" typeface="宋体"/>
+        <a:font script="Hant" typeface="新細明體"/>
+        <a:font script="Arab" typeface="Arial"/>
+        <a:font script="Hebr" typeface="Arial"/>
+        <a:font script="Thai" typeface="Cordia New"/>
+        <a:font script="Ethi" typeface="Nyala"/>
+        <a:font script="Beng" typeface="Vrinda"/>
+        <a:font script="Gujr" typeface="Shruti"/>
+        <a:font script="Khmr" typeface="DaunPenh"/>
+        <a:font script="Knda" typeface="Tunga"/>
+        <a:font script="Guru" typeface="Raavi"/>
+        <a:font script="Cans" typeface="Euphemia"/>
+        <a:font script="Cher" typeface="Plantagenet Cherokee"/>
+        <a:font script="Yiii" typeface="Microsoft Yi Baiti"/>
+        <a:font script="Tibt" typeface="Microsoft Himalaya"/>
+        <a:font script="Thaa" typeface="MV Boli"/>
+        <a:font script="Deva" typeface="Mangal"/>
+        <a:font script="Telu" typeface="Gautami"/>
+        <a:font script="Taml" typeface="Latha"/>
+        <a:font script="Syrc" typeface="Estrangelo Edessa"/>
+        <a:font script="Orya" typeface="Kalinga"/>
+        <a:font script="Mlym" typeface="Kartika"/>
+        <a:font script="Laoo" typeface="DokChampa"/>
+        <a:font script="Sinh" typeface="Iskoola Pota"/>
+        <a:font script="Mong" typeface="Mongolian Baiti"/>
+        <a:font script="Viet" typeface="Arial"/>
+        <a:font script="Uigh" typeface="Microsoft Uighur"/>
+        <a:font script="Geor" typeface="Sylfaen"/>
+      </a:minorFont>
+    </a:fontScheme>
+    <a:fmtScheme name="Office">
+      <a:fillStyleLst>
+        <a:solidFill>
+          <a:schemeClr val="phClr"/>
+        </a:solidFill>
+        <a:gradFill rotWithShape="1">
+          <a:gsLst>
+            <a:gs pos="0">
+              <a:schemeClr val="phClr">
+                <a:tint val="50000"/>
+                <a:satMod val="300000"/>
+              </a:schemeClr>
+            </a:gs>
+            <a:gs pos="35000">
+              <a:schemeClr val="phClr">
+                <a:tint val="37000"/>
+                <a:satMod val="300000"/>
+              </a:schemeClr>
+            </a:gs>
+            <a:gs pos="100000">
+              <a:schemeClr val="phClr">
+                <a:tint val="15000"/>
+                <a:satMod val="350000"/>
+              </a:schemeClr>
+            </a:gs>
+          </a:gsLst>
+          <a:lin ang="16200000" scaled="1"/>
+        </a:gradFill>
+        <a:gradFill rotWithShape="1">
+          <a:gsLst>
+            <a:gs pos="0">
+              <a:schemeClr val="phClr">
+                <a:tint val="100000"/>
+                <a:shade val="100000"/>
+                <a:satMod val="130000"/>
+              </a:schemeClr>
+            </a:gs>
+            <a:gs pos="100000">
+              <a:schemeClr val="phClr">
+                <a:tint val="50000"/>
+                <a:shade val="100000"/>
+                <a:satMod val="350000"/>
+              </a:schemeClr>
+            </a:gs>
+          </a:gsLst>
+          <a:lin ang="16200000" scaled="0"/>
+        </a:gradFill>
+      </a:fillStyleLst>
+      <a:lnStyleLst>
+        <a:ln w="9525" cap="flat" cmpd="sng" algn="ctr">
+          <a:solidFill>
+            <a:schemeClr val="phClr">
+              <a:shade val="95000"/>
+              <a:satMod val="105000"/>
+            </a:schemeClr>
+          </a:solidFill>
+          <a:prstDash val="solid"/>
+        </a:ln>
+        <a:ln w="25400" cap="flat" cmpd="sng" algn="ctr">
+          <a:solidFill>
+            <a:schemeClr val="phClr"/>
+          </a:solidFill>
+          <a:prstDash val="solid"/>
+        </a:ln>
+        <a:ln w="38100" cap="flat" cmpd="sng" algn="ctr">
+          <a:solidFill>
+            <a:schemeClr val="phClr"/>
+          </a:solidFill>
+          <a:prstDash val="solid"/>
+        </a:ln>
+      </a:lnStyleLst>
+      <a:effectStyleLst>
+        <a:effectStyle>
+          <a:effectLst>
+            <a:outerShdw blurRad="40000" dist="20000" dir="5400000" rotWithShape="0">
+              <a:srgbClr val="000000">
+                <a:alpha val="38000"/>
+              </a:srgbClr>
+            </a:outerShdw>
+          </a:effectLst>
+        </a:effectStyle>
+        <a:effectStyle>
+          <a:effectLst>
+            <a:outerShdw blurRad="40000" dist="23000" dir="5400000" rotWithShape="0">
+              <a:srgbClr val="000000">
+                <a:alpha val="35000"/>
+              </a:srgbClr>
+            </a:outerShdw>
+          </a:effectLst>
+        </a:effectStyle>
+        <a:effectStyle>
+          <a:effectLst>
+            <a:outerShdw blurRad="40000" dist="23000" dir="5400000" rotWithShape="0">
+              <a:srgbClr val="000000">
+                <a:alpha val="35000"/>
+              </a:srgbClr>
+            </a:outerShdw>
+          </a:effectLst>
+          <a:scene3d>
+            <a:camera prst="orthographicFront">
+              <a:rot lat="0" lon="0" rev="0"/>
+            </a:camera>
+            <a:lightRig rig="threePt" dir="t">
+              <a:rot lat="0" lon="0" rev="1200000"/>
+            </a:lightRig>
+          </a:scene3d>
+          <a:sp3d>
+            <a:bevelT w="63500" h="25400"/>
+          </a:sp3d>
+        </a:effectStyle>
+      </a:effectStyleLst>
+      <a:bgFillStyleLst>
+        <a:solidFill>
+          <a:schemeClr val="phClr"/>
+        </a:solidFill>
+        <a:gradFill rotWithShape="1">
+          <a:gsLst>
+            <a:gs pos="0">
+              <a:schemeClr val="phClr">
+                <a:tint val="40000"/>
+                <a:satMod val="350000"/>
+              </a:schemeClr>
+            </a:gs>
+            <a:gs pos="40000">
+              <a:schemeClr val="phClr">
+                <a:tint val="45000"/>
+                <a:shade val="99000"/>
+                <a:satMod val="350000"/>
+              </a:schemeClr>
+            </a:gs>
+            <a:gs pos="100000">
+              <a:schemeClr val="phClr">
+                <a:shade val="20000"/>
+                <a:satMod val="255000"/>
+              </a:schemeClr>
+            </a:gs>
+          </a:gsLst>
+          <a:path path="circle">
+            <a:fillToRect l="50000" t="-80000" r="50000" b="180000"/>
+          </a:path>
+        </a:gradFill>
+        <a:gradFill rotWithShape="1">
+          <a:gsLst>
+            <a:gs pos="0">
+              <a:schemeClr val="phClr">
+                <a:tint val="80000"/>
+                <a:satMod val="300000"/>
+              </a:schemeClr>
+            </a:gs>
+            <a:gs pos="100000">
+              <a:schemeClr val="phClr">
+                <a:shade val="30000"/>
+                <a:satMod val="200000"/>
+              </a:schemeClr>
+            </a:gs>
+          </a:gsLst>
+          <a:path path="circle">
+            <a:fillToRect l="50000" t="50000" r="50000" b="50000"/>
+          </a:path>
+        </a:gradFill>
+      </a:bgFillStyleLst>
+    </a:fmtScheme>
+  </a:themeElements>
+  <a:objectDefaults>
+    <a:spDef>
+      <a:spPr/>
+      <a:bodyPr/>
+      <a:lstStyle/>
+      <a:style>
+        <a:lnRef idx="1">
+          <a:schemeClr val="accent1"/>
+        </a:lnRef>
+        <a:fillRef idx="3">
+          <a:schemeClr val="accent1"/>
+        </a:fillRef>
+        <a:effectRef idx="2">
+          <a:schemeClr val="accent1"/>
+        </a:effectRef>
+        <a:fontRef idx="minor">
+          <a:schemeClr val="lt1"/>
+        </a:fontRef>
+      </a:style>
+    </a:spDef>
+    <a:lnDef>
+      <a:spPr/>
+      <a:bodyPr/>
+      <a:lstStyle/>
+      <a:style>
+        <a:lnRef idx="2">
+          <a:schemeClr val="accent1"/>
+        </a:lnRef>
+        <a:fillRef idx="0">
+          <a:schemeClr val="accent1"/>
+        </a:fillRef>
+        <a:effectRef idx="1">
+          <a:schemeClr val="accent1"/>
+        </a:effectRef>
+        <a:fontRef idx="minor">
+          <a:schemeClr val="tx1"/>
+        </a:fontRef>
+      </a:style>
+    </a:lnDef>
+  </a:objectDefaults>
+  <a:extraClrSchemeLst/>
+</a:theme>
 </file>